--- a/C++ Presentation.pptx
+++ b/C++ Presentation.pptx
@@ -21,7 +21,6 @@
     <p:sldId id="265" r:id="rId14"/>
     <p:sldId id="266" r:id="rId15"/>
     <p:sldId id="267" r:id="rId16"/>
-    <p:sldId id="268" r:id="rId17"/>
   </p:sldIdLst>
   <p:sldSz cx="12192000" cy="6858000"/>
   <p:notesSz cx="7772400" cy="10058400"/>
@@ -189,7 +188,7 @@
           <a:bodyPr anchor="b" bIns="0" lIns="0" rIns="0" tIns="0" wrap="none"/>
           <a:p>
             <a:pPr algn="r"/>
-            <a:fld id="{A181D161-71E1-41E1-8141-F1B10191A191}" type="slidenum">
+            <a:fld id="{C1513191-51C1-4111-81C1-911121C1A1E1}" type="slidenum">
               <a:rPr lang="en-US"/>
               <a:t>&lt;number&gt;</a:t>
             </a:fld>
@@ -203,7 +202,7 @@
 </p:notesMaster>
 </file>
 
-<file path=ppt/notesSlides/notesSlide8.xml><?xml version="1.0" encoding="utf-8"?>
+<file path=ppt/notesSlides/notesSlide7.xml><?xml version="1.0" encoding="utf-8"?>
 <p:notes xmlns:a="http://schemas.openxmlformats.org/drawingml/2006/main" xmlns:p="http://schemas.openxmlformats.org/presentationml/2006/main" xmlns:r="http://schemas.openxmlformats.org/officeDocument/2006/relationships">
   <p:cSld>
     <p:spTree>
@@ -222,7 +221,7 @@
       </p:grpSpPr>
       <p:sp>
         <p:nvSpPr>
-          <p:cNvPr id="102" name="PlaceHolder 1"/>
+          <p:cNvPr id="105" name="PlaceHolder 1"/>
           <p:cNvSpPr>
             <a:spLocks noGrp="1"/>
           </p:cNvSpPr>
@@ -233,7 +232,7 @@
         <p:spPr>
           <a:xfrm>
             <a:off x="777240" y="4777560"/>
-            <a:ext cx="6217560" cy="4525920"/>
+            <a:ext cx="6217200" cy="4525560"/>
           </a:xfrm>
           <a:prstGeom prst="rect">
             <a:avLst/>
@@ -2507,8 +2506,8 @@
         </p:nvSpPr>
         <p:spPr>
           <a:xfrm>
-            <a:off x="838080" y="365040"/>
-            <a:ext cx="10514880" cy="1325160"/>
+            <a:off x="609480" y="273600"/>
+            <a:ext cx="10972080" cy="1144800"/>
           </a:xfrm>
           <a:prstGeom prst="rect">
             <a:avLst/>
@@ -2517,6 +2516,11 @@
         <p:txBody>
           <a:bodyPr anchor="ctr" bIns="0" lIns="0" rIns="0" tIns="0" wrap="none"/>
           <a:p>
+            <a:pPr algn="ctr">
+              <a:lnSpc>
+                <a:spcPct val="100000"/>
+              </a:lnSpc>
+            </a:pPr>
             <a:r>
               <a:rPr lang="en-US"/>
               <a:t>Click to edit the title text format</a:t>
@@ -2538,7 +2542,7 @@
         <p:spPr>
           <a:xfrm>
             <a:off x="609480" y="1604520"/>
-            <a:ext cx="10728360" cy="3977280"/>
+            <a:ext cx="10728000" cy="3976920"/>
           </a:xfrm>
           <a:prstGeom prst="rect">
             <a:avLst/>
@@ -2547,11 +2551,6 @@
         <p:txBody>
           <a:bodyPr bIns="0" lIns="0" rIns="0" tIns="0" wrap="none"/>
           <a:p>
-            <a:pPr>
-              <a:buSzPct val="45000"/>
-              <a:buFont typeface="StarSymbol"/>
-              <a:buChar char=""/>
-            </a:pPr>
             <a:r>
               <a:rPr lang="en-US"/>
               <a:t>Click to edit the outline text format</a:t>
@@ -2860,7 +2859,7 @@
         <p:spPr>
           <a:xfrm>
             <a:off x="1523880" y="1122480"/>
-            <a:ext cx="9143280" cy="2386800"/>
+            <a:ext cx="9142920" cy="2386440"/>
           </a:xfrm>
           <a:prstGeom prst="rect">
             <a:avLst/>
@@ -2896,7 +2895,7 @@
         <p:spPr>
           <a:xfrm>
             <a:off x="1523880" y="3602160"/>
-            <a:ext cx="9143280" cy="1654920"/>
+            <a:ext cx="9142920" cy="1654560"/>
           </a:xfrm>
           <a:prstGeom prst="rect">
             <a:avLst/>
@@ -2973,14 +2972,14 @@
       </p:grpSpPr>
       <p:sp>
         <p:nvSpPr>
-          <p:cNvPr id="96" name="CustomShape 1"/>
+          <p:cNvPr id="99" name="CustomShape 1"/>
           <p:cNvSpPr/>
           <p:nvPr/>
         </p:nvSpPr>
         <p:spPr>
           <a:xfrm>
-            <a:off x="838080" y="365040"/>
-            <a:ext cx="10514880" cy="1324800"/>
+            <a:off x="914400" y="-182880"/>
+            <a:ext cx="10514520" cy="1324440"/>
           </a:xfrm>
           <a:prstGeom prst="rect">
             <a:avLst/>
@@ -3001,16 +3000,7 @@
                 </a:solidFill>
                 <a:latin typeface="Calibri Light"/>
               </a:rPr>
-              <a:t>Question#3 </a:t>
-            </a:r>
-            <a:r>
-              <a:rPr lang="en-US" sz="4400">
-                <a:solidFill>
-                  <a:srgbClr val="000000"/>
-                </a:solidFill>
-                <a:latin typeface="Calibri Light"/>
-              </a:rPr>
-              <a:t>class/struct</a:t>
+              <a:t>Question#4 class/struct</a:t>
             </a:r>
             <a:endParaRPr/>
           </a:p>
@@ -3018,7 +3008,7 @@
       </p:sp>
       <p:pic>
         <p:nvPicPr>
-          <p:cNvPr descr="" id="97" name=""/>
+          <p:cNvPr descr="" id="100" name=""/>
           <p:cNvPicPr/>
           <p:nvPr/>
         </p:nvPicPr>
@@ -3030,14 +3020,40 @@
         </p:blipFill>
         <p:spPr>
           <a:xfrm>
-            <a:off x="1005840" y="1802520"/>
-            <a:ext cx="9801000" cy="4323960"/>
+            <a:off x="1005840" y="865440"/>
+            <a:ext cx="9371880" cy="5352480"/>
           </a:xfrm>
           <a:prstGeom prst="rect">
             <a:avLst/>
           </a:prstGeom>
         </p:spPr>
       </p:pic>
+      <p:sp>
+        <p:nvSpPr>
+          <p:cNvPr id="101" name="TextShape 2"/>
+          <p:cNvSpPr txBox="1"/>
+          <p:nvPr/>
+        </p:nvSpPr>
+        <p:spPr>
+          <a:xfrm>
+            <a:off x="1005840" y="6328440"/>
+            <a:ext cx="6866640" cy="346680"/>
+          </a:xfrm>
+          <a:prstGeom prst="rect">
+            <a:avLst/>
+          </a:prstGeom>
+        </p:spPr>
+        <p:txBody>
+          <a:bodyPr bIns="45000" lIns="90000" rIns="90000" tIns="45000" wrap="none"/>
+          <a:p>
+            <a:r>
+              <a:rPr lang="en-US"/>
+              <a:t>https://github.com/Morpheusou/TCPL/blob/master/demo/class.cpp</a:t>
+            </a:r>
+            <a:endParaRPr/>
+          </a:p>
+        </p:txBody>
+      </p:sp>
     </p:spTree>
   </p:cSld>
   <p:timing>
@@ -3091,14 +3107,14 @@
       </p:grpSpPr>
       <p:sp>
         <p:nvSpPr>
-          <p:cNvPr id="98" name="CustomShape 1"/>
+          <p:cNvPr id="102" name="CustomShape 1"/>
           <p:cNvSpPr/>
           <p:nvPr/>
         </p:nvSpPr>
         <p:spPr>
           <a:xfrm>
-            <a:off x="838080" y="365040"/>
-            <a:ext cx="10514880" cy="1324800"/>
+            <a:off x="731520" y="-182880"/>
+            <a:ext cx="10514520" cy="1324440"/>
           </a:xfrm>
           <a:prstGeom prst="rect">
             <a:avLst/>
@@ -3119,16 +3135,7 @@
                 </a:solidFill>
                 <a:latin typeface="Calibri Light"/>
               </a:rPr>
-              <a:t>Question#4 </a:t>
-            </a:r>
-            <a:r>
-              <a:rPr lang="en-US" sz="4400">
-                <a:solidFill>
-                  <a:srgbClr val="000000"/>
-                </a:solidFill>
-                <a:latin typeface="Calibri Light"/>
-              </a:rPr>
-              <a:t>class/struct</a:t>
+              <a:t>Question#5 static member</a:t>
             </a:r>
             <a:endParaRPr/>
           </a:p>
@@ -3136,7 +3143,7 @@
       </p:sp>
       <p:pic>
         <p:nvPicPr>
-          <p:cNvPr descr="" id="99" name=""/>
+          <p:cNvPr descr="" id="103" name=""/>
           <p:cNvPicPr/>
           <p:nvPr/>
         </p:nvPicPr>
@@ -3148,14 +3155,40 @@
         </p:blipFill>
         <p:spPr>
           <a:xfrm>
-            <a:off x="914400" y="1505160"/>
-            <a:ext cx="9372240" cy="5352840"/>
+            <a:off x="814320" y="875160"/>
+            <a:ext cx="9609840" cy="5799960"/>
           </a:xfrm>
           <a:prstGeom prst="rect">
             <a:avLst/>
           </a:prstGeom>
         </p:spPr>
       </p:pic>
+      <p:sp>
+        <p:nvSpPr>
+          <p:cNvPr id="104" name="TextShape 2"/>
+          <p:cNvSpPr txBox="1"/>
+          <p:nvPr/>
+        </p:nvSpPr>
+        <p:spPr>
+          <a:xfrm>
+            <a:off x="892080" y="6602760"/>
+            <a:ext cx="6880320" cy="346680"/>
+          </a:xfrm>
+          <a:prstGeom prst="rect">
+            <a:avLst/>
+          </a:prstGeom>
+        </p:spPr>
+        <p:txBody>
+          <a:bodyPr bIns="45000" lIns="90000" rIns="90000" tIns="45000" wrap="none"/>
+          <a:p>
+            <a:r>
+              <a:rPr lang="en-US"/>
+              <a:t>https://github.com/Morpheusou/TCPL/blob/master/demo/static.cpp</a:t>
+            </a:r>
+            <a:endParaRPr/>
+          </a:p>
+        </p:txBody>
+      </p:sp>
     </p:spTree>
   </p:cSld>
   <p:timing>
@@ -3207,95 +3240,6 @@
           <a:chExt cx="0" cy="0"/>
         </a:xfrm>
       </p:grpSpPr>
-      <p:sp>
-        <p:nvSpPr>
-          <p:cNvPr id="100" name="CustomShape 1"/>
-          <p:cNvSpPr/>
-          <p:nvPr/>
-        </p:nvSpPr>
-        <p:spPr>
-          <a:xfrm>
-            <a:off x="838080" y="365040"/>
-            <a:ext cx="10514880" cy="1324800"/>
-          </a:xfrm>
-          <a:prstGeom prst="rect">
-            <a:avLst/>
-          </a:prstGeom>
-        </p:spPr>
-        <p:txBody>
-          <a:bodyPr anchor="ctr" bIns="45000" lIns="90000" rIns="90000" tIns="45000"/>
-          <a:p>
-            <a:pPr>
-              <a:lnSpc>
-                <a:spcPct val="90000"/>
-              </a:lnSpc>
-            </a:pPr>
-            <a:r>
-              <a:rPr lang="en-US" sz="4400">
-                <a:solidFill>
-                  <a:srgbClr val="000000"/>
-                </a:solidFill>
-                <a:latin typeface="Calibri Light"/>
-              </a:rPr>
-              <a:t>Question#5 </a:t>
-            </a:r>
-            <a:r>
-              <a:rPr lang="en-US" sz="4400">
-                <a:solidFill>
-                  <a:srgbClr val="000000"/>
-                </a:solidFill>
-                <a:latin typeface="Calibri Light"/>
-              </a:rPr>
-              <a:t>static member</a:t>
-            </a:r>
-            <a:endParaRPr/>
-          </a:p>
-        </p:txBody>
-      </p:sp>
-      <p:pic>
-        <p:nvPicPr>
-          <p:cNvPr descr="" id="101" name=""/>
-          <p:cNvPicPr/>
-          <p:nvPr/>
-        </p:nvPicPr>
-        <p:blipFill>
-          <a:blip r:embed="rId1"/>
-          <a:stretch>
-            <a:fillRect/>
-          </a:stretch>
-        </p:blipFill>
-        <p:spPr>
-          <a:xfrm>
-            <a:off x="838080" y="1332000"/>
-            <a:ext cx="9610200" cy="5800320"/>
-          </a:xfrm>
-          <a:prstGeom prst="rect">
-            <a:avLst/>
-          </a:prstGeom>
-        </p:spPr>
-      </p:pic>
-    </p:spTree>
-  </p:cSld>
-</p:sld>
-</file>
-
-<file path=ppt/slides/slide13.xml><?xml version="1.0" encoding="utf-8"?>
-<p:sld xmlns:a="http://schemas.openxmlformats.org/drawingml/2006/main" xmlns:p="http://schemas.openxmlformats.org/presentationml/2006/main" xmlns:r="http://schemas.openxmlformats.org/officeDocument/2006/relationships">
-  <p:cSld>
-    <p:spTree>
-      <p:nvGrpSpPr>
-        <p:cNvPr id="1" name=""/>
-        <p:cNvGrpSpPr/>
-        <p:nvPr/>
-      </p:nvGrpSpPr>
-      <p:grpSpPr>
-        <a:xfrm>
-          <a:off x="0" y="0"/>
-          <a:ext cx="0" cy="0"/>
-          <a:chOff x="0" y="0"/>
-          <a:chExt cx="0" cy="0"/>
-        </a:xfrm>
-      </p:grpSpPr>
     </p:spTree>
   </p:cSld>
 </p:sld>
@@ -3327,7 +3271,7 @@
         <p:spPr>
           <a:xfrm>
             <a:off x="838080" y="365040"/>
-            <a:ext cx="10514880" cy="1324800"/>
+            <a:ext cx="10514520" cy="1324440"/>
           </a:xfrm>
           <a:prstGeom prst="rect">
             <a:avLst/>
@@ -3363,7 +3307,7 @@
         <p:spPr>
           <a:xfrm>
             <a:off x="838080" y="1825560"/>
-            <a:ext cx="10514880" cy="4350600"/>
+            <a:ext cx="10514520" cy="4350240"/>
           </a:xfrm>
           <a:prstGeom prst="rect">
             <a:avLst/>
@@ -3490,7 +3434,7 @@
         <p:spPr>
           <a:xfrm>
             <a:off x="838080" y="365040"/>
-            <a:ext cx="10514880" cy="1324800"/>
+            <a:ext cx="10514520" cy="1324440"/>
           </a:xfrm>
           <a:prstGeom prst="rect">
             <a:avLst/>
@@ -3526,7 +3470,7 @@
         <p:spPr>
           <a:xfrm>
             <a:off x="838080" y="1825560"/>
-            <a:ext cx="10514880" cy="4350600"/>
+            <a:ext cx="10514520" cy="4350240"/>
           </a:xfrm>
           <a:prstGeom prst="rect">
             <a:avLst/>
@@ -3570,7 +3514,7 @@
         <p:spPr>
           <a:xfrm>
             <a:off x="1280880" y="3242520"/>
-            <a:ext cx="5995440" cy="1752480"/>
+            <a:ext cx="5995080" cy="1752120"/>
           </a:xfrm>
           <a:prstGeom prst="rect">
             <a:avLst/>
@@ -3608,7 +3552,7 @@
         <p:spPr>
           <a:xfrm>
             <a:off x="838080" y="365040"/>
-            <a:ext cx="10514880" cy="1324800"/>
+            <a:ext cx="10514520" cy="1324440"/>
           </a:xfrm>
           <a:prstGeom prst="rect">
             <a:avLst/>
@@ -3644,7 +3588,7 @@
         <p:spPr>
           <a:xfrm>
             <a:off x="838080" y="1825560"/>
-            <a:ext cx="10514880" cy="4350600"/>
+            <a:ext cx="10514520" cy="4350240"/>
           </a:xfrm>
           <a:prstGeom prst="rect">
             <a:avLst/>
@@ -3770,7 +3714,7 @@
         <p:spPr>
           <a:xfrm>
             <a:off x="838080" y="365040"/>
-            <a:ext cx="10514880" cy="1324800"/>
+            <a:ext cx="10514520" cy="1324440"/>
           </a:xfrm>
           <a:prstGeom prst="rect">
             <a:avLst/>
@@ -3812,7 +3756,7 @@
         <p:spPr>
           <a:xfrm>
             <a:off x="1139040" y="1987920"/>
-            <a:ext cx="5758560" cy="3234960"/>
+            <a:ext cx="5758200" cy="3234600"/>
           </a:xfrm>
           <a:prstGeom prst="rect">
             <a:avLst/>
@@ -3828,7 +3772,7 @@
         <p:spPr>
           <a:xfrm>
             <a:off x="970560" y="5520960"/>
-            <a:ext cx="7530840" cy="637920"/>
+            <a:ext cx="7530480" cy="637560"/>
           </a:xfrm>
           <a:prstGeom prst="rect">
             <a:avLst/>
@@ -3886,7 +3830,7 @@
         <p:spPr>
           <a:xfrm>
             <a:off x="838080" y="365040"/>
-            <a:ext cx="10514880" cy="1324800"/>
+            <a:ext cx="10514520" cy="1324440"/>
           </a:xfrm>
           <a:prstGeom prst="rect">
             <a:avLst/>
@@ -3922,7 +3866,7 @@
         <p:spPr>
           <a:xfrm>
             <a:off x="838080" y="1825560"/>
-            <a:ext cx="10514880" cy="4350600"/>
+            <a:ext cx="10514520" cy="4350240"/>
           </a:xfrm>
           <a:prstGeom prst="rect">
             <a:avLst/>
@@ -3944,7 +3888,7 @@
         <p:spPr>
           <a:xfrm>
             <a:off x="1014840" y="1825560"/>
-            <a:ext cx="7470720" cy="4467240"/>
+            <a:ext cx="7470360" cy="4466880"/>
           </a:xfrm>
           <a:prstGeom prst="rect">
             <a:avLst/>
@@ -3960,7 +3904,7 @@
         <p:spPr>
           <a:xfrm>
             <a:off x="838080" y="6293520"/>
-            <a:ext cx="7647480" cy="637920"/>
+            <a:ext cx="7647120" cy="637560"/>
           </a:xfrm>
           <a:prstGeom prst="rect">
             <a:avLst/>
@@ -4018,7 +3962,7 @@
         <p:spPr>
           <a:xfrm>
             <a:off x="838080" y="365040"/>
-            <a:ext cx="10514880" cy="1324800"/>
+            <a:ext cx="10514520" cy="1324440"/>
           </a:xfrm>
           <a:prstGeom prst="rect">
             <a:avLst/>
@@ -4039,7 +3983,7 @@
                 </a:solidFill>
                 <a:latin typeface="Calibri Light"/>
               </a:rPr>
-              <a:t>C++ class/struct</a:t>
+              <a:t>C++ class/struct-definition</a:t>
             </a:r>
             <a:endParaRPr/>
           </a:p>
@@ -4053,8 +3997,8 @@
         </p:nvSpPr>
         <p:spPr>
           <a:xfrm>
-            <a:off x="838080" y="1825560"/>
-            <a:ext cx="10514880" cy="4350600"/>
+            <a:off x="838080" y="1825920"/>
+            <a:ext cx="10514520" cy="4350240"/>
           </a:xfrm>
           <a:prstGeom prst="rect">
             <a:avLst/>
@@ -4077,7 +4021,7 @@
                 </a:solidFill>
                 <a:latin typeface="Calibri"/>
               </a:rPr>
-              <a:t>Definition</a:t>
+              <a:t>[BS] A class is a user-defined type provided to represent a concept in the code of program.</a:t>
             </a:r>
             <a:endParaRPr/>
           </a:p>
@@ -4086,36 +4030,266 @@
               <a:lnSpc>
                 <a:spcPct val="90000"/>
               </a:lnSpc>
-              <a:buFont typeface="Arial"/>
-              <a:buChar char="•"/>
             </a:pPr>
-            <a:r>
-              <a:rPr lang="en-US" sz="2800">
-                <a:solidFill>
-                  <a:srgbClr val="000000"/>
-                </a:solidFill>
-                <a:latin typeface="Calibri"/>
-              </a:rPr>
-              <a:t>Data</a:t>
-            </a:r>
-            <a:endParaRPr/>
-          </a:p>
+            <a:endParaRPr/>
+          </a:p>
+        </p:txBody>
+      </p:sp>
+      <p:pic>
+        <p:nvPicPr>
+          <p:cNvPr descr="" id="91" name=""/>
+          <p:cNvPicPr/>
+          <p:nvPr/>
+        </p:nvPicPr>
+        <p:blipFill>
+          <a:blip r:embed="rId1"/>
+          <a:stretch>
+            <a:fillRect/>
+          </a:stretch>
+        </p:blipFill>
+        <p:spPr>
+          <a:xfrm>
+            <a:off x="1069200" y="3017520"/>
+            <a:ext cx="8257320" cy="2094840"/>
+          </a:xfrm>
+          <a:prstGeom prst="rect">
+            <a:avLst/>
+          </a:prstGeom>
+        </p:spPr>
+      </p:pic>
+      <p:sp>
+        <p:nvSpPr>
+          <p:cNvPr id="92" name="TextShape 3"/>
+          <p:cNvSpPr txBox="1"/>
+          <p:nvPr/>
+        </p:nvSpPr>
+        <p:spPr>
+          <a:xfrm>
+            <a:off x="1088640" y="5303520"/>
+            <a:ext cx="6866640" cy="346680"/>
+          </a:xfrm>
+          <a:prstGeom prst="rect">
+            <a:avLst/>
+          </a:prstGeom>
+        </p:spPr>
+        <p:txBody>
+          <a:bodyPr bIns="45000" lIns="90000" rIns="90000" tIns="45000" wrap="none"/>
+          <a:p>
+            <a:r>
+              <a:rPr lang="en-US"/>
+              <a:t>https://github.com/Morpheusou/TCPL/blob/master/demo/class.cpp</a:t>
+            </a:r>
+            <a:endParaRPr/>
+          </a:p>
+        </p:txBody>
+      </p:sp>
+    </p:spTree>
+  </p:cSld>
+</p:sld>
+</file>
+
+<file path=ppt/slides/slide8.xml><?xml version="1.0" encoding="utf-8"?>
+<p:sld xmlns:a="http://schemas.openxmlformats.org/drawingml/2006/main" xmlns:p="http://schemas.openxmlformats.org/presentationml/2006/main" xmlns:r="http://schemas.openxmlformats.org/officeDocument/2006/relationships">
+  <p:cSld>
+    <p:spTree>
+      <p:nvGrpSpPr>
+        <p:cNvPr id="1" name=""/>
+        <p:cNvGrpSpPr/>
+        <p:nvPr/>
+      </p:nvGrpSpPr>
+      <p:grpSpPr>
+        <a:xfrm>
+          <a:off x="0" y="0"/>
+          <a:ext cx="0" cy="0"/>
+          <a:chOff x="0" y="0"/>
+          <a:chExt cx="0" cy="0"/>
+        </a:xfrm>
+      </p:grpSpPr>
+      <p:sp>
+        <p:nvSpPr>
+          <p:cNvPr id="93" name="CustomShape 1"/>
+          <p:cNvSpPr/>
+          <p:nvPr/>
+        </p:nvSpPr>
+        <p:spPr>
+          <a:xfrm>
+            <a:off x="838080" y="365040"/>
+            <a:ext cx="10514520" cy="1324440"/>
+          </a:xfrm>
+          <a:prstGeom prst="rect">
+            <a:avLst/>
+          </a:prstGeom>
+        </p:spPr>
+        <p:txBody>
+          <a:bodyPr anchor="ctr" bIns="45000" lIns="90000" rIns="90000" tIns="45000"/>
           <a:p>
             <a:pPr>
               <a:lnSpc>
                 <a:spcPct val="90000"/>
               </a:lnSpc>
-              <a:buFont typeface="Arial"/>
-              <a:buChar char="•"/>
             </a:pPr>
             <a:r>
-              <a:rPr lang="en-US" sz="2800">
+              <a:rPr lang="en-US" sz="4400">
                 <a:solidFill>
                   <a:srgbClr val="000000"/>
                 </a:solidFill>
-                <a:latin typeface="Calibri"/>
+                <a:latin typeface="Calibri Light"/>
               </a:rPr>
-              <a:t>Operation</a:t>
+              <a:t>Puzzle#1 class/struct</a:t>
+            </a:r>
+            <a:endParaRPr/>
+          </a:p>
+        </p:txBody>
+      </p:sp>
+      <p:pic>
+        <p:nvPicPr>
+          <p:cNvPr descr="" id="94" name=""/>
+          <p:cNvPicPr/>
+          <p:nvPr/>
+        </p:nvPicPr>
+        <p:blipFill>
+          <a:blip r:embed="rId1"/>
+          <a:stretch>
+            <a:fillRect/>
+          </a:stretch>
+        </p:blipFill>
+        <p:spPr>
+          <a:xfrm>
+            <a:off x="1017720" y="2377440"/>
+            <a:ext cx="7943040" cy="942120"/>
+          </a:xfrm>
+          <a:prstGeom prst="rect">
+            <a:avLst/>
+          </a:prstGeom>
+        </p:spPr>
+      </p:pic>
+      <p:sp>
+        <p:nvSpPr>
+          <p:cNvPr id="95" name="TextShape 2"/>
+          <p:cNvSpPr txBox="1"/>
+          <p:nvPr/>
+        </p:nvSpPr>
+        <p:spPr>
+          <a:xfrm>
+            <a:off x="1088640" y="3629160"/>
+            <a:ext cx="6866640" cy="346680"/>
+          </a:xfrm>
+          <a:prstGeom prst="rect">
+            <a:avLst/>
+          </a:prstGeom>
+        </p:spPr>
+        <p:txBody>
+          <a:bodyPr bIns="45000" lIns="90000" rIns="90000" tIns="45000" wrap="none"/>
+          <a:p>
+            <a:r>
+              <a:rPr lang="en-US"/>
+              <a:t>https://github.com/Morpheusou/TCPL/blob/master/demo/class.cpp</a:t>
+            </a:r>
+            <a:endParaRPr/>
+          </a:p>
+        </p:txBody>
+      </p:sp>
+    </p:spTree>
+  </p:cSld>
+</p:sld>
+</file>
+
+<file path=ppt/slides/slide9.xml><?xml version="1.0" encoding="utf-8"?>
+<p:sld xmlns:a="http://schemas.openxmlformats.org/drawingml/2006/main" xmlns:p="http://schemas.openxmlformats.org/presentationml/2006/main" xmlns:r="http://schemas.openxmlformats.org/officeDocument/2006/relationships">
+  <p:cSld>
+    <p:spTree>
+      <p:nvGrpSpPr>
+        <p:cNvPr id="1" name=""/>
+        <p:cNvGrpSpPr/>
+        <p:nvPr/>
+      </p:nvGrpSpPr>
+      <p:grpSpPr>
+        <a:xfrm>
+          <a:off x="0" y="0"/>
+          <a:ext cx="0" cy="0"/>
+          <a:chOff x="0" y="0"/>
+          <a:chExt cx="0" cy="0"/>
+        </a:xfrm>
+      </p:grpSpPr>
+      <p:sp>
+        <p:nvSpPr>
+          <p:cNvPr id="96" name="CustomShape 1"/>
+          <p:cNvSpPr/>
+          <p:nvPr/>
+        </p:nvSpPr>
+        <p:spPr>
+          <a:xfrm>
+            <a:off x="838080" y="365040"/>
+            <a:ext cx="10514520" cy="1324440"/>
+          </a:xfrm>
+          <a:prstGeom prst="rect">
+            <a:avLst/>
+          </a:prstGeom>
+        </p:spPr>
+        <p:txBody>
+          <a:bodyPr anchor="ctr" bIns="45000" lIns="90000" rIns="90000" tIns="45000"/>
+          <a:p>
+            <a:pPr>
+              <a:lnSpc>
+                <a:spcPct val="90000"/>
+              </a:lnSpc>
+            </a:pPr>
+            <a:r>
+              <a:rPr lang="en-US" sz="4400">
+                <a:solidFill>
+                  <a:srgbClr val="000000"/>
+                </a:solidFill>
+                <a:latin typeface="Calibri Light"/>
+              </a:rPr>
+              <a:t>Question#3 class/struct</a:t>
+            </a:r>
+            <a:endParaRPr/>
+          </a:p>
+        </p:txBody>
+      </p:sp>
+      <p:pic>
+        <p:nvPicPr>
+          <p:cNvPr descr="" id="97" name=""/>
+          <p:cNvPicPr/>
+          <p:nvPr/>
+        </p:nvPicPr>
+        <p:blipFill>
+          <a:blip r:embed="rId1"/>
+          <a:stretch>
+            <a:fillRect/>
+          </a:stretch>
+        </p:blipFill>
+        <p:spPr>
+          <a:xfrm>
+            <a:off x="1005840" y="1802520"/>
+            <a:ext cx="9800640" cy="4323600"/>
+          </a:xfrm>
+          <a:prstGeom prst="rect">
+            <a:avLst/>
+          </a:prstGeom>
+        </p:spPr>
+      </p:pic>
+      <p:sp>
+        <p:nvSpPr>
+          <p:cNvPr id="98" name="TextShape 2"/>
+          <p:cNvSpPr txBox="1"/>
+          <p:nvPr/>
+        </p:nvSpPr>
+        <p:spPr>
+          <a:xfrm>
+            <a:off x="1088640" y="6217920"/>
+            <a:ext cx="6866640" cy="346680"/>
+          </a:xfrm>
+          <a:prstGeom prst="rect">
+            <a:avLst/>
+          </a:prstGeom>
+        </p:spPr>
+        <p:txBody>
+          <a:bodyPr bIns="45000" lIns="90000" rIns="90000" tIns="45000" wrap="none"/>
+          <a:p>
+            <a:r>
+              <a:rPr lang="en-US"/>
+              <a:t>https://github.com/Morpheusou/TCPL/blob/master/demo/class.cpp</a:t>
             </a:r>
             <a:endParaRPr/>
           </a:p>
@@ -4152,223 +4326,6 @@
       </p:par>
     </p:tnLst>
   </p:timing>
-</p:sld>
-</file>
-
-<file path=ppt/slides/slide8.xml><?xml version="1.0" encoding="utf-8"?>
-<p:sld xmlns:a="http://schemas.openxmlformats.org/drawingml/2006/main" xmlns:p="http://schemas.openxmlformats.org/presentationml/2006/main" xmlns:r="http://schemas.openxmlformats.org/officeDocument/2006/relationships">
-  <p:cSld>
-    <p:spTree>
-      <p:nvGrpSpPr>
-        <p:cNvPr id="1" name=""/>
-        <p:cNvGrpSpPr/>
-        <p:nvPr/>
-      </p:nvGrpSpPr>
-      <p:grpSpPr>
-        <a:xfrm>
-          <a:off x="0" y="0"/>
-          <a:ext cx="0" cy="0"/>
-          <a:chOff x="0" y="0"/>
-          <a:chExt cx="0" cy="0"/>
-        </a:xfrm>
-      </p:grpSpPr>
-      <p:sp>
-        <p:nvSpPr>
-          <p:cNvPr id="91" name="CustomShape 1"/>
-          <p:cNvSpPr/>
-          <p:nvPr/>
-        </p:nvSpPr>
-        <p:spPr>
-          <a:xfrm>
-            <a:off x="838080" y="365040"/>
-            <a:ext cx="10514880" cy="1324800"/>
-          </a:xfrm>
-          <a:prstGeom prst="rect">
-            <a:avLst/>
-          </a:prstGeom>
-        </p:spPr>
-        <p:txBody>
-          <a:bodyPr anchor="ctr" bIns="45000" lIns="90000" rIns="90000" tIns="45000"/>
-          <a:p>
-            <a:pPr>
-              <a:lnSpc>
-                <a:spcPct val="90000"/>
-              </a:lnSpc>
-            </a:pPr>
-            <a:r>
-              <a:rPr lang="en-US" sz="4400">
-                <a:solidFill>
-                  <a:srgbClr val="000000"/>
-                </a:solidFill>
-                <a:latin typeface="Calibri Light"/>
-              </a:rPr>
-              <a:t>C++ class/struct-definition</a:t>
-            </a:r>
-            <a:endParaRPr/>
-          </a:p>
-        </p:txBody>
-      </p:sp>
-      <p:sp>
-        <p:nvSpPr>
-          <p:cNvPr id="92" name="CustomShape 2"/>
-          <p:cNvSpPr/>
-          <p:nvPr/>
-        </p:nvSpPr>
-        <p:spPr>
-          <a:xfrm>
-            <a:off x="838080" y="1825920"/>
-            <a:ext cx="10514880" cy="4350600"/>
-          </a:xfrm>
-          <a:prstGeom prst="rect">
-            <a:avLst/>
-          </a:prstGeom>
-        </p:spPr>
-        <p:txBody>
-          <a:bodyPr bIns="45000" lIns="90000" rIns="90000" tIns="45000"/>
-          <a:p>
-            <a:pPr>
-              <a:lnSpc>
-                <a:spcPct val="90000"/>
-              </a:lnSpc>
-              <a:buFont typeface="Arial"/>
-              <a:buChar char="•"/>
-            </a:pPr>
-            <a:r>
-              <a:rPr lang="en-US" sz="2800">
-                <a:solidFill>
-                  <a:srgbClr val="000000"/>
-                </a:solidFill>
-                <a:latin typeface="Calibri"/>
-              </a:rPr>
-              <a:t>[BS] A class is a user-defined type provided to represent a concept in the code of program.</a:t>
-            </a:r>
-            <a:endParaRPr/>
-          </a:p>
-          <a:p>
-            <a:pPr>
-              <a:lnSpc>
-                <a:spcPct val="90000"/>
-              </a:lnSpc>
-              <a:buFont typeface="Arial"/>
-              <a:buChar char="•"/>
-            </a:pPr>
-            <a:endParaRPr/>
-          </a:p>
-        </p:txBody>
-      </p:sp>
-      <p:pic>
-        <p:nvPicPr>
-          <p:cNvPr descr="" id="93" name=""/>
-          <p:cNvPicPr/>
-          <p:nvPr/>
-        </p:nvPicPr>
-        <p:blipFill>
-          <a:blip r:embed="rId1"/>
-          <a:stretch>
-            <a:fillRect/>
-          </a:stretch>
-        </p:blipFill>
-        <p:spPr>
-          <a:xfrm>
-            <a:off x="1069200" y="3017520"/>
-            <a:ext cx="8257680" cy="2095200"/>
-          </a:xfrm>
-          <a:prstGeom prst="rect">
-            <a:avLst/>
-          </a:prstGeom>
-        </p:spPr>
-      </p:pic>
-    </p:spTree>
-  </p:cSld>
-</p:sld>
-</file>
-
-<file path=ppt/slides/slide9.xml><?xml version="1.0" encoding="utf-8"?>
-<p:sld xmlns:a="http://schemas.openxmlformats.org/drawingml/2006/main" xmlns:p="http://schemas.openxmlformats.org/presentationml/2006/main" xmlns:r="http://schemas.openxmlformats.org/officeDocument/2006/relationships">
-  <p:cSld>
-    <p:spTree>
-      <p:nvGrpSpPr>
-        <p:cNvPr id="1" name=""/>
-        <p:cNvGrpSpPr/>
-        <p:nvPr/>
-      </p:nvGrpSpPr>
-      <p:grpSpPr>
-        <a:xfrm>
-          <a:off x="0" y="0"/>
-          <a:ext cx="0" cy="0"/>
-          <a:chOff x="0" y="0"/>
-          <a:chExt cx="0" cy="0"/>
-        </a:xfrm>
-      </p:grpSpPr>
-      <p:sp>
-        <p:nvSpPr>
-          <p:cNvPr id="94" name="CustomShape 1"/>
-          <p:cNvSpPr/>
-          <p:nvPr/>
-        </p:nvSpPr>
-        <p:spPr>
-          <a:xfrm>
-            <a:off x="838080" y="365040"/>
-            <a:ext cx="10514880" cy="1324800"/>
-          </a:xfrm>
-          <a:prstGeom prst="rect">
-            <a:avLst/>
-          </a:prstGeom>
-        </p:spPr>
-        <p:txBody>
-          <a:bodyPr anchor="ctr" bIns="45000" lIns="90000" rIns="90000" tIns="45000"/>
-          <a:p>
-            <a:pPr>
-              <a:lnSpc>
-                <a:spcPct val="90000"/>
-              </a:lnSpc>
-            </a:pPr>
-            <a:r>
-              <a:rPr lang="en-US" sz="4400">
-                <a:solidFill>
-                  <a:srgbClr val="000000"/>
-                </a:solidFill>
-                <a:latin typeface="Calibri Light"/>
-              </a:rPr>
-              <a:t>Puzzle#1 </a:t>
-            </a:r>
-            <a:r>
-              <a:rPr lang="en-US" sz="4400">
-                <a:solidFill>
-                  <a:srgbClr val="000000"/>
-                </a:solidFill>
-                <a:latin typeface="Calibri Light"/>
-              </a:rPr>
-              <a:t>class/struct</a:t>
-            </a:r>
-            <a:endParaRPr/>
-          </a:p>
-        </p:txBody>
-      </p:sp>
-      <p:pic>
-        <p:nvPicPr>
-          <p:cNvPr descr="" id="95" name=""/>
-          <p:cNvPicPr/>
-          <p:nvPr/>
-        </p:nvPicPr>
-        <p:blipFill>
-          <a:blip r:embed="rId1"/>
-          <a:stretch>
-            <a:fillRect/>
-          </a:stretch>
-        </p:blipFill>
-        <p:spPr>
-          <a:xfrm>
-            <a:off x="1017720" y="2377440"/>
-            <a:ext cx="7943400" cy="942480"/>
-          </a:xfrm>
-          <a:prstGeom prst="rect">
-            <a:avLst/>
-          </a:prstGeom>
-        </p:spPr>
-      </p:pic>
-    </p:spTree>
-  </p:cSld>
 </p:sld>
 </file>
 

--- a/C++ Presentation.pptx
+++ b/C++ Presentation.pptx
@@ -1,34 +1,419 @@
 
 <file path=ppt/presentation.xml><?xml version="1.0" encoding="utf-8"?>
-<p:presentation xmlns:a="http://schemas.openxmlformats.org/drawingml/2006/main" xmlns:p="http://schemas.openxmlformats.org/presentationml/2006/main" xmlns:r="http://schemas.openxmlformats.org/officeDocument/2006/relationships">
+<p:presentation xmlns:a="http://schemas.openxmlformats.org/drawingml/2006/main" xmlns:r="http://schemas.openxmlformats.org/officeDocument/2006/relationships" xmlns:p="http://schemas.openxmlformats.org/presentationml/2006/main">
   <p:sldMasterIdLst>
-    <p:sldMasterId id="2147483648" r:id="rId2"/>
-    <p:sldMasterId id="2147483661" r:id="rId3"/>
+    <p:sldMasterId id="2147483648" r:id="rId1"/>
+    <p:sldMasterId id="2147483661" r:id="rId2"/>
   </p:sldMasterIdLst>
   <p:notesMasterIdLst>
-    <p:notesMasterId r:id="rId4"/>
+    <p:notesMasterId r:id="rId23"/>
   </p:notesMasterIdLst>
   <p:sldIdLst>
-    <p:sldId id="256" r:id="rId5"/>
-    <p:sldId id="257" r:id="rId6"/>
-    <p:sldId id="258" r:id="rId7"/>
-    <p:sldId id="259" r:id="rId8"/>
-    <p:sldId id="260" r:id="rId9"/>
-    <p:sldId id="261" r:id="rId10"/>
-    <p:sldId id="262" r:id="rId11"/>
-    <p:sldId id="263" r:id="rId12"/>
-    <p:sldId id="264" r:id="rId13"/>
-    <p:sldId id="265" r:id="rId14"/>
-    <p:sldId id="266" r:id="rId15"/>
-    <p:sldId id="267" r:id="rId16"/>
+    <p:sldId id="256" r:id="rId3"/>
+    <p:sldId id="257" r:id="rId4"/>
+    <p:sldId id="258" r:id="rId5"/>
+    <p:sldId id="259" r:id="rId6"/>
+    <p:sldId id="260" r:id="rId7"/>
+    <p:sldId id="261" r:id="rId8"/>
+    <p:sldId id="262" r:id="rId9"/>
+    <p:sldId id="263" r:id="rId10"/>
+    <p:sldId id="264" r:id="rId11"/>
+    <p:sldId id="265" r:id="rId12"/>
+    <p:sldId id="266" r:id="rId13"/>
+    <p:sldId id="270" r:id="rId14"/>
+    <p:sldId id="269" r:id="rId15"/>
+    <p:sldId id="268" r:id="rId16"/>
+    <p:sldId id="271" r:id="rId17"/>
+    <p:sldId id="272" r:id="rId18"/>
+    <p:sldId id="273" r:id="rId19"/>
+    <p:sldId id="275" r:id="rId20"/>
+    <p:sldId id="274" r:id="rId21"/>
+    <p:sldId id="267" r:id="rId22"/>
   </p:sldIdLst>
   <p:sldSz cx="12192000" cy="6858000"/>
   <p:notesSz cx="7772400" cy="10058400"/>
+  <p:defaultTextStyle>
+    <a:defPPr>
+      <a:defRPr lang="zh-CN"/>
+    </a:defPPr>
+    <a:lvl1pPr marL="0" algn="l" defTabSz="914400" rtl="0" eaLnBrk="1" latinLnBrk="0" hangingPunct="1">
+      <a:defRPr sz="1800" kern="1200">
+        <a:solidFill>
+          <a:schemeClr val="tx1"/>
+        </a:solidFill>
+        <a:latin typeface="+mn-lt"/>
+        <a:ea typeface="+mn-ea"/>
+        <a:cs typeface="+mn-cs"/>
+      </a:defRPr>
+    </a:lvl1pPr>
+    <a:lvl2pPr marL="457200" algn="l" defTabSz="914400" rtl="0" eaLnBrk="1" latinLnBrk="0" hangingPunct="1">
+      <a:defRPr sz="1800" kern="1200">
+        <a:solidFill>
+          <a:schemeClr val="tx1"/>
+        </a:solidFill>
+        <a:latin typeface="+mn-lt"/>
+        <a:ea typeface="+mn-ea"/>
+        <a:cs typeface="+mn-cs"/>
+      </a:defRPr>
+    </a:lvl2pPr>
+    <a:lvl3pPr marL="914400" algn="l" defTabSz="914400" rtl="0" eaLnBrk="1" latinLnBrk="0" hangingPunct="1">
+      <a:defRPr sz="1800" kern="1200">
+        <a:solidFill>
+          <a:schemeClr val="tx1"/>
+        </a:solidFill>
+        <a:latin typeface="+mn-lt"/>
+        <a:ea typeface="+mn-ea"/>
+        <a:cs typeface="+mn-cs"/>
+      </a:defRPr>
+    </a:lvl3pPr>
+    <a:lvl4pPr marL="1371600" algn="l" defTabSz="914400" rtl="0" eaLnBrk="1" latinLnBrk="0" hangingPunct="1">
+      <a:defRPr sz="1800" kern="1200">
+        <a:solidFill>
+          <a:schemeClr val="tx1"/>
+        </a:solidFill>
+        <a:latin typeface="+mn-lt"/>
+        <a:ea typeface="+mn-ea"/>
+        <a:cs typeface="+mn-cs"/>
+      </a:defRPr>
+    </a:lvl4pPr>
+    <a:lvl5pPr marL="1828800" algn="l" defTabSz="914400" rtl="0" eaLnBrk="1" latinLnBrk="0" hangingPunct="1">
+      <a:defRPr sz="1800" kern="1200">
+        <a:solidFill>
+          <a:schemeClr val="tx1"/>
+        </a:solidFill>
+        <a:latin typeface="+mn-lt"/>
+        <a:ea typeface="+mn-ea"/>
+        <a:cs typeface="+mn-cs"/>
+      </a:defRPr>
+    </a:lvl5pPr>
+    <a:lvl6pPr marL="2286000" algn="l" defTabSz="914400" rtl="0" eaLnBrk="1" latinLnBrk="0" hangingPunct="1">
+      <a:defRPr sz="1800" kern="1200">
+        <a:solidFill>
+          <a:schemeClr val="tx1"/>
+        </a:solidFill>
+        <a:latin typeface="+mn-lt"/>
+        <a:ea typeface="+mn-ea"/>
+        <a:cs typeface="+mn-cs"/>
+      </a:defRPr>
+    </a:lvl6pPr>
+    <a:lvl7pPr marL="2743200" algn="l" defTabSz="914400" rtl="0" eaLnBrk="1" latinLnBrk="0" hangingPunct="1">
+      <a:defRPr sz="1800" kern="1200">
+        <a:solidFill>
+          <a:schemeClr val="tx1"/>
+        </a:solidFill>
+        <a:latin typeface="+mn-lt"/>
+        <a:ea typeface="+mn-ea"/>
+        <a:cs typeface="+mn-cs"/>
+      </a:defRPr>
+    </a:lvl7pPr>
+    <a:lvl8pPr marL="3200400" algn="l" defTabSz="914400" rtl="0" eaLnBrk="1" latinLnBrk="0" hangingPunct="1">
+      <a:defRPr sz="1800" kern="1200">
+        <a:solidFill>
+          <a:schemeClr val="tx1"/>
+        </a:solidFill>
+        <a:latin typeface="+mn-lt"/>
+        <a:ea typeface="+mn-ea"/>
+        <a:cs typeface="+mn-cs"/>
+      </a:defRPr>
+    </a:lvl8pPr>
+    <a:lvl9pPr marL="3657600" algn="l" defTabSz="914400" rtl="0" eaLnBrk="1" latinLnBrk="0" hangingPunct="1">
+      <a:defRPr sz="1800" kern="1200">
+        <a:solidFill>
+          <a:schemeClr val="tx1"/>
+        </a:solidFill>
+        <a:latin typeface="+mn-lt"/>
+        <a:ea typeface="+mn-ea"/>
+        <a:cs typeface="+mn-cs"/>
+      </a:defRPr>
+    </a:lvl9pPr>
+  </p:defaultTextStyle>
 </p:presentation>
 </file>
 
 <file path=ppt/notesMasters/notesMaster1.xml><?xml version="1.0" encoding="utf-8"?>
-<p:notesMaster xmlns:a="http://schemas.openxmlformats.org/drawingml/2006/main" xmlns:p="http://schemas.openxmlformats.org/presentationml/2006/main" xmlns:r="http://schemas.openxmlformats.org/officeDocument/2006/relationships">
+<p:notesMaster xmlns:a="http://schemas.openxmlformats.org/drawingml/2006/main" xmlns:r="http://schemas.openxmlformats.org/officeDocument/2006/relationships" xmlns:p="http://schemas.openxmlformats.org/presentationml/2006/main">
+  <p:cSld>
+    <p:bg>
+      <p:bgRef idx="1001">
+        <a:schemeClr val="bg1"/>
+      </p:bgRef>
+    </p:bg>
+    <p:spTree>
+      <p:nvGrpSpPr>
+        <p:cNvPr id="1" name=""/>
+        <p:cNvGrpSpPr/>
+        <p:nvPr/>
+      </p:nvGrpSpPr>
+      <p:grpSpPr>
+        <a:xfrm>
+          <a:off x="0" y="0"/>
+          <a:ext cx="0" cy="0"/>
+          <a:chOff x="0" y="0"/>
+          <a:chExt cx="0" cy="0"/>
+        </a:xfrm>
+      </p:grpSpPr>
+      <p:sp>
+        <p:nvSpPr>
+          <p:cNvPr id="68" name="PlaceHolder 1"/>
+          <p:cNvSpPr>
+            <a:spLocks noGrp="1"/>
+          </p:cNvSpPr>
+          <p:nvPr>
+            <p:ph type="body"/>
+          </p:nvPr>
+        </p:nvSpPr>
+        <p:spPr>
+          <a:xfrm>
+            <a:off x="777240" y="4777560"/>
+            <a:ext cx="6217560" cy="4525920"/>
+          </a:xfrm>
+          <a:prstGeom prst="rect">
+            <a:avLst/>
+          </a:prstGeom>
+        </p:spPr>
+        <p:txBody>
+          <a:bodyPr wrap="none" lIns="0" tIns="0" rIns="0" bIns="0"/>
+          <a:lstStyle/>
+          <a:p>
+            <a:r>
+              <a:rPr lang="en-US"/>
+              <a:t>Click to edit the notes format</a:t>
+            </a:r>
+            <a:endParaRPr/>
+          </a:p>
+        </p:txBody>
+      </p:sp>
+      <p:sp>
+        <p:nvSpPr>
+          <p:cNvPr id="69" name="PlaceHolder 2"/>
+          <p:cNvSpPr>
+            <a:spLocks noGrp="1"/>
+          </p:cNvSpPr>
+          <p:nvPr>
+            <p:ph type="hdr"/>
+          </p:nvPr>
+        </p:nvSpPr>
+        <p:spPr>
+          <a:xfrm>
+            <a:off x="0" y="0"/>
+            <a:ext cx="3372840" cy="502560"/>
+          </a:xfrm>
+          <a:prstGeom prst="rect">
+            <a:avLst/>
+          </a:prstGeom>
+        </p:spPr>
+        <p:txBody>
+          <a:bodyPr wrap="none" lIns="0" tIns="0" rIns="0" bIns="0"/>
+          <a:lstStyle/>
+          <a:p>
+            <a:r>
+              <a:rPr lang="en-US"/>
+              <a:t>&lt;header&gt;</a:t>
+            </a:r>
+            <a:endParaRPr/>
+          </a:p>
+        </p:txBody>
+      </p:sp>
+      <p:sp>
+        <p:nvSpPr>
+          <p:cNvPr id="70" name="PlaceHolder 3"/>
+          <p:cNvSpPr>
+            <a:spLocks noGrp="1"/>
+          </p:cNvSpPr>
+          <p:nvPr>
+            <p:ph type="dt"/>
+          </p:nvPr>
+        </p:nvSpPr>
+        <p:spPr>
+          <a:xfrm>
+            <a:off x="4399200" y="0"/>
+            <a:ext cx="3372840" cy="502560"/>
+          </a:xfrm>
+          <a:prstGeom prst="rect">
+            <a:avLst/>
+          </a:prstGeom>
+        </p:spPr>
+        <p:txBody>
+          <a:bodyPr wrap="none" lIns="0" tIns="0" rIns="0" bIns="0"/>
+          <a:lstStyle/>
+          <a:p>
+            <a:pPr algn="r"/>
+            <a:r>
+              <a:rPr lang="en-US"/>
+              <a:t>&lt;date/time&gt;</a:t>
+            </a:r>
+            <a:endParaRPr/>
+          </a:p>
+        </p:txBody>
+      </p:sp>
+      <p:sp>
+        <p:nvSpPr>
+          <p:cNvPr id="71" name="PlaceHolder 4"/>
+          <p:cNvSpPr>
+            <a:spLocks noGrp="1"/>
+          </p:cNvSpPr>
+          <p:nvPr>
+            <p:ph type="ftr"/>
+          </p:nvPr>
+        </p:nvSpPr>
+        <p:spPr>
+          <a:xfrm>
+            <a:off x="0" y="9555480"/>
+            <a:ext cx="3372840" cy="502560"/>
+          </a:xfrm>
+          <a:prstGeom prst="rect">
+            <a:avLst/>
+          </a:prstGeom>
+        </p:spPr>
+        <p:txBody>
+          <a:bodyPr wrap="none" lIns="0" tIns="0" rIns="0" bIns="0" anchor="b"/>
+          <a:lstStyle/>
+          <a:p>
+            <a:r>
+              <a:rPr lang="en-US"/>
+              <a:t>&lt;footer&gt;</a:t>
+            </a:r>
+            <a:endParaRPr/>
+          </a:p>
+        </p:txBody>
+      </p:sp>
+      <p:sp>
+        <p:nvSpPr>
+          <p:cNvPr id="72" name="PlaceHolder 5"/>
+          <p:cNvSpPr>
+            <a:spLocks noGrp="1"/>
+          </p:cNvSpPr>
+          <p:nvPr>
+            <p:ph type="sldNum"/>
+          </p:nvPr>
+        </p:nvSpPr>
+        <p:spPr>
+          <a:xfrm>
+            <a:off x="4399200" y="9555480"/>
+            <a:ext cx="3372840" cy="502560"/>
+          </a:xfrm>
+          <a:prstGeom prst="rect">
+            <a:avLst/>
+          </a:prstGeom>
+        </p:spPr>
+        <p:txBody>
+          <a:bodyPr wrap="none" lIns="0" tIns="0" rIns="0" bIns="0" anchor="b"/>
+          <a:lstStyle/>
+          <a:p>
+            <a:pPr algn="r"/>
+            <a:fld id="{C1513191-51C1-4111-81C1-911121C1A1E1}" type="slidenum">
+              <a:rPr lang="en-US"/>
+              <a:t>‹#›</a:t>
+            </a:fld>
+            <a:endParaRPr/>
+          </a:p>
+        </p:txBody>
+      </p:sp>
+    </p:spTree>
+    <p:extLst>
+      <p:ext uri="{BB962C8B-B14F-4D97-AF65-F5344CB8AC3E}">
+        <p14:creationId xmlns:p14="http://schemas.microsoft.com/office/powerpoint/2010/main" val="1611192340"/>
+      </p:ext>
+    </p:extLst>
+  </p:cSld>
+  <p:clrMap bg1="lt1" tx1="dk1" bg2="lt2" tx2="dk2" accent1="accent1" accent2="accent2" accent3="accent3" accent4="accent4" accent5="accent5" accent6="accent6" hlink="hlink" folHlink="folHlink"/>
+  <p:notesStyle>
+    <a:lvl1pPr marL="0" algn="l" defTabSz="914400" rtl="0" eaLnBrk="1" latinLnBrk="0" hangingPunct="1">
+      <a:defRPr sz="1200" kern="1200">
+        <a:solidFill>
+          <a:schemeClr val="tx1"/>
+        </a:solidFill>
+        <a:latin typeface="+mn-lt"/>
+        <a:ea typeface="+mn-ea"/>
+        <a:cs typeface="+mn-cs"/>
+      </a:defRPr>
+    </a:lvl1pPr>
+    <a:lvl2pPr marL="457200" algn="l" defTabSz="914400" rtl="0" eaLnBrk="1" latinLnBrk="0" hangingPunct="1">
+      <a:defRPr sz="1200" kern="1200">
+        <a:solidFill>
+          <a:schemeClr val="tx1"/>
+        </a:solidFill>
+        <a:latin typeface="+mn-lt"/>
+        <a:ea typeface="+mn-ea"/>
+        <a:cs typeface="+mn-cs"/>
+      </a:defRPr>
+    </a:lvl2pPr>
+    <a:lvl3pPr marL="914400" algn="l" defTabSz="914400" rtl="0" eaLnBrk="1" latinLnBrk="0" hangingPunct="1">
+      <a:defRPr sz="1200" kern="1200">
+        <a:solidFill>
+          <a:schemeClr val="tx1"/>
+        </a:solidFill>
+        <a:latin typeface="+mn-lt"/>
+        <a:ea typeface="+mn-ea"/>
+        <a:cs typeface="+mn-cs"/>
+      </a:defRPr>
+    </a:lvl3pPr>
+    <a:lvl4pPr marL="1371600" algn="l" defTabSz="914400" rtl="0" eaLnBrk="1" latinLnBrk="0" hangingPunct="1">
+      <a:defRPr sz="1200" kern="1200">
+        <a:solidFill>
+          <a:schemeClr val="tx1"/>
+        </a:solidFill>
+        <a:latin typeface="+mn-lt"/>
+        <a:ea typeface="+mn-ea"/>
+        <a:cs typeface="+mn-cs"/>
+      </a:defRPr>
+    </a:lvl4pPr>
+    <a:lvl5pPr marL="1828800" algn="l" defTabSz="914400" rtl="0" eaLnBrk="1" latinLnBrk="0" hangingPunct="1">
+      <a:defRPr sz="1200" kern="1200">
+        <a:solidFill>
+          <a:schemeClr val="tx1"/>
+        </a:solidFill>
+        <a:latin typeface="+mn-lt"/>
+        <a:ea typeface="+mn-ea"/>
+        <a:cs typeface="+mn-cs"/>
+      </a:defRPr>
+    </a:lvl5pPr>
+    <a:lvl6pPr marL="2286000" algn="l" defTabSz="914400" rtl="0" eaLnBrk="1" latinLnBrk="0" hangingPunct="1">
+      <a:defRPr sz="1200" kern="1200">
+        <a:solidFill>
+          <a:schemeClr val="tx1"/>
+        </a:solidFill>
+        <a:latin typeface="+mn-lt"/>
+        <a:ea typeface="+mn-ea"/>
+        <a:cs typeface="+mn-cs"/>
+      </a:defRPr>
+    </a:lvl6pPr>
+    <a:lvl7pPr marL="2743200" algn="l" defTabSz="914400" rtl="0" eaLnBrk="1" latinLnBrk="0" hangingPunct="1">
+      <a:defRPr sz="1200" kern="1200">
+        <a:solidFill>
+          <a:schemeClr val="tx1"/>
+        </a:solidFill>
+        <a:latin typeface="+mn-lt"/>
+        <a:ea typeface="+mn-ea"/>
+        <a:cs typeface="+mn-cs"/>
+      </a:defRPr>
+    </a:lvl7pPr>
+    <a:lvl8pPr marL="3200400" algn="l" defTabSz="914400" rtl="0" eaLnBrk="1" latinLnBrk="0" hangingPunct="1">
+      <a:defRPr sz="1200" kern="1200">
+        <a:solidFill>
+          <a:schemeClr val="tx1"/>
+        </a:solidFill>
+        <a:latin typeface="+mn-lt"/>
+        <a:ea typeface="+mn-ea"/>
+        <a:cs typeface="+mn-cs"/>
+      </a:defRPr>
+    </a:lvl8pPr>
+    <a:lvl9pPr marL="3657600" algn="l" defTabSz="914400" rtl="0" eaLnBrk="1" latinLnBrk="0" hangingPunct="1">
+      <a:defRPr sz="1200" kern="1200">
+        <a:solidFill>
+          <a:schemeClr val="tx1"/>
+        </a:solidFill>
+        <a:latin typeface="+mn-lt"/>
+        <a:ea typeface="+mn-ea"/>
+        <a:cs typeface="+mn-cs"/>
+      </a:defRPr>
+    </a:lvl9pPr>
+  </p:notesStyle>
+</p:notesMaster>
+</file>
+
+<file path=ppt/notesSlides/notesSlide1.xml><?xml version="1.0" encoding="utf-8"?>
+<p:notes xmlns:a="http://schemas.openxmlformats.org/drawingml/2006/main" xmlns:r="http://schemas.openxmlformats.org/officeDocument/2006/relationships" xmlns:p="http://schemas.openxmlformats.org/presentationml/2006/main">
   <p:cSld>
     <p:spTree>
       <p:nvGrpSpPr>
@@ -46,7 +431,7 @@
       </p:grpSpPr>
       <p:sp>
         <p:nvSpPr>
-          <p:cNvPr id="68" name="PlaceHolder 1"/>
+          <p:cNvPr id="105" name="PlaceHolder 1"/>
           <p:cNvSpPr>
             <a:spLocks noGrp="1"/>
           </p:cNvSpPr>
@@ -57,153 +442,39 @@
         <p:spPr>
           <a:xfrm>
             <a:off x="777240" y="4777560"/>
-            <a:ext cx="6217560" cy="4525920"/>
-          </a:xfrm>
-          <a:prstGeom prst="rect">
-            <a:avLst/>
-          </a:prstGeom>
-        </p:spPr>
-        <p:txBody>
-          <a:bodyPr bIns="0" lIns="0" rIns="0" tIns="0" wrap="none"/>
+            <a:ext cx="6217200" cy="4525560"/>
+          </a:xfrm>
+          <a:prstGeom prst="rect">
+            <a:avLst/>
+          </a:prstGeom>
+        </p:spPr>
+        <p:txBody>
+          <a:bodyPr wrap="none" lIns="0" tIns="0" rIns="0" bIns="0"/>
+          <a:lstStyle/>
           <a:p>
             <a:r>
               <a:rPr lang="en-US"/>
-              <a:t>Click to edit the notes format</a:t>
-            </a:r>
-            <a:endParaRPr/>
-          </a:p>
-        </p:txBody>
-      </p:sp>
-      <p:sp>
-        <p:nvSpPr>
-          <p:cNvPr id="69" name="PlaceHolder 2"/>
-          <p:cNvSpPr>
-            <a:spLocks noGrp="1"/>
-          </p:cNvSpPr>
-          <p:nvPr>
-            <p:ph type="hdr"/>
-          </p:nvPr>
-        </p:nvSpPr>
-        <p:spPr>
-          <a:xfrm>
-            <a:off x="0" y="0"/>
-            <a:ext cx="3372840" cy="502560"/>
-          </a:xfrm>
-          <a:prstGeom prst="rect">
-            <a:avLst/>
-          </a:prstGeom>
-        </p:spPr>
-        <p:txBody>
-          <a:bodyPr bIns="0" lIns="0" rIns="0" tIns="0" wrap="none"/>
-          <a:p>
-            <a:r>
-              <a:rPr lang="en-US"/>
-              <a:t>&lt;header&gt;</a:t>
-            </a:r>
-            <a:endParaRPr/>
-          </a:p>
-        </p:txBody>
-      </p:sp>
-      <p:sp>
-        <p:nvSpPr>
-          <p:cNvPr id="70" name="PlaceHolder 3"/>
-          <p:cNvSpPr>
-            <a:spLocks noGrp="1"/>
-          </p:cNvSpPr>
-          <p:nvPr>
-            <p:ph type="dt"/>
-          </p:nvPr>
-        </p:nvSpPr>
-        <p:spPr>
-          <a:xfrm>
-            <a:off x="4399200" y="0"/>
-            <a:ext cx="3372840" cy="502560"/>
-          </a:xfrm>
-          <a:prstGeom prst="rect">
-            <a:avLst/>
-          </a:prstGeom>
-        </p:spPr>
-        <p:txBody>
-          <a:bodyPr bIns="0" lIns="0" rIns="0" tIns="0" wrap="none"/>
-          <a:p>
-            <a:pPr algn="r"/>
-            <a:r>
-              <a:rPr lang="en-US"/>
-              <a:t>&lt;date/time&gt;</a:t>
-            </a:r>
-            <a:endParaRPr/>
-          </a:p>
-        </p:txBody>
-      </p:sp>
-      <p:sp>
-        <p:nvSpPr>
-          <p:cNvPr id="71" name="PlaceHolder 4"/>
-          <p:cNvSpPr>
-            <a:spLocks noGrp="1"/>
-          </p:cNvSpPr>
-          <p:nvPr>
-            <p:ph type="ftr"/>
-          </p:nvPr>
-        </p:nvSpPr>
-        <p:spPr>
-          <a:xfrm>
-            <a:off x="0" y="9555480"/>
-            <a:ext cx="3372840" cy="502560"/>
-          </a:xfrm>
-          <a:prstGeom prst="rect">
-            <a:avLst/>
-          </a:prstGeom>
-        </p:spPr>
-        <p:txBody>
-          <a:bodyPr anchor="b" bIns="0" lIns="0" rIns="0" tIns="0" wrap="none"/>
-          <a:p>
-            <a:r>
-              <a:rPr lang="en-US"/>
-              <a:t>&lt;footer&gt;</a:t>
-            </a:r>
-            <a:endParaRPr/>
-          </a:p>
-        </p:txBody>
-      </p:sp>
-      <p:sp>
-        <p:nvSpPr>
-          <p:cNvPr id="72" name="PlaceHolder 5"/>
-          <p:cNvSpPr>
-            <a:spLocks noGrp="1"/>
-          </p:cNvSpPr>
-          <p:nvPr>
-            <p:ph type="sldNum"/>
-          </p:nvPr>
-        </p:nvSpPr>
-        <p:spPr>
-          <a:xfrm>
-            <a:off x="4399200" y="9555480"/>
-            <a:ext cx="3372840" cy="502560"/>
-          </a:xfrm>
-          <a:prstGeom prst="rect">
-            <a:avLst/>
-          </a:prstGeom>
-        </p:spPr>
-        <p:txBody>
-          <a:bodyPr anchor="b" bIns="0" lIns="0" rIns="0" tIns="0" wrap="none"/>
-          <a:p>
-            <a:pPr algn="r"/>
-            <a:fld id="{C1513191-51C1-4111-81C1-911121C1A1E1}" type="slidenum">
-              <a:rPr lang="en-US"/>
-              <a:t>&lt;number&gt;</a:t>
-            </a:fld>
+              <a:t>BS=Bjarne Stroustrup</a:t>
+            </a:r>
             <a:endParaRPr/>
           </a:p>
         </p:txBody>
       </p:sp>
     </p:spTree>
+    <p:extLst>
+      <p:ext uri="{BB962C8B-B14F-4D97-AF65-F5344CB8AC3E}">
+        <p14:creationId xmlns:p14="http://schemas.microsoft.com/office/powerpoint/2010/main" val="367935268"/>
+      </p:ext>
+    </p:extLst>
   </p:cSld>
-  <p:clrMap accent1="accent1" accent2="accent2" accent3="accent3" accent4="accent4" accent5="accent5" accent6="accent6" bg1="lt1" bg2="lt2" folHlink="folHlink" hlink="hlink" tx1="dk1" tx2="dk2"/>
-</p:notesMaster>
+  <p:clrMapOvr>
+    <a:masterClrMapping/>
+  </p:clrMapOvr>
+</p:notes>
 </file>
 
-<file path=ppt/notesSlides/notesSlide7.xml><?xml version="1.0" encoding="utf-8"?>
-<p:notes xmlns:a="http://schemas.openxmlformats.org/drawingml/2006/main" xmlns:p="http://schemas.openxmlformats.org/presentationml/2006/main" xmlns:r="http://schemas.openxmlformats.org/officeDocument/2006/relationships">
+<file path=ppt/notesSlides/notesSlide2.xml><?xml version="1.0" encoding="utf-8"?>
+<p:notes xmlns:a="http://schemas.openxmlformats.org/drawingml/2006/main" xmlns:r="http://schemas.openxmlformats.org/officeDocument/2006/relationships" xmlns:p="http://schemas.openxmlformats.org/presentationml/2006/main">
   <p:cSld>
     <p:spTree>
       <p:nvGrpSpPr>
@@ -221,41 +492,92 @@
       </p:grpSpPr>
       <p:sp>
         <p:nvSpPr>
-          <p:cNvPr id="105" name="PlaceHolder 1"/>
-          <p:cNvSpPr>
-            <a:spLocks noGrp="1"/>
-          </p:cNvSpPr>
-          <p:nvPr>
-            <p:ph type="body"/>
-          </p:nvPr>
-        </p:nvSpPr>
-        <p:spPr>
-          <a:xfrm>
-            <a:off x="777240" y="4777560"/>
-            <a:ext cx="6217200" cy="4525560"/>
-          </a:xfrm>
-          <a:prstGeom prst="rect">
-            <a:avLst/>
-          </a:prstGeom>
-        </p:spPr>
-        <p:txBody>
-          <a:bodyPr bIns="0" lIns="0" rIns="0" tIns="0" wrap="none"/>
-          <a:p>
-            <a:r>
-              <a:rPr lang="en-US"/>
-              <a:t>BS=Bjarne Stroustrup</a:t>
-            </a:r>
-            <a:endParaRPr/>
+          <p:cNvPr id="2" name="Slide Image Placeholder 1"/>
+          <p:cNvSpPr>
+            <a:spLocks noGrp="1" noRot="1" noChangeAspect="1"/>
+          </p:cNvSpPr>
+          <p:nvPr>
+            <p:ph type="sldImg"/>
+          </p:nvPr>
+        </p:nvSpPr>
+        <p:spPr>
+          <a:xfrm>
+            <a:off x="869950" y="1257300"/>
+            <a:ext cx="6032500" cy="3394075"/>
+          </a:xfrm>
+          <a:prstGeom prst="rect">
+            <a:avLst/>
+          </a:prstGeom>
+          <a:noFill/>
+          <a:ln w="12700">
+            <a:solidFill>
+              <a:prstClr val="black"/>
+            </a:solidFill>
+          </a:ln>
+        </p:spPr>
+      </p:sp>
+      <p:sp>
+        <p:nvSpPr>
+          <p:cNvPr id="3" name="Notes Placeholder 2"/>
+          <p:cNvSpPr>
+            <a:spLocks noGrp="1"/>
+          </p:cNvSpPr>
+          <p:nvPr>
+            <p:ph type="body" idx="1"/>
+          </p:nvPr>
+        </p:nvSpPr>
+        <p:spPr/>
+        <p:txBody>
+          <a:bodyPr/>
+          <a:lstStyle/>
+          <a:p>
+            <a:r>
+              <a:rPr lang="en-US" altLang="zh-CN" dirty="0" smtClean="0"/>
+              <a:t>Inline function within class definition.</a:t>
+            </a:r>
+            <a:endParaRPr lang="zh-CN" altLang="en-US" dirty="0"/>
+          </a:p>
+        </p:txBody>
+      </p:sp>
+      <p:sp>
+        <p:nvSpPr>
+          <p:cNvPr id="4" name="Slide Number Placeholder 3"/>
+          <p:cNvSpPr>
+            <a:spLocks noGrp="1"/>
+          </p:cNvSpPr>
+          <p:nvPr>
+            <p:ph type="sldNum" idx="10"/>
+          </p:nvPr>
+        </p:nvSpPr>
+        <p:spPr/>
+        <p:txBody>
+          <a:bodyPr/>
+          <a:lstStyle/>
+          <a:p>
+            <a:pPr algn="r"/>
+            <a:fld id="{C1513191-51C1-4111-81C1-911121C1A1E1}" type="slidenum">
+              <a:rPr lang="en-US" smtClean="0"/>
+              <a:t>18</a:t>
+            </a:fld>
+            <a:endParaRPr lang="en-US"/>
           </a:p>
         </p:txBody>
       </p:sp>
     </p:spTree>
+    <p:extLst>
+      <p:ext uri="{BB962C8B-B14F-4D97-AF65-F5344CB8AC3E}">
+        <p14:creationId xmlns:p14="http://schemas.microsoft.com/office/powerpoint/2010/main" val="2535639108"/>
+      </p:ext>
+    </p:extLst>
   </p:cSld>
+  <p:clrMapOvr>
+    <a:masterClrMapping/>
+  </p:clrMapOvr>
 </p:notes>
 </file>
 
 <file path=ppt/slideLayouts/slideLayout1.xml><?xml version="1.0" encoding="utf-8"?>
-<p:sldLayout xmlns:a="http://schemas.openxmlformats.org/drawingml/2006/main" xmlns:p="http://schemas.openxmlformats.org/presentationml/2006/main" xmlns:r="http://schemas.openxmlformats.org/officeDocument/2006/relationships" preserve="1" type="blank">
+<p:sldLayout xmlns:a="http://schemas.openxmlformats.org/drawingml/2006/main" xmlns:r="http://schemas.openxmlformats.org/officeDocument/2006/relationships" xmlns:p="http://schemas.openxmlformats.org/presentationml/2006/main" type="blank" preserve="1">
   <p:cSld name="Blank Slide">
     <p:spTree>
       <p:nvGrpSpPr>
@@ -273,11 +595,14 @@
       </p:grpSpPr>
     </p:spTree>
   </p:cSld>
+  <p:clrMapOvr>
+    <a:masterClrMapping/>
+  </p:clrMapOvr>
 </p:sldLayout>
 </file>
 
 <file path=ppt/slideLayouts/slideLayout10.xml><?xml version="1.0" encoding="utf-8"?>
-<p:sldLayout xmlns:a="http://schemas.openxmlformats.org/drawingml/2006/main" xmlns:p="http://schemas.openxmlformats.org/presentationml/2006/main" xmlns:r="http://schemas.openxmlformats.org/officeDocument/2006/relationships" preserve="1" type="objOverTx">
+<p:sldLayout xmlns:a="http://schemas.openxmlformats.org/drawingml/2006/main" xmlns:r="http://schemas.openxmlformats.org/officeDocument/2006/relationships" xmlns:p="http://schemas.openxmlformats.org/presentationml/2006/main" type="objOverTx" preserve="1">
   <p:cSld name="Title, Content over Content">
     <p:spTree>
       <p:nvGrpSpPr>
@@ -313,7 +638,8 @@
           </a:prstGeom>
         </p:spPr>
         <p:txBody>
-          <a:bodyPr anchor="ctr" bIns="0" lIns="0" rIns="0" tIns="0" wrap="none"/>
+          <a:bodyPr wrap="none" lIns="0" tIns="0" rIns="0" bIns="0" anchor="ctr"/>
+          <a:lstStyle/>
           <a:p>
             <a:pPr algn="ctr"/>
             <a:endParaRPr/>
@@ -340,7 +666,8 @@
           </a:prstGeom>
         </p:spPr>
         <p:txBody>
-          <a:bodyPr bIns="0" lIns="0" rIns="0" tIns="0" wrap="none"/>
+          <a:bodyPr wrap="none" lIns="0" tIns="0" rIns="0" bIns="0"/>
+          <a:lstStyle/>
           <a:p>
             <a:endParaRPr/>
           </a:p>
@@ -366,7 +693,8 @@
           </a:prstGeom>
         </p:spPr>
         <p:txBody>
-          <a:bodyPr bIns="0" lIns="0" rIns="0" tIns="0" wrap="none"/>
+          <a:bodyPr wrap="none" lIns="0" tIns="0" rIns="0" bIns="0"/>
+          <a:lstStyle/>
           <a:p>
             <a:endParaRPr/>
           </a:p>
@@ -374,11 +702,14 @@
       </p:sp>
     </p:spTree>
   </p:cSld>
+  <p:clrMapOvr>
+    <a:masterClrMapping/>
+  </p:clrMapOvr>
 </p:sldLayout>
 </file>
 
 <file path=ppt/slideLayouts/slideLayout11.xml><?xml version="1.0" encoding="utf-8"?>
-<p:sldLayout xmlns:a="http://schemas.openxmlformats.org/drawingml/2006/main" xmlns:p="http://schemas.openxmlformats.org/presentationml/2006/main" xmlns:r="http://schemas.openxmlformats.org/officeDocument/2006/relationships" preserve="1" type="fourObj">
+<p:sldLayout xmlns:a="http://schemas.openxmlformats.org/drawingml/2006/main" xmlns:r="http://schemas.openxmlformats.org/officeDocument/2006/relationships" xmlns:p="http://schemas.openxmlformats.org/presentationml/2006/main" type="fourObj" preserve="1">
   <p:cSld name="Title, 4 Content">
     <p:spTree>
       <p:nvGrpSpPr>
@@ -414,7 +745,8 @@
           </a:prstGeom>
         </p:spPr>
         <p:txBody>
-          <a:bodyPr anchor="ctr" bIns="0" lIns="0" rIns="0" tIns="0" wrap="none"/>
+          <a:bodyPr wrap="none" lIns="0" tIns="0" rIns="0" bIns="0" anchor="ctr"/>
+          <a:lstStyle/>
           <a:p>
             <a:pPr algn="ctr"/>
             <a:endParaRPr/>
@@ -441,7 +773,8 @@
           </a:prstGeom>
         </p:spPr>
         <p:txBody>
-          <a:bodyPr bIns="0" lIns="0" rIns="0" tIns="0" wrap="none"/>
+          <a:bodyPr wrap="none" lIns="0" tIns="0" rIns="0" bIns="0"/>
+          <a:lstStyle/>
           <a:p>
             <a:endParaRPr/>
           </a:p>
@@ -467,7 +800,8 @@
           </a:prstGeom>
         </p:spPr>
         <p:txBody>
-          <a:bodyPr bIns="0" lIns="0" rIns="0" tIns="0" wrap="none"/>
+          <a:bodyPr wrap="none" lIns="0" tIns="0" rIns="0" bIns="0"/>
+          <a:lstStyle/>
           <a:p>
             <a:endParaRPr/>
           </a:p>
@@ -493,7 +827,8 @@
           </a:prstGeom>
         </p:spPr>
         <p:txBody>
-          <a:bodyPr bIns="0" lIns="0" rIns="0" tIns="0" wrap="none"/>
+          <a:bodyPr wrap="none" lIns="0" tIns="0" rIns="0" bIns="0"/>
+          <a:lstStyle/>
           <a:p>
             <a:endParaRPr/>
           </a:p>
@@ -519,7 +854,8 @@
           </a:prstGeom>
         </p:spPr>
         <p:txBody>
-          <a:bodyPr bIns="0" lIns="0" rIns="0" tIns="0" wrap="none"/>
+          <a:bodyPr wrap="none" lIns="0" tIns="0" rIns="0" bIns="0"/>
+          <a:lstStyle/>
           <a:p>
             <a:endParaRPr/>
           </a:p>
@@ -527,11 +863,14 @@
       </p:sp>
     </p:spTree>
   </p:cSld>
+  <p:clrMapOvr>
+    <a:masterClrMapping/>
+  </p:clrMapOvr>
 </p:sldLayout>
 </file>
 
 <file path=ppt/slideLayouts/slideLayout12.xml><?xml version="1.0" encoding="utf-8"?>
-<p:sldLayout xmlns:a="http://schemas.openxmlformats.org/drawingml/2006/main" xmlns:p="http://schemas.openxmlformats.org/presentationml/2006/main" xmlns:r="http://schemas.openxmlformats.org/officeDocument/2006/relationships" preserve="1" type="blank">
+<p:sldLayout xmlns:a="http://schemas.openxmlformats.org/drawingml/2006/main" xmlns:r="http://schemas.openxmlformats.org/officeDocument/2006/relationships" xmlns:p="http://schemas.openxmlformats.org/presentationml/2006/main" type="blank" preserve="1">
   <p:cSld name="Title, 6 Content">
     <p:spTree>
       <p:nvGrpSpPr>
@@ -567,7 +906,8 @@
           </a:prstGeom>
         </p:spPr>
         <p:txBody>
-          <a:bodyPr anchor="ctr" bIns="0" lIns="0" rIns="0" tIns="0" wrap="none"/>
+          <a:bodyPr wrap="none" lIns="0" tIns="0" rIns="0" bIns="0" anchor="ctr"/>
+          <a:lstStyle/>
           <a:p>
             <a:pPr algn="ctr"/>
             <a:endParaRPr/>
@@ -594,7 +934,8 @@
           </a:prstGeom>
         </p:spPr>
         <p:txBody>
-          <a:bodyPr bIns="0" lIns="0" rIns="0" tIns="0" wrap="none"/>
+          <a:bodyPr wrap="none" lIns="0" tIns="0" rIns="0" bIns="0"/>
+          <a:lstStyle/>
           <a:p>
             <a:endParaRPr/>
           </a:p>
@@ -620,7 +961,8 @@
           </a:prstGeom>
         </p:spPr>
         <p:txBody>
-          <a:bodyPr bIns="0" lIns="0" rIns="0" tIns="0" wrap="none"/>
+          <a:bodyPr wrap="none" lIns="0" tIns="0" rIns="0" bIns="0"/>
+          <a:lstStyle/>
           <a:p>
             <a:endParaRPr/>
           </a:p>
@@ -628,11 +970,14 @@
       </p:sp>
     </p:spTree>
   </p:cSld>
+  <p:clrMapOvr>
+    <a:masterClrMapping/>
+  </p:clrMapOvr>
 </p:sldLayout>
 </file>
 
 <file path=ppt/slideLayouts/slideLayout13.xml><?xml version="1.0" encoding="utf-8"?>
-<p:sldLayout xmlns:a="http://schemas.openxmlformats.org/drawingml/2006/main" xmlns:p="http://schemas.openxmlformats.org/presentationml/2006/main" xmlns:r="http://schemas.openxmlformats.org/officeDocument/2006/relationships" preserve="1" type="blank">
+<p:sldLayout xmlns:a="http://schemas.openxmlformats.org/drawingml/2006/main" xmlns:r="http://schemas.openxmlformats.org/officeDocument/2006/relationships" xmlns:p="http://schemas.openxmlformats.org/presentationml/2006/main" type="blank" preserve="1">
   <p:cSld name="Blank Slide">
     <p:spTree>
       <p:nvGrpSpPr>
@@ -650,11 +995,14 @@
       </p:grpSpPr>
     </p:spTree>
   </p:cSld>
+  <p:clrMapOvr>
+    <a:masterClrMapping/>
+  </p:clrMapOvr>
 </p:sldLayout>
 </file>
 
 <file path=ppt/slideLayouts/slideLayout14.xml><?xml version="1.0" encoding="utf-8"?>
-<p:sldLayout xmlns:a="http://schemas.openxmlformats.org/drawingml/2006/main" xmlns:p="http://schemas.openxmlformats.org/presentationml/2006/main" xmlns:r="http://schemas.openxmlformats.org/officeDocument/2006/relationships" preserve="1" type="tx">
+<p:sldLayout xmlns:a="http://schemas.openxmlformats.org/drawingml/2006/main" xmlns:r="http://schemas.openxmlformats.org/officeDocument/2006/relationships" xmlns:p="http://schemas.openxmlformats.org/presentationml/2006/main" type="tx" preserve="1">
   <p:cSld name="Title Slide">
     <p:spTree>
       <p:nvGrpSpPr>
@@ -690,7 +1038,8 @@
           </a:prstGeom>
         </p:spPr>
         <p:txBody>
-          <a:bodyPr anchor="ctr" bIns="0" lIns="0" rIns="0" tIns="0" wrap="none"/>
+          <a:bodyPr wrap="none" lIns="0" tIns="0" rIns="0" bIns="0" anchor="ctr"/>
+          <a:lstStyle/>
           <a:p>
             <a:pPr algn="ctr"/>
             <a:endParaRPr/>
@@ -717,7 +1066,8 @@
           </a:prstGeom>
         </p:spPr>
         <p:txBody>
-          <a:bodyPr anchor="ctr" bIns="0" lIns="0" rIns="0" tIns="0" wrap="none"/>
+          <a:bodyPr wrap="none" lIns="0" tIns="0" rIns="0" bIns="0" anchor="ctr"/>
+          <a:lstStyle/>
           <a:p>
             <a:pPr algn="ctr"/>
             <a:endParaRPr/>
@@ -726,11 +1076,14 @@
       </p:sp>
     </p:spTree>
   </p:cSld>
+  <p:clrMapOvr>
+    <a:masterClrMapping/>
+  </p:clrMapOvr>
 </p:sldLayout>
 </file>
 
 <file path=ppt/slideLayouts/slideLayout15.xml><?xml version="1.0" encoding="utf-8"?>
-<p:sldLayout xmlns:a="http://schemas.openxmlformats.org/drawingml/2006/main" xmlns:p="http://schemas.openxmlformats.org/presentationml/2006/main" xmlns:r="http://schemas.openxmlformats.org/officeDocument/2006/relationships" preserve="1" type="obj">
+<p:sldLayout xmlns:a="http://schemas.openxmlformats.org/drawingml/2006/main" xmlns:r="http://schemas.openxmlformats.org/officeDocument/2006/relationships" xmlns:p="http://schemas.openxmlformats.org/presentationml/2006/main" type="obj" preserve="1">
   <p:cSld name="Title, Content">
     <p:spTree>
       <p:nvGrpSpPr>
@@ -766,7 +1119,8 @@
           </a:prstGeom>
         </p:spPr>
         <p:txBody>
-          <a:bodyPr anchor="ctr" bIns="0" lIns="0" rIns="0" tIns="0" wrap="none"/>
+          <a:bodyPr wrap="none" lIns="0" tIns="0" rIns="0" bIns="0" anchor="ctr"/>
+          <a:lstStyle/>
           <a:p>
             <a:pPr algn="ctr"/>
             <a:endParaRPr/>
@@ -793,7 +1147,8 @@
           </a:prstGeom>
         </p:spPr>
         <p:txBody>
-          <a:bodyPr bIns="0" lIns="0" rIns="0" tIns="0" wrap="none"/>
+          <a:bodyPr wrap="none" lIns="0" tIns="0" rIns="0" bIns="0"/>
+          <a:lstStyle/>
           <a:p>
             <a:endParaRPr/>
           </a:p>
@@ -801,11 +1156,14 @@
       </p:sp>
     </p:spTree>
   </p:cSld>
+  <p:clrMapOvr>
+    <a:masterClrMapping/>
+  </p:clrMapOvr>
 </p:sldLayout>
 </file>
 
 <file path=ppt/slideLayouts/slideLayout16.xml><?xml version="1.0" encoding="utf-8"?>
-<p:sldLayout xmlns:a="http://schemas.openxmlformats.org/drawingml/2006/main" xmlns:p="http://schemas.openxmlformats.org/presentationml/2006/main" xmlns:r="http://schemas.openxmlformats.org/officeDocument/2006/relationships" preserve="1" type="twoObj">
+<p:sldLayout xmlns:a="http://schemas.openxmlformats.org/drawingml/2006/main" xmlns:r="http://schemas.openxmlformats.org/officeDocument/2006/relationships" xmlns:p="http://schemas.openxmlformats.org/presentationml/2006/main" type="twoObj" preserve="1">
   <p:cSld name="Title, 2 Content">
     <p:spTree>
       <p:nvGrpSpPr>
@@ -841,7 +1199,8 @@
           </a:prstGeom>
         </p:spPr>
         <p:txBody>
-          <a:bodyPr anchor="ctr" bIns="0" lIns="0" rIns="0" tIns="0" wrap="none"/>
+          <a:bodyPr wrap="none" lIns="0" tIns="0" rIns="0" bIns="0" anchor="ctr"/>
+          <a:lstStyle/>
           <a:p>
             <a:pPr algn="ctr"/>
             <a:endParaRPr/>
@@ -868,7 +1227,8 @@
           </a:prstGeom>
         </p:spPr>
         <p:txBody>
-          <a:bodyPr bIns="0" lIns="0" rIns="0" tIns="0" wrap="none"/>
+          <a:bodyPr wrap="none" lIns="0" tIns="0" rIns="0" bIns="0"/>
+          <a:lstStyle/>
           <a:p>
             <a:endParaRPr/>
           </a:p>
@@ -894,7 +1254,8 @@
           </a:prstGeom>
         </p:spPr>
         <p:txBody>
-          <a:bodyPr bIns="0" lIns="0" rIns="0" tIns="0" wrap="none"/>
+          <a:bodyPr wrap="none" lIns="0" tIns="0" rIns="0" bIns="0"/>
+          <a:lstStyle/>
           <a:p>
             <a:endParaRPr/>
           </a:p>
@@ -902,11 +1263,14 @@
       </p:sp>
     </p:spTree>
   </p:cSld>
+  <p:clrMapOvr>
+    <a:masterClrMapping/>
+  </p:clrMapOvr>
 </p:sldLayout>
 </file>
 
 <file path=ppt/slideLayouts/slideLayout17.xml><?xml version="1.0" encoding="utf-8"?>
-<p:sldLayout xmlns:a="http://schemas.openxmlformats.org/drawingml/2006/main" xmlns:p="http://schemas.openxmlformats.org/presentationml/2006/main" xmlns:r="http://schemas.openxmlformats.org/officeDocument/2006/relationships" preserve="1" type="titleOnly">
+<p:sldLayout xmlns:a="http://schemas.openxmlformats.org/drawingml/2006/main" xmlns:r="http://schemas.openxmlformats.org/officeDocument/2006/relationships" xmlns:p="http://schemas.openxmlformats.org/presentationml/2006/main" type="titleOnly" preserve="1">
   <p:cSld name="Title Only">
     <p:spTree>
       <p:nvGrpSpPr>
@@ -942,7 +1306,8 @@
           </a:prstGeom>
         </p:spPr>
         <p:txBody>
-          <a:bodyPr anchor="ctr" bIns="0" lIns="0" rIns="0" tIns="0" wrap="none"/>
+          <a:bodyPr wrap="none" lIns="0" tIns="0" rIns="0" bIns="0" anchor="ctr"/>
+          <a:lstStyle/>
           <a:p>
             <a:pPr algn="ctr"/>
             <a:endParaRPr/>
@@ -951,11 +1316,14 @@
       </p:sp>
     </p:spTree>
   </p:cSld>
+  <p:clrMapOvr>
+    <a:masterClrMapping/>
+  </p:clrMapOvr>
 </p:sldLayout>
 </file>
 
 <file path=ppt/slideLayouts/slideLayout18.xml><?xml version="1.0" encoding="utf-8"?>
-<p:sldLayout xmlns:a="http://schemas.openxmlformats.org/drawingml/2006/main" xmlns:p="http://schemas.openxmlformats.org/presentationml/2006/main" xmlns:r="http://schemas.openxmlformats.org/officeDocument/2006/relationships" preserve="1" type="objOnly">
+<p:sldLayout xmlns:a="http://schemas.openxmlformats.org/drawingml/2006/main" xmlns:r="http://schemas.openxmlformats.org/officeDocument/2006/relationships" xmlns:p="http://schemas.openxmlformats.org/presentationml/2006/main" type="objOnly" preserve="1">
   <p:cSld name="Centered Text">
     <p:spTree>
       <p:nvGrpSpPr>
@@ -991,7 +1359,8 @@
           </a:prstGeom>
         </p:spPr>
         <p:txBody>
-          <a:bodyPr anchor="ctr" bIns="0" lIns="0" rIns="0" tIns="0" wrap="none"/>
+          <a:bodyPr wrap="none" lIns="0" tIns="0" rIns="0" bIns="0" anchor="ctr"/>
+          <a:lstStyle/>
           <a:p>
             <a:pPr algn="ctr"/>
             <a:endParaRPr/>
@@ -1000,11 +1369,14 @@
       </p:sp>
     </p:spTree>
   </p:cSld>
+  <p:clrMapOvr>
+    <a:masterClrMapping/>
+  </p:clrMapOvr>
 </p:sldLayout>
 </file>
 
 <file path=ppt/slideLayouts/slideLayout19.xml><?xml version="1.0" encoding="utf-8"?>
-<p:sldLayout xmlns:a="http://schemas.openxmlformats.org/drawingml/2006/main" xmlns:p="http://schemas.openxmlformats.org/presentationml/2006/main" xmlns:r="http://schemas.openxmlformats.org/officeDocument/2006/relationships" preserve="1" type="twoObjAndObj">
+<p:sldLayout xmlns:a="http://schemas.openxmlformats.org/drawingml/2006/main" xmlns:r="http://schemas.openxmlformats.org/officeDocument/2006/relationships" xmlns:p="http://schemas.openxmlformats.org/presentationml/2006/main" type="twoObjAndObj" preserve="1">
   <p:cSld name="Title, 2 Content and Content">
     <p:spTree>
       <p:nvGrpSpPr>
@@ -1040,7 +1412,8 @@
           </a:prstGeom>
         </p:spPr>
         <p:txBody>
-          <a:bodyPr anchor="ctr" bIns="0" lIns="0" rIns="0" tIns="0" wrap="none"/>
+          <a:bodyPr wrap="none" lIns="0" tIns="0" rIns="0" bIns="0" anchor="ctr"/>
+          <a:lstStyle/>
           <a:p>
             <a:pPr algn="ctr"/>
             <a:endParaRPr/>
@@ -1067,7 +1440,8 @@
           </a:prstGeom>
         </p:spPr>
         <p:txBody>
-          <a:bodyPr bIns="0" lIns="0" rIns="0" tIns="0" wrap="none"/>
+          <a:bodyPr wrap="none" lIns="0" tIns="0" rIns="0" bIns="0"/>
+          <a:lstStyle/>
           <a:p>
             <a:endParaRPr/>
           </a:p>
@@ -1093,7 +1467,8 @@
           </a:prstGeom>
         </p:spPr>
         <p:txBody>
-          <a:bodyPr bIns="0" lIns="0" rIns="0" tIns="0" wrap="none"/>
+          <a:bodyPr wrap="none" lIns="0" tIns="0" rIns="0" bIns="0"/>
+          <a:lstStyle/>
           <a:p>
             <a:endParaRPr/>
           </a:p>
@@ -1119,7 +1494,8 @@
           </a:prstGeom>
         </p:spPr>
         <p:txBody>
-          <a:bodyPr bIns="0" lIns="0" rIns="0" tIns="0" wrap="none"/>
+          <a:bodyPr wrap="none" lIns="0" tIns="0" rIns="0" bIns="0"/>
+          <a:lstStyle/>
           <a:p>
             <a:endParaRPr/>
           </a:p>
@@ -1127,11 +1503,14 @@
       </p:sp>
     </p:spTree>
   </p:cSld>
+  <p:clrMapOvr>
+    <a:masterClrMapping/>
+  </p:clrMapOvr>
 </p:sldLayout>
 </file>
 
 <file path=ppt/slideLayouts/slideLayout2.xml><?xml version="1.0" encoding="utf-8"?>
-<p:sldLayout xmlns:a="http://schemas.openxmlformats.org/drawingml/2006/main" xmlns:p="http://schemas.openxmlformats.org/presentationml/2006/main" xmlns:r="http://schemas.openxmlformats.org/officeDocument/2006/relationships" preserve="1" type="tx">
+<p:sldLayout xmlns:a="http://schemas.openxmlformats.org/drawingml/2006/main" xmlns:r="http://schemas.openxmlformats.org/officeDocument/2006/relationships" xmlns:p="http://schemas.openxmlformats.org/presentationml/2006/main" type="tx" preserve="1">
   <p:cSld name="Title Slide">
     <p:spTree>
       <p:nvGrpSpPr>
@@ -1167,7 +1546,8 @@
           </a:prstGeom>
         </p:spPr>
         <p:txBody>
-          <a:bodyPr anchor="ctr" bIns="0" lIns="0" rIns="0" tIns="0" wrap="none"/>
+          <a:bodyPr wrap="none" lIns="0" tIns="0" rIns="0" bIns="0" anchor="ctr"/>
+          <a:lstStyle/>
           <a:p>
             <a:pPr algn="ctr"/>
             <a:endParaRPr/>
@@ -1194,7 +1574,8 @@
           </a:prstGeom>
         </p:spPr>
         <p:txBody>
-          <a:bodyPr anchor="ctr" bIns="0" lIns="0" rIns="0" tIns="0" wrap="none"/>
+          <a:bodyPr wrap="none" lIns="0" tIns="0" rIns="0" bIns="0" anchor="ctr"/>
+          <a:lstStyle/>
           <a:p>
             <a:pPr algn="ctr"/>
             <a:endParaRPr/>
@@ -1203,11 +1584,14 @@
       </p:sp>
     </p:spTree>
   </p:cSld>
+  <p:clrMapOvr>
+    <a:masterClrMapping/>
+  </p:clrMapOvr>
 </p:sldLayout>
 </file>
 
 <file path=ppt/slideLayouts/slideLayout20.xml><?xml version="1.0" encoding="utf-8"?>
-<p:sldLayout xmlns:a="http://schemas.openxmlformats.org/drawingml/2006/main" xmlns:p="http://schemas.openxmlformats.org/presentationml/2006/main" xmlns:r="http://schemas.openxmlformats.org/officeDocument/2006/relationships" preserve="1" type="objAndTwoObj">
+<p:sldLayout xmlns:a="http://schemas.openxmlformats.org/drawingml/2006/main" xmlns:r="http://schemas.openxmlformats.org/officeDocument/2006/relationships" xmlns:p="http://schemas.openxmlformats.org/presentationml/2006/main" type="objAndTwoObj" preserve="1">
   <p:cSld name="Title Content and 2 Content">
     <p:spTree>
       <p:nvGrpSpPr>
@@ -1243,7 +1627,8 @@
           </a:prstGeom>
         </p:spPr>
         <p:txBody>
-          <a:bodyPr anchor="ctr" bIns="0" lIns="0" rIns="0" tIns="0" wrap="none"/>
+          <a:bodyPr wrap="none" lIns="0" tIns="0" rIns="0" bIns="0" anchor="ctr"/>
+          <a:lstStyle/>
           <a:p>
             <a:pPr algn="ctr"/>
             <a:endParaRPr/>
@@ -1270,7 +1655,8 @@
           </a:prstGeom>
         </p:spPr>
         <p:txBody>
-          <a:bodyPr bIns="0" lIns="0" rIns="0" tIns="0" wrap="none"/>
+          <a:bodyPr wrap="none" lIns="0" tIns="0" rIns="0" bIns="0"/>
+          <a:lstStyle/>
           <a:p>
             <a:endParaRPr/>
           </a:p>
@@ -1296,7 +1682,8 @@
           </a:prstGeom>
         </p:spPr>
         <p:txBody>
-          <a:bodyPr bIns="0" lIns="0" rIns="0" tIns="0" wrap="none"/>
+          <a:bodyPr wrap="none" lIns="0" tIns="0" rIns="0" bIns="0"/>
+          <a:lstStyle/>
           <a:p>
             <a:endParaRPr/>
           </a:p>
@@ -1322,7 +1709,8 @@
           </a:prstGeom>
         </p:spPr>
         <p:txBody>
-          <a:bodyPr bIns="0" lIns="0" rIns="0" tIns="0" wrap="none"/>
+          <a:bodyPr wrap="none" lIns="0" tIns="0" rIns="0" bIns="0"/>
+          <a:lstStyle/>
           <a:p>
             <a:endParaRPr/>
           </a:p>
@@ -1330,11 +1718,14 @@
       </p:sp>
     </p:spTree>
   </p:cSld>
+  <p:clrMapOvr>
+    <a:masterClrMapping/>
+  </p:clrMapOvr>
 </p:sldLayout>
 </file>
 
 <file path=ppt/slideLayouts/slideLayout21.xml><?xml version="1.0" encoding="utf-8"?>
-<p:sldLayout xmlns:a="http://schemas.openxmlformats.org/drawingml/2006/main" xmlns:p="http://schemas.openxmlformats.org/presentationml/2006/main" xmlns:r="http://schemas.openxmlformats.org/officeDocument/2006/relationships" preserve="1" type="twoObjOverTx">
+<p:sldLayout xmlns:a="http://schemas.openxmlformats.org/drawingml/2006/main" xmlns:r="http://schemas.openxmlformats.org/officeDocument/2006/relationships" xmlns:p="http://schemas.openxmlformats.org/presentationml/2006/main" type="twoObjOverTx" preserve="1">
   <p:cSld name="Title, 2 Content over Content">
     <p:spTree>
       <p:nvGrpSpPr>
@@ -1370,7 +1761,8 @@
           </a:prstGeom>
         </p:spPr>
         <p:txBody>
-          <a:bodyPr anchor="ctr" bIns="0" lIns="0" rIns="0" tIns="0" wrap="none"/>
+          <a:bodyPr wrap="none" lIns="0" tIns="0" rIns="0" bIns="0" anchor="ctr"/>
+          <a:lstStyle/>
           <a:p>
             <a:pPr algn="ctr"/>
             <a:endParaRPr/>
@@ -1397,7 +1789,8 @@
           </a:prstGeom>
         </p:spPr>
         <p:txBody>
-          <a:bodyPr bIns="0" lIns="0" rIns="0" tIns="0" wrap="none"/>
+          <a:bodyPr wrap="none" lIns="0" tIns="0" rIns="0" bIns="0"/>
+          <a:lstStyle/>
           <a:p>
             <a:endParaRPr/>
           </a:p>
@@ -1423,7 +1816,8 @@
           </a:prstGeom>
         </p:spPr>
         <p:txBody>
-          <a:bodyPr bIns="0" lIns="0" rIns="0" tIns="0" wrap="none"/>
+          <a:bodyPr wrap="none" lIns="0" tIns="0" rIns="0" bIns="0"/>
+          <a:lstStyle/>
           <a:p>
             <a:endParaRPr/>
           </a:p>
@@ -1449,7 +1843,8 @@
           </a:prstGeom>
         </p:spPr>
         <p:txBody>
-          <a:bodyPr bIns="0" lIns="0" rIns="0" tIns="0" wrap="none"/>
+          <a:bodyPr wrap="none" lIns="0" tIns="0" rIns="0" bIns="0"/>
+          <a:lstStyle/>
           <a:p>
             <a:endParaRPr/>
           </a:p>
@@ -1457,11 +1852,14 @@
       </p:sp>
     </p:spTree>
   </p:cSld>
+  <p:clrMapOvr>
+    <a:masterClrMapping/>
+  </p:clrMapOvr>
 </p:sldLayout>
 </file>
 
 <file path=ppt/slideLayouts/slideLayout22.xml><?xml version="1.0" encoding="utf-8"?>
-<p:sldLayout xmlns:a="http://schemas.openxmlformats.org/drawingml/2006/main" xmlns:p="http://schemas.openxmlformats.org/presentationml/2006/main" xmlns:r="http://schemas.openxmlformats.org/officeDocument/2006/relationships" preserve="1" type="objOverTx">
+<p:sldLayout xmlns:a="http://schemas.openxmlformats.org/drawingml/2006/main" xmlns:r="http://schemas.openxmlformats.org/officeDocument/2006/relationships" xmlns:p="http://schemas.openxmlformats.org/presentationml/2006/main" type="objOverTx" preserve="1">
   <p:cSld name="Title, Content over Content">
     <p:spTree>
       <p:nvGrpSpPr>
@@ -1497,7 +1895,8 @@
           </a:prstGeom>
         </p:spPr>
         <p:txBody>
-          <a:bodyPr anchor="ctr" bIns="0" lIns="0" rIns="0" tIns="0" wrap="none"/>
+          <a:bodyPr wrap="none" lIns="0" tIns="0" rIns="0" bIns="0" anchor="ctr"/>
+          <a:lstStyle/>
           <a:p>
             <a:pPr algn="ctr"/>
             <a:endParaRPr/>
@@ -1524,7 +1923,8 @@
           </a:prstGeom>
         </p:spPr>
         <p:txBody>
-          <a:bodyPr bIns="0" lIns="0" rIns="0" tIns="0" wrap="none"/>
+          <a:bodyPr wrap="none" lIns="0" tIns="0" rIns="0" bIns="0"/>
+          <a:lstStyle/>
           <a:p>
             <a:endParaRPr/>
           </a:p>
@@ -1550,7 +1950,8 @@
           </a:prstGeom>
         </p:spPr>
         <p:txBody>
-          <a:bodyPr bIns="0" lIns="0" rIns="0" tIns="0" wrap="none"/>
+          <a:bodyPr wrap="none" lIns="0" tIns="0" rIns="0" bIns="0"/>
+          <a:lstStyle/>
           <a:p>
             <a:endParaRPr/>
           </a:p>
@@ -1558,11 +1959,14 @@
       </p:sp>
     </p:spTree>
   </p:cSld>
+  <p:clrMapOvr>
+    <a:masterClrMapping/>
+  </p:clrMapOvr>
 </p:sldLayout>
 </file>
 
 <file path=ppt/slideLayouts/slideLayout23.xml><?xml version="1.0" encoding="utf-8"?>
-<p:sldLayout xmlns:a="http://schemas.openxmlformats.org/drawingml/2006/main" xmlns:p="http://schemas.openxmlformats.org/presentationml/2006/main" xmlns:r="http://schemas.openxmlformats.org/officeDocument/2006/relationships" preserve="1" type="fourObj">
+<p:sldLayout xmlns:a="http://schemas.openxmlformats.org/drawingml/2006/main" xmlns:r="http://schemas.openxmlformats.org/officeDocument/2006/relationships" xmlns:p="http://schemas.openxmlformats.org/presentationml/2006/main" type="fourObj" preserve="1">
   <p:cSld name="Title, 4 Content">
     <p:spTree>
       <p:nvGrpSpPr>
@@ -1598,7 +2002,8 @@
           </a:prstGeom>
         </p:spPr>
         <p:txBody>
-          <a:bodyPr anchor="ctr" bIns="0" lIns="0" rIns="0" tIns="0" wrap="none"/>
+          <a:bodyPr wrap="none" lIns="0" tIns="0" rIns="0" bIns="0" anchor="ctr"/>
+          <a:lstStyle/>
           <a:p>
             <a:pPr algn="ctr"/>
             <a:endParaRPr/>
@@ -1625,7 +2030,8 @@
           </a:prstGeom>
         </p:spPr>
         <p:txBody>
-          <a:bodyPr bIns="0" lIns="0" rIns="0" tIns="0" wrap="none"/>
+          <a:bodyPr wrap="none" lIns="0" tIns="0" rIns="0" bIns="0"/>
+          <a:lstStyle/>
           <a:p>
             <a:endParaRPr/>
           </a:p>
@@ -1651,7 +2057,8 @@
           </a:prstGeom>
         </p:spPr>
         <p:txBody>
-          <a:bodyPr bIns="0" lIns="0" rIns="0" tIns="0" wrap="none"/>
+          <a:bodyPr wrap="none" lIns="0" tIns="0" rIns="0" bIns="0"/>
+          <a:lstStyle/>
           <a:p>
             <a:endParaRPr/>
           </a:p>
@@ -1677,7 +2084,8 @@
           </a:prstGeom>
         </p:spPr>
         <p:txBody>
-          <a:bodyPr bIns="0" lIns="0" rIns="0" tIns="0" wrap="none"/>
+          <a:bodyPr wrap="none" lIns="0" tIns="0" rIns="0" bIns="0"/>
+          <a:lstStyle/>
           <a:p>
             <a:endParaRPr/>
           </a:p>
@@ -1703,7 +2111,8 @@
           </a:prstGeom>
         </p:spPr>
         <p:txBody>
-          <a:bodyPr bIns="0" lIns="0" rIns="0" tIns="0" wrap="none"/>
+          <a:bodyPr wrap="none" lIns="0" tIns="0" rIns="0" bIns="0"/>
+          <a:lstStyle/>
           <a:p>
             <a:endParaRPr/>
           </a:p>
@@ -1711,11 +2120,14 @@
       </p:sp>
     </p:spTree>
   </p:cSld>
+  <p:clrMapOvr>
+    <a:masterClrMapping/>
+  </p:clrMapOvr>
 </p:sldLayout>
 </file>
 
 <file path=ppt/slideLayouts/slideLayout24.xml><?xml version="1.0" encoding="utf-8"?>
-<p:sldLayout xmlns:a="http://schemas.openxmlformats.org/drawingml/2006/main" xmlns:p="http://schemas.openxmlformats.org/presentationml/2006/main" xmlns:r="http://schemas.openxmlformats.org/officeDocument/2006/relationships" preserve="1" type="blank">
+<p:sldLayout xmlns:a="http://schemas.openxmlformats.org/drawingml/2006/main" xmlns:r="http://schemas.openxmlformats.org/officeDocument/2006/relationships" xmlns:p="http://schemas.openxmlformats.org/presentationml/2006/main" type="blank" preserve="1">
   <p:cSld name="Title, 6 Content">
     <p:spTree>
       <p:nvGrpSpPr>
@@ -1751,7 +2163,8 @@
           </a:prstGeom>
         </p:spPr>
         <p:txBody>
-          <a:bodyPr anchor="ctr" bIns="0" lIns="0" rIns="0" tIns="0" wrap="none"/>
+          <a:bodyPr wrap="none" lIns="0" tIns="0" rIns="0" bIns="0" anchor="ctr"/>
+          <a:lstStyle/>
           <a:p>
             <a:pPr algn="ctr"/>
             <a:endParaRPr/>
@@ -1778,7 +2191,8 @@
           </a:prstGeom>
         </p:spPr>
         <p:txBody>
-          <a:bodyPr bIns="0" lIns="0" rIns="0" tIns="0" wrap="none"/>
+          <a:bodyPr wrap="none" lIns="0" tIns="0" rIns="0" bIns="0"/>
+          <a:lstStyle/>
           <a:p>
             <a:endParaRPr/>
           </a:p>
@@ -1804,7 +2218,8 @@
           </a:prstGeom>
         </p:spPr>
         <p:txBody>
-          <a:bodyPr bIns="0" lIns="0" rIns="0" tIns="0" wrap="none"/>
+          <a:bodyPr wrap="none" lIns="0" tIns="0" rIns="0" bIns="0"/>
+          <a:lstStyle/>
           <a:p>
             <a:endParaRPr/>
           </a:p>
@@ -1812,11 +2227,14 @@
       </p:sp>
     </p:spTree>
   </p:cSld>
+  <p:clrMapOvr>
+    <a:masterClrMapping/>
+  </p:clrMapOvr>
 </p:sldLayout>
 </file>
 
 <file path=ppt/slideLayouts/slideLayout3.xml><?xml version="1.0" encoding="utf-8"?>
-<p:sldLayout xmlns:a="http://schemas.openxmlformats.org/drawingml/2006/main" xmlns:p="http://schemas.openxmlformats.org/presentationml/2006/main" xmlns:r="http://schemas.openxmlformats.org/officeDocument/2006/relationships" preserve="1" type="obj">
+<p:sldLayout xmlns:a="http://schemas.openxmlformats.org/drawingml/2006/main" xmlns:r="http://schemas.openxmlformats.org/officeDocument/2006/relationships" xmlns:p="http://schemas.openxmlformats.org/presentationml/2006/main" type="obj" preserve="1">
   <p:cSld name="Title, Content">
     <p:spTree>
       <p:nvGrpSpPr>
@@ -1852,7 +2270,8 @@
           </a:prstGeom>
         </p:spPr>
         <p:txBody>
-          <a:bodyPr anchor="ctr" bIns="0" lIns="0" rIns="0" tIns="0" wrap="none"/>
+          <a:bodyPr wrap="none" lIns="0" tIns="0" rIns="0" bIns="0" anchor="ctr"/>
+          <a:lstStyle/>
           <a:p>
             <a:pPr algn="ctr"/>
             <a:endParaRPr/>
@@ -1879,7 +2298,8 @@
           </a:prstGeom>
         </p:spPr>
         <p:txBody>
-          <a:bodyPr bIns="0" lIns="0" rIns="0" tIns="0" wrap="none"/>
+          <a:bodyPr wrap="none" lIns="0" tIns="0" rIns="0" bIns="0"/>
+          <a:lstStyle/>
           <a:p>
             <a:endParaRPr/>
           </a:p>
@@ -1887,11 +2307,14 @@
       </p:sp>
     </p:spTree>
   </p:cSld>
+  <p:clrMapOvr>
+    <a:masterClrMapping/>
+  </p:clrMapOvr>
 </p:sldLayout>
 </file>
 
 <file path=ppt/slideLayouts/slideLayout4.xml><?xml version="1.0" encoding="utf-8"?>
-<p:sldLayout xmlns:a="http://schemas.openxmlformats.org/drawingml/2006/main" xmlns:p="http://schemas.openxmlformats.org/presentationml/2006/main" xmlns:r="http://schemas.openxmlformats.org/officeDocument/2006/relationships" preserve="1" type="twoObj">
+<p:sldLayout xmlns:a="http://schemas.openxmlformats.org/drawingml/2006/main" xmlns:r="http://schemas.openxmlformats.org/officeDocument/2006/relationships" xmlns:p="http://schemas.openxmlformats.org/presentationml/2006/main" type="twoObj" preserve="1">
   <p:cSld name="Title, 2 Content">
     <p:spTree>
       <p:nvGrpSpPr>
@@ -1927,7 +2350,8 @@
           </a:prstGeom>
         </p:spPr>
         <p:txBody>
-          <a:bodyPr anchor="ctr" bIns="0" lIns="0" rIns="0" tIns="0" wrap="none"/>
+          <a:bodyPr wrap="none" lIns="0" tIns="0" rIns="0" bIns="0" anchor="ctr"/>
+          <a:lstStyle/>
           <a:p>
             <a:pPr algn="ctr"/>
             <a:endParaRPr/>
@@ -1954,7 +2378,8 @@
           </a:prstGeom>
         </p:spPr>
         <p:txBody>
-          <a:bodyPr bIns="0" lIns="0" rIns="0" tIns="0" wrap="none"/>
+          <a:bodyPr wrap="none" lIns="0" tIns="0" rIns="0" bIns="0"/>
+          <a:lstStyle/>
           <a:p>
             <a:endParaRPr/>
           </a:p>
@@ -1980,7 +2405,8 @@
           </a:prstGeom>
         </p:spPr>
         <p:txBody>
-          <a:bodyPr bIns="0" lIns="0" rIns="0" tIns="0" wrap="none"/>
+          <a:bodyPr wrap="none" lIns="0" tIns="0" rIns="0" bIns="0"/>
+          <a:lstStyle/>
           <a:p>
             <a:endParaRPr/>
           </a:p>
@@ -1988,11 +2414,14 @@
       </p:sp>
     </p:spTree>
   </p:cSld>
+  <p:clrMapOvr>
+    <a:masterClrMapping/>
+  </p:clrMapOvr>
 </p:sldLayout>
 </file>
 
 <file path=ppt/slideLayouts/slideLayout5.xml><?xml version="1.0" encoding="utf-8"?>
-<p:sldLayout xmlns:a="http://schemas.openxmlformats.org/drawingml/2006/main" xmlns:p="http://schemas.openxmlformats.org/presentationml/2006/main" xmlns:r="http://schemas.openxmlformats.org/officeDocument/2006/relationships" preserve="1" type="titleOnly">
+<p:sldLayout xmlns:a="http://schemas.openxmlformats.org/drawingml/2006/main" xmlns:r="http://schemas.openxmlformats.org/officeDocument/2006/relationships" xmlns:p="http://schemas.openxmlformats.org/presentationml/2006/main" type="titleOnly" preserve="1">
   <p:cSld name="Title Only">
     <p:spTree>
       <p:nvGrpSpPr>
@@ -2028,7 +2457,8 @@
           </a:prstGeom>
         </p:spPr>
         <p:txBody>
-          <a:bodyPr anchor="ctr" bIns="0" lIns="0" rIns="0" tIns="0" wrap="none"/>
+          <a:bodyPr wrap="none" lIns="0" tIns="0" rIns="0" bIns="0" anchor="ctr"/>
+          <a:lstStyle/>
           <a:p>
             <a:pPr algn="ctr"/>
             <a:endParaRPr/>
@@ -2037,11 +2467,14 @@
       </p:sp>
     </p:spTree>
   </p:cSld>
+  <p:clrMapOvr>
+    <a:masterClrMapping/>
+  </p:clrMapOvr>
 </p:sldLayout>
 </file>
 
 <file path=ppt/slideLayouts/slideLayout6.xml><?xml version="1.0" encoding="utf-8"?>
-<p:sldLayout xmlns:a="http://schemas.openxmlformats.org/drawingml/2006/main" xmlns:p="http://schemas.openxmlformats.org/presentationml/2006/main" xmlns:r="http://schemas.openxmlformats.org/officeDocument/2006/relationships" preserve="1" type="objOnly">
+<p:sldLayout xmlns:a="http://schemas.openxmlformats.org/drawingml/2006/main" xmlns:r="http://schemas.openxmlformats.org/officeDocument/2006/relationships" xmlns:p="http://schemas.openxmlformats.org/presentationml/2006/main" type="objOnly" preserve="1">
   <p:cSld name="Centered Text">
     <p:spTree>
       <p:nvGrpSpPr>
@@ -2077,7 +2510,8 @@
           </a:prstGeom>
         </p:spPr>
         <p:txBody>
-          <a:bodyPr anchor="ctr" bIns="0" lIns="0" rIns="0" tIns="0" wrap="none"/>
+          <a:bodyPr wrap="none" lIns="0" tIns="0" rIns="0" bIns="0" anchor="ctr"/>
+          <a:lstStyle/>
           <a:p>
             <a:pPr algn="ctr"/>
             <a:endParaRPr/>
@@ -2086,11 +2520,14 @@
       </p:sp>
     </p:spTree>
   </p:cSld>
+  <p:clrMapOvr>
+    <a:masterClrMapping/>
+  </p:clrMapOvr>
 </p:sldLayout>
 </file>
 
 <file path=ppt/slideLayouts/slideLayout7.xml><?xml version="1.0" encoding="utf-8"?>
-<p:sldLayout xmlns:a="http://schemas.openxmlformats.org/drawingml/2006/main" xmlns:p="http://schemas.openxmlformats.org/presentationml/2006/main" xmlns:r="http://schemas.openxmlformats.org/officeDocument/2006/relationships" preserve="1" type="twoObjAndObj">
+<p:sldLayout xmlns:a="http://schemas.openxmlformats.org/drawingml/2006/main" xmlns:r="http://schemas.openxmlformats.org/officeDocument/2006/relationships" xmlns:p="http://schemas.openxmlformats.org/presentationml/2006/main" type="twoObjAndObj" preserve="1">
   <p:cSld name="Title, 2 Content and Content">
     <p:spTree>
       <p:nvGrpSpPr>
@@ -2126,7 +2563,8 @@
           </a:prstGeom>
         </p:spPr>
         <p:txBody>
-          <a:bodyPr anchor="ctr" bIns="0" lIns="0" rIns="0" tIns="0" wrap="none"/>
+          <a:bodyPr wrap="none" lIns="0" tIns="0" rIns="0" bIns="0" anchor="ctr"/>
+          <a:lstStyle/>
           <a:p>
             <a:pPr algn="ctr"/>
             <a:endParaRPr/>
@@ -2153,7 +2591,8 @@
           </a:prstGeom>
         </p:spPr>
         <p:txBody>
-          <a:bodyPr bIns="0" lIns="0" rIns="0" tIns="0" wrap="none"/>
+          <a:bodyPr wrap="none" lIns="0" tIns="0" rIns="0" bIns="0"/>
+          <a:lstStyle/>
           <a:p>
             <a:endParaRPr/>
           </a:p>
@@ -2179,7 +2618,8 @@
           </a:prstGeom>
         </p:spPr>
         <p:txBody>
-          <a:bodyPr bIns="0" lIns="0" rIns="0" tIns="0" wrap="none"/>
+          <a:bodyPr wrap="none" lIns="0" tIns="0" rIns="0" bIns="0"/>
+          <a:lstStyle/>
           <a:p>
             <a:endParaRPr/>
           </a:p>
@@ -2205,7 +2645,8 @@
           </a:prstGeom>
         </p:spPr>
         <p:txBody>
-          <a:bodyPr bIns="0" lIns="0" rIns="0" tIns="0" wrap="none"/>
+          <a:bodyPr wrap="none" lIns="0" tIns="0" rIns="0" bIns="0"/>
+          <a:lstStyle/>
           <a:p>
             <a:endParaRPr/>
           </a:p>
@@ -2213,11 +2654,14 @@
       </p:sp>
     </p:spTree>
   </p:cSld>
+  <p:clrMapOvr>
+    <a:masterClrMapping/>
+  </p:clrMapOvr>
 </p:sldLayout>
 </file>
 
 <file path=ppt/slideLayouts/slideLayout8.xml><?xml version="1.0" encoding="utf-8"?>
-<p:sldLayout xmlns:a="http://schemas.openxmlformats.org/drawingml/2006/main" xmlns:p="http://schemas.openxmlformats.org/presentationml/2006/main" xmlns:r="http://schemas.openxmlformats.org/officeDocument/2006/relationships" preserve="1" type="objAndTwoObj">
+<p:sldLayout xmlns:a="http://schemas.openxmlformats.org/drawingml/2006/main" xmlns:r="http://schemas.openxmlformats.org/officeDocument/2006/relationships" xmlns:p="http://schemas.openxmlformats.org/presentationml/2006/main" type="objAndTwoObj" preserve="1">
   <p:cSld name="Title Content and 2 Content">
     <p:spTree>
       <p:nvGrpSpPr>
@@ -2253,7 +2697,8 @@
           </a:prstGeom>
         </p:spPr>
         <p:txBody>
-          <a:bodyPr anchor="ctr" bIns="0" lIns="0" rIns="0" tIns="0" wrap="none"/>
+          <a:bodyPr wrap="none" lIns="0" tIns="0" rIns="0" bIns="0" anchor="ctr"/>
+          <a:lstStyle/>
           <a:p>
             <a:pPr algn="ctr"/>
             <a:endParaRPr/>
@@ -2280,7 +2725,8 @@
           </a:prstGeom>
         </p:spPr>
         <p:txBody>
-          <a:bodyPr bIns="0" lIns="0" rIns="0" tIns="0" wrap="none"/>
+          <a:bodyPr wrap="none" lIns="0" tIns="0" rIns="0" bIns="0"/>
+          <a:lstStyle/>
           <a:p>
             <a:endParaRPr/>
           </a:p>
@@ -2306,7 +2752,8 @@
           </a:prstGeom>
         </p:spPr>
         <p:txBody>
-          <a:bodyPr bIns="0" lIns="0" rIns="0" tIns="0" wrap="none"/>
+          <a:bodyPr wrap="none" lIns="0" tIns="0" rIns="0" bIns="0"/>
+          <a:lstStyle/>
           <a:p>
             <a:endParaRPr/>
           </a:p>
@@ -2332,7 +2779,8 @@
           </a:prstGeom>
         </p:spPr>
         <p:txBody>
-          <a:bodyPr bIns="0" lIns="0" rIns="0" tIns="0" wrap="none"/>
+          <a:bodyPr wrap="none" lIns="0" tIns="0" rIns="0" bIns="0"/>
+          <a:lstStyle/>
           <a:p>
             <a:endParaRPr/>
           </a:p>
@@ -2340,11 +2788,14 @@
       </p:sp>
     </p:spTree>
   </p:cSld>
+  <p:clrMapOvr>
+    <a:masterClrMapping/>
+  </p:clrMapOvr>
 </p:sldLayout>
 </file>
 
 <file path=ppt/slideLayouts/slideLayout9.xml><?xml version="1.0" encoding="utf-8"?>
-<p:sldLayout xmlns:a="http://schemas.openxmlformats.org/drawingml/2006/main" xmlns:p="http://schemas.openxmlformats.org/presentationml/2006/main" xmlns:r="http://schemas.openxmlformats.org/officeDocument/2006/relationships" preserve="1" type="twoObjOverTx">
+<p:sldLayout xmlns:a="http://schemas.openxmlformats.org/drawingml/2006/main" xmlns:r="http://schemas.openxmlformats.org/officeDocument/2006/relationships" xmlns:p="http://schemas.openxmlformats.org/presentationml/2006/main" type="twoObjOverTx" preserve="1">
   <p:cSld name="Title, 2 Content over Content">
     <p:spTree>
       <p:nvGrpSpPr>
@@ -2380,7 +2831,8 @@
           </a:prstGeom>
         </p:spPr>
         <p:txBody>
-          <a:bodyPr anchor="ctr" bIns="0" lIns="0" rIns="0" tIns="0" wrap="none"/>
+          <a:bodyPr wrap="none" lIns="0" tIns="0" rIns="0" bIns="0" anchor="ctr"/>
+          <a:lstStyle/>
           <a:p>
             <a:pPr algn="ctr"/>
             <a:endParaRPr/>
@@ -2407,7 +2859,8 @@
           </a:prstGeom>
         </p:spPr>
         <p:txBody>
-          <a:bodyPr bIns="0" lIns="0" rIns="0" tIns="0" wrap="none"/>
+          <a:bodyPr wrap="none" lIns="0" tIns="0" rIns="0" bIns="0"/>
+          <a:lstStyle/>
           <a:p>
             <a:endParaRPr/>
           </a:p>
@@ -2433,7 +2886,8 @@
           </a:prstGeom>
         </p:spPr>
         <p:txBody>
-          <a:bodyPr bIns="0" lIns="0" rIns="0" tIns="0" wrap="none"/>
+          <a:bodyPr wrap="none" lIns="0" tIns="0" rIns="0" bIns="0"/>
+          <a:lstStyle/>
           <a:p>
             <a:endParaRPr/>
           </a:p>
@@ -2459,7 +2913,8 @@
           </a:prstGeom>
         </p:spPr>
         <p:txBody>
-          <a:bodyPr bIns="0" lIns="0" rIns="0" tIns="0" wrap="none"/>
+          <a:bodyPr wrap="none" lIns="0" tIns="0" rIns="0" bIns="0"/>
+          <a:lstStyle/>
           <a:p>
             <a:endParaRPr/>
           </a:p>
@@ -2467,17 +2922,21 @@
       </p:sp>
     </p:spTree>
   </p:cSld>
+  <p:clrMapOvr>
+    <a:masterClrMapping/>
+  </p:clrMapOvr>
 </p:sldLayout>
 </file>
 
 <file path=ppt/slideMasters/slideMaster1.xml><?xml version="1.0" encoding="utf-8"?>
-<p:sldMaster xmlns:a="http://schemas.openxmlformats.org/drawingml/2006/main" xmlns:p="http://schemas.openxmlformats.org/presentationml/2006/main" xmlns:r="http://schemas.openxmlformats.org/officeDocument/2006/relationships">
+<p:sldMaster xmlns:a="http://schemas.openxmlformats.org/drawingml/2006/main" xmlns:r="http://schemas.openxmlformats.org/officeDocument/2006/relationships" xmlns:p="http://schemas.openxmlformats.org/presentationml/2006/main">
   <p:cSld>
     <p:bg>
       <p:bgPr>
         <a:solidFill>
-          <a:srgbClr val="ffffff"/>
+          <a:srgbClr val="FFFFFF"/>
         </a:solidFill>
+        <a:effectLst/>
       </p:bgPr>
     </p:bg>
     <p:spTree>
@@ -2496,7 +2955,7 @@
       </p:grpSpPr>
       <p:sp>
         <p:nvSpPr>
-          <p:cNvPr id="0" name="PlaceHolder 1"/>
+          <p:cNvPr id="2" name="PlaceHolder 1"/>
           <p:cNvSpPr>
             <a:spLocks noGrp="1"/>
           </p:cNvSpPr>
@@ -2514,7 +2973,8 @@
           </a:prstGeom>
         </p:spPr>
         <p:txBody>
-          <a:bodyPr anchor="ctr" bIns="0" lIns="0" rIns="0" tIns="0" wrap="none"/>
+          <a:bodyPr wrap="none" lIns="0" tIns="0" rIns="0" bIns="0" anchor="ctr"/>
+          <a:lstStyle/>
           <a:p>
             <a:pPr algn="ctr">
               <a:lnSpc>
@@ -2531,7 +2991,7 @@
       </p:sp>
       <p:sp>
         <p:nvSpPr>
-          <p:cNvPr id="1" name="PlaceHolder 2"/>
+          <p:cNvPr id="3" name="PlaceHolder 2"/>
           <p:cNvSpPr>
             <a:spLocks noGrp="1"/>
           </p:cNvSpPr>
@@ -2549,7 +3009,8 @@
           </a:prstGeom>
         </p:spPr>
         <p:txBody>
-          <a:bodyPr bIns="0" lIns="0" rIns="0" tIns="0" wrap="none"/>
+          <a:bodyPr wrap="none" lIns="0" tIns="0" rIns="0" bIns="0"/>
+          <a:lstStyle/>
           <a:p>
             <a:r>
               <a:rPr lang="en-US"/>
@@ -2633,32 +3094,313 @@
       </p:sp>
     </p:spTree>
   </p:cSld>
-  <p:clrMap accent1="accent1" accent2="accent2" accent3="accent3" accent4="accent4" accent5="accent5" accent6="accent6" bg1="lt1" bg2="lt2" folHlink="folHlink" hlink="hlink" tx1="dk1" tx2="dk2"/>
+  <p:clrMap bg1="lt1" tx1="dk1" bg2="lt2" tx2="dk2" accent1="accent1" accent2="accent2" accent3="accent3" accent4="accent4" accent5="accent5" accent6="accent6" hlink="hlink" folHlink="folHlink"/>
   <p:sldLayoutIdLst>
-    <p:sldLayoutId id="2147483649" r:id="rId2"/>
-    <p:sldLayoutId id="2147483650" r:id="rId3"/>
-    <p:sldLayoutId id="2147483651" r:id="rId4"/>
-    <p:sldLayoutId id="2147483652" r:id="rId5"/>
-    <p:sldLayoutId id="2147483653" r:id="rId6"/>
-    <p:sldLayoutId id="2147483654" r:id="rId7"/>
-    <p:sldLayoutId id="2147483655" r:id="rId8"/>
-    <p:sldLayoutId id="2147483656" r:id="rId9"/>
-    <p:sldLayoutId id="2147483657" r:id="rId10"/>
-    <p:sldLayoutId id="2147483658" r:id="rId11"/>
-    <p:sldLayoutId id="2147483659" r:id="rId12"/>
-    <p:sldLayoutId id="2147483660" r:id="rId13"/>
+    <p:sldLayoutId id="2147483649" r:id="rId1"/>
+    <p:sldLayoutId id="2147483650" r:id="rId2"/>
+    <p:sldLayoutId id="2147483651" r:id="rId3"/>
+    <p:sldLayoutId id="2147483652" r:id="rId4"/>
+    <p:sldLayoutId id="2147483653" r:id="rId5"/>
+    <p:sldLayoutId id="2147483654" r:id="rId6"/>
+    <p:sldLayoutId id="2147483655" r:id="rId7"/>
+    <p:sldLayoutId id="2147483656" r:id="rId8"/>
+    <p:sldLayoutId id="2147483657" r:id="rId9"/>
+    <p:sldLayoutId id="2147483658" r:id="rId10"/>
+    <p:sldLayoutId id="2147483659" r:id="rId11"/>
+    <p:sldLayoutId id="2147483660" r:id="rId12"/>
   </p:sldLayoutIdLst>
+  <p:txStyles>
+    <p:titleStyle>
+      <a:lvl1pPr algn="l" defTabSz="914400" rtl="0" eaLnBrk="1" latinLnBrk="0" hangingPunct="1">
+        <a:lnSpc>
+          <a:spcPct val="90000"/>
+        </a:lnSpc>
+        <a:spcBef>
+          <a:spcPct val="0"/>
+        </a:spcBef>
+        <a:buNone/>
+        <a:defRPr sz="4400" kern="1200">
+          <a:solidFill>
+            <a:schemeClr val="tx1"/>
+          </a:solidFill>
+          <a:latin typeface="+mj-lt"/>
+          <a:ea typeface="+mj-ea"/>
+          <a:cs typeface="+mj-cs"/>
+        </a:defRPr>
+      </a:lvl1pPr>
+    </p:titleStyle>
+    <p:bodyStyle>
+      <a:lvl1pPr marL="228600" indent="-228600" algn="l" defTabSz="914400" rtl="0" eaLnBrk="1" latinLnBrk="0" hangingPunct="1">
+        <a:lnSpc>
+          <a:spcPct val="90000"/>
+        </a:lnSpc>
+        <a:spcBef>
+          <a:spcPts val="1000"/>
+        </a:spcBef>
+        <a:buFont typeface="Arial" panose="020B0604020202020204" pitchFamily="34" charset="0"/>
+        <a:buChar char="•"/>
+        <a:defRPr sz="2800" kern="1200">
+          <a:solidFill>
+            <a:schemeClr val="tx1"/>
+          </a:solidFill>
+          <a:latin typeface="+mn-lt"/>
+          <a:ea typeface="+mn-ea"/>
+          <a:cs typeface="+mn-cs"/>
+        </a:defRPr>
+      </a:lvl1pPr>
+      <a:lvl2pPr marL="685800" indent="-228600" algn="l" defTabSz="914400" rtl="0" eaLnBrk="1" latinLnBrk="0" hangingPunct="1">
+        <a:lnSpc>
+          <a:spcPct val="90000"/>
+        </a:lnSpc>
+        <a:spcBef>
+          <a:spcPts val="500"/>
+        </a:spcBef>
+        <a:buFont typeface="Arial" panose="020B0604020202020204" pitchFamily="34" charset="0"/>
+        <a:buChar char="•"/>
+        <a:defRPr sz="2400" kern="1200">
+          <a:solidFill>
+            <a:schemeClr val="tx1"/>
+          </a:solidFill>
+          <a:latin typeface="+mn-lt"/>
+          <a:ea typeface="+mn-ea"/>
+          <a:cs typeface="+mn-cs"/>
+        </a:defRPr>
+      </a:lvl2pPr>
+      <a:lvl3pPr marL="1143000" indent="-228600" algn="l" defTabSz="914400" rtl="0" eaLnBrk="1" latinLnBrk="0" hangingPunct="1">
+        <a:lnSpc>
+          <a:spcPct val="90000"/>
+        </a:lnSpc>
+        <a:spcBef>
+          <a:spcPts val="500"/>
+        </a:spcBef>
+        <a:buFont typeface="Arial" panose="020B0604020202020204" pitchFamily="34" charset="0"/>
+        <a:buChar char="•"/>
+        <a:defRPr sz="2000" kern="1200">
+          <a:solidFill>
+            <a:schemeClr val="tx1"/>
+          </a:solidFill>
+          <a:latin typeface="+mn-lt"/>
+          <a:ea typeface="+mn-ea"/>
+          <a:cs typeface="+mn-cs"/>
+        </a:defRPr>
+      </a:lvl3pPr>
+      <a:lvl4pPr marL="1600200" indent="-228600" algn="l" defTabSz="914400" rtl="0" eaLnBrk="1" latinLnBrk="0" hangingPunct="1">
+        <a:lnSpc>
+          <a:spcPct val="90000"/>
+        </a:lnSpc>
+        <a:spcBef>
+          <a:spcPts val="500"/>
+        </a:spcBef>
+        <a:buFont typeface="Arial" panose="020B0604020202020204" pitchFamily="34" charset="0"/>
+        <a:buChar char="•"/>
+        <a:defRPr sz="1800" kern="1200">
+          <a:solidFill>
+            <a:schemeClr val="tx1"/>
+          </a:solidFill>
+          <a:latin typeface="+mn-lt"/>
+          <a:ea typeface="+mn-ea"/>
+          <a:cs typeface="+mn-cs"/>
+        </a:defRPr>
+      </a:lvl4pPr>
+      <a:lvl5pPr marL="2057400" indent="-228600" algn="l" defTabSz="914400" rtl="0" eaLnBrk="1" latinLnBrk="0" hangingPunct="1">
+        <a:lnSpc>
+          <a:spcPct val="90000"/>
+        </a:lnSpc>
+        <a:spcBef>
+          <a:spcPts val="500"/>
+        </a:spcBef>
+        <a:buFont typeface="Arial" panose="020B0604020202020204" pitchFamily="34" charset="0"/>
+        <a:buChar char="•"/>
+        <a:defRPr sz="1800" kern="1200">
+          <a:solidFill>
+            <a:schemeClr val="tx1"/>
+          </a:solidFill>
+          <a:latin typeface="+mn-lt"/>
+          <a:ea typeface="+mn-ea"/>
+          <a:cs typeface="+mn-cs"/>
+        </a:defRPr>
+      </a:lvl5pPr>
+      <a:lvl6pPr marL="2514600" indent="-228600" algn="l" defTabSz="914400" rtl="0" eaLnBrk="1" latinLnBrk="0" hangingPunct="1">
+        <a:lnSpc>
+          <a:spcPct val="90000"/>
+        </a:lnSpc>
+        <a:spcBef>
+          <a:spcPts val="500"/>
+        </a:spcBef>
+        <a:buFont typeface="Arial" panose="020B0604020202020204" pitchFamily="34" charset="0"/>
+        <a:buChar char="•"/>
+        <a:defRPr sz="1800" kern="1200">
+          <a:solidFill>
+            <a:schemeClr val="tx1"/>
+          </a:solidFill>
+          <a:latin typeface="+mn-lt"/>
+          <a:ea typeface="+mn-ea"/>
+          <a:cs typeface="+mn-cs"/>
+        </a:defRPr>
+      </a:lvl6pPr>
+      <a:lvl7pPr marL="2971800" indent="-228600" algn="l" defTabSz="914400" rtl="0" eaLnBrk="1" latinLnBrk="0" hangingPunct="1">
+        <a:lnSpc>
+          <a:spcPct val="90000"/>
+        </a:lnSpc>
+        <a:spcBef>
+          <a:spcPts val="500"/>
+        </a:spcBef>
+        <a:buFont typeface="Arial" panose="020B0604020202020204" pitchFamily="34" charset="0"/>
+        <a:buChar char="•"/>
+        <a:defRPr sz="1800" kern="1200">
+          <a:solidFill>
+            <a:schemeClr val="tx1"/>
+          </a:solidFill>
+          <a:latin typeface="+mn-lt"/>
+          <a:ea typeface="+mn-ea"/>
+          <a:cs typeface="+mn-cs"/>
+        </a:defRPr>
+      </a:lvl7pPr>
+      <a:lvl8pPr marL="3429000" indent="-228600" algn="l" defTabSz="914400" rtl="0" eaLnBrk="1" latinLnBrk="0" hangingPunct="1">
+        <a:lnSpc>
+          <a:spcPct val="90000"/>
+        </a:lnSpc>
+        <a:spcBef>
+          <a:spcPts val="500"/>
+        </a:spcBef>
+        <a:buFont typeface="Arial" panose="020B0604020202020204" pitchFamily="34" charset="0"/>
+        <a:buChar char="•"/>
+        <a:defRPr sz="1800" kern="1200">
+          <a:solidFill>
+            <a:schemeClr val="tx1"/>
+          </a:solidFill>
+          <a:latin typeface="+mn-lt"/>
+          <a:ea typeface="+mn-ea"/>
+          <a:cs typeface="+mn-cs"/>
+        </a:defRPr>
+      </a:lvl8pPr>
+      <a:lvl9pPr marL="3886200" indent="-228600" algn="l" defTabSz="914400" rtl="0" eaLnBrk="1" latinLnBrk="0" hangingPunct="1">
+        <a:lnSpc>
+          <a:spcPct val="90000"/>
+        </a:lnSpc>
+        <a:spcBef>
+          <a:spcPts val="500"/>
+        </a:spcBef>
+        <a:buFont typeface="Arial" panose="020B0604020202020204" pitchFamily="34" charset="0"/>
+        <a:buChar char="•"/>
+        <a:defRPr sz="1800" kern="1200">
+          <a:solidFill>
+            <a:schemeClr val="tx1"/>
+          </a:solidFill>
+          <a:latin typeface="+mn-lt"/>
+          <a:ea typeface="+mn-ea"/>
+          <a:cs typeface="+mn-cs"/>
+        </a:defRPr>
+      </a:lvl9pPr>
+    </p:bodyStyle>
+    <p:otherStyle>
+      <a:defPPr>
+        <a:defRPr lang="zh-CN"/>
+      </a:defPPr>
+      <a:lvl1pPr marL="0" algn="l" defTabSz="914400" rtl="0" eaLnBrk="1" latinLnBrk="0" hangingPunct="1">
+        <a:defRPr sz="1800" kern="1200">
+          <a:solidFill>
+            <a:schemeClr val="tx1"/>
+          </a:solidFill>
+          <a:latin typeface="+mn-lt"/>
+          <a:ea typeface="+mn-ea"/>
+          <a:cs typeface="+mn-cs"/>
+        </a:defRPr>
+      </a:lvl1pPr>
+      <a:lvl2pPr marL="457200" algn="l" defTabSz="914400" rtl="0" eaLnBrk="1" latinLnBrk="0" hangingPunct="1">
+        <a:defRPr sz="1800" kern="1200">
+          <a:solidFill>
+            <a:schemeClr val="tx1"/>
+          </a:solidFill>
+          <a:latin typeface="+mn-lt"/>
+          <a:ea typeface="+mn-ea"/>
+          <a:cs typeface="+mn-cs"/>
+        </a:defRPr>
+      </a:lvl2pPr>
+      <a:lvl3pPr marL="914400" algn="l" defTabSz="914400" rtl="0" eaLnBrk="1" latinLnBrk="0" hangingPunct="1">
+        <a:defRPr sz="1800" kern="1200">
+          <a:solidFill>
+            <a:schemeClr val="tx1"/>
+          </a:solidFill>
+          <a:latin typeface="+mn-lt"/>
+          <a:ea typeface="+mn-ea"/>
+          <a:cs typeface="+mn-cs"/>
+        </a:defRPr>
+      </a:lvl3pPr>
+      <a:lvl4pPr marL="1371600" algn="l" defTabSz="914400" rtl="0" eaLnBrk="1" latinLnBrk="0" hangingPunct="1">
+        <a:defRPr sz="1800" kern="1200">
+          <a:solidFill>
+            <a:schemeClr val="tx1"/>
+          </a:solidFill>
+          <a:latin typeface="+mn-lt"/>
+          <a:ea typeface="+mn-ea"/>
+          <a:cs typeface="+mn-cs"/>
+        </a:defRPr>
+      </a:lvl4pPr>
+      <a:lvl5pPr marL="1828800" algn="l" defTabSz="914400" rtl="0" eaLnBrk="1" latinLnBrk="0" hangingPunct="1">
+        <a:defRPr sz="1800" kern="1200">
+          <a:solidFill>
+            <a:schemeClr val="tx1"/>
+          </a:solidFill>
+          <a:latin typeface="+mn-lt"/>
+          <a:ea typeface="+mn-ea"/>
+          <a:cs typeface="+mn-cs"/>
+        </a:defRPr>
+      </a:lvl5pPr>
+      <a:lvl6pPr marL="2286000" algn="l" defTabSz="914400" rtl="0" eaLnBrk="1" latinLnBrk="0" hangingPunct="1">
+        <a:defRPr sz="1800" kern="1200">
+          <a:solidFill>
+            <a:schemeClr val="tx1"/>
+          </a:solidFill>
+          <a:latin typeface="+mn-lt"/>
+          <a:ea typeface="+mn-ea"/>
+          <a:cs typeface="+mn-cs"/>
+        </a:defRPr>
+      </a:lvl6pPr>
+      <a:lvl7pPr marL="2743200" algn="l" defTabSz="914400" rtl="0" eaLnBrk="1" latinLnBrk="0" hangingPunct="1">
+        <a:defRPr sz="1800" kern="1200">
+          <a:solidFill>
+            <a:schemeClr val="tx1"/>
+          </a:solidFill>
+          <a:latin typeface="+mn-lt"/>
+          <a:ea typeface="+mn-ea"/>
+          <a:cs typeface="+mn-cs"/>
+        </a:defRPr>
+      </a:lvl7pPr>
+      <a:lvl8pPr marL="3200400" algn="l" defTabSz="914400" rtl="0" eaLnBrk="1" latinLnBrk="0" hangingPunct="1">
+        <a:defRPr sz="1800" kern="1200">
+          <a:solidFill>
+            <a:schemeClr val="tx1"/>
+          </a:solidFill>
+          <a:latin typeface="+mn-lt"/>
+          <a:ea typeface="+mn-ea"/>
+          <a:cs typeface="+mn-cs"/>
+        </a:defRPr>
+      </a:lvl8pPr>
+      <a:lvl9pPr marL="3657600" algn="l" defTabSz="914400" rtl="0" eaLnBrk="1" latinLnBrk="0" hangingPunct="1">
+        <a:defRPr sz="1800" kern="1200">
+          <a:solidFill>
+            <a:schemeClr val="tx1"/>
+          </a:solidFill>
+          <a:latin typeface="+mn-lt"/>
+          <a:ea typeface="+mn-ea"/>
+          <a:cs typeface="+mn-cs"/>
+        </a:defRPr>
+      </a:lvl9pPr>
+    </p:otherStyle>
+  </p:txStyles>
 </p:sldMaster>
 </file>
 
 <file path=ppt/slideMasters/slideMaster2.xml><?xml version="1.0" encoding="utf-8"?>
-<p:sldMaster xmlns:a="http://schemas.openxmlformats.org/drawingml/2006/main" xmlns:p="http://schemas.openxmlformats.org/presentationml/2006/main" xmlns:r="http://schemas.openxmlformats.org/officeDocument/2006/relationships">
+<p:sldMaster xmlns:a="http://schemas.openxmlformats.org/drawingml/2006/main" xmlns:r="http://schemas.openxmlformats.org/officeDocument/2006/relationships" xmlns:p="http://schemas.openxmlformats.org/presentationml/2006/main">
   <p:cSld>
     <p:bg>
       <p:bgPr>
         <a:solidFill>
-          <a:srgbClr val="ffffff"/>
+          <a:srgbClr val="FFFFFF"/>
         </a:solidFill>
+        <a:effectLst/>
       </p:bgPr>
     </p:bg>
     <p:spTree>
@@ -2695,7 +3437,8 @@
           </a:prstGeom>
         </p:spPr>
         <p:txBody>
-          <a:bodyPr anchor="ctr" bIns="0" lIns="0" rIns="0" tIns="0" wrap="none"/>
+          <a:bodyPr wrap="none" lIns="0" tIns="0" rIns="0" bIns="0" anchor="ctr"/>
+          <a:lstStyle/>
           <a:p>
             <a:pPr algn="ctr"/>
             <a:r>
@@ -2726,7 +3469,8 @@
           </a:prstGeom>
         </p:spPr>
         <p:txBody>
-          <a:bodyPr bIns="0" lIns="0" rIns="0" tIns="0" wrap="none"/>
+          <a:bodyPr wrap="none" lIns="0" tIns="0" rIns="0" bIns="0"/>
+          <a:lstStyle/>
           <a:p>
             <a:pPr>
               <a:buSzPct val="45000"/>
@@ -2815,26 +3559,306 @@
       </p:sp>
     </p:spTree>
   </p:cSld>
-  <p:clrMap accent1="accent1" accent2="accent2" accent3="accent3" accent4="accent4" accent5="accent5" accent6="accent6" bg1="lt1" bg2="lt2" folHlink="folHlink" hlink="hlink" tx1="dk1" tx2="dk2"/>
+  <p:clrMap bg1="lt1" tx1="dk1" bg2="lt2" tx2="dk2" accent1="accent1" accent2="accent2" accent3="accent3" accent4="accent4" accent5="accent5" accent6="accent6" hlink="hlink" folHlink="folHlink"/>
   <p:sldLayoutIdLst>
-    <p:sldLayoutId id="2147483662" r:id="rId2"/>
-    <p:sldLayoutId id="2147483663" r:id="rId3"/>
-    <p:sldLayoutId id="2147483664" r:id="rId4"/>
-    <p:sldLayoutId id="2147483665" r:id="rId5"/>
-    <p:sldLayoutId id="2147483666" r:id="rId6"/>
-    <p:sldLayoutId id="2147483667" r:id="rId7"/>
-    <p:sldLayoutId id="2147483668" r:id="rId8"/>
-    <p:sldLayoutId id="2147483669" r:id="rId9"/>
-    <p:sldLayoutId id="2147483670" r:id="rId10"/>
-    <p:sldLayoutId id="2147483671" r:id="rId11"/>
-    <p:sldLayoutId id="2147483672" r:id="rId12"/>
-    <p:sldLayoutId id="2147483673" r:id="rId13"/>
+    <p:sldLayoutId id="2147483662" r:id="rId1"/>
+    <p:sldLayoutId id="2147483663" r:id="rId2"/>
+    <p:sldLayoutId id="2147483664" r:id="rId3"/>
+    <p:sldLayoutId id="2147483665" r:id="rId4"/>
+    <p:sldLayoutId id="2147483666" r:id="rId5"/>
+    <p:sldLayoutId id="2147483667" r:id="rId6"/>
+    <p:sldLayoutId id="2147483668" r:id="rId7"/>
+    <p:sldLayoutId id="2147483669" r:id="rId8"/>
+    <p:sldLayoutId id="2147483670" r:id="rId9"/>
+    <p:sldLayoutId id="2147483671" r:id="rId10"/>
+    <p:sldLayoutId id="2147483672" r:id="rId11"/>
+    <p:sldLayoutId id="2147483673" r:id="rId12"/>
   </p:sldLayoutIdLst>
+  <p:txStyles>
+    <p:titleStyle>
+      <a:lvl1pPr algn="l" defTabSz="914400" rtl="0" eaLnBrk="1" latinLnBrk="0" hangingPunct="1">
+        <a:lnSpc>
+          <a:spcPct val="90000"/>
+        </a:lnSpc>
+        <a:spcBef>
+          <a:spcPct val="0"/>
+        </a:spcBef>
+        <a:buNone/>
+        <a:defRPr sz="4400" kern="1200">
+          <a:solidFill>
+            <a:schemeClr val="tx1"/>
+          </a:solidFill>
+          <a:latin typeface="+mj-lt"/>
+          <a:ea typeface="+mj-ea"/>
+          <a:cs typeface="+mj-cs"/>
+        </a:defRPr>
+      </a:lvl1pPr>
+    </p:titleStyle>
+    <p:bodyStyle>
+      <a:lvl1pPr marL="228600" indent="-228600" algn="l" defTabSz="914400" rtl="0" eaLnBrk="1" latinLnBrk="0" hangingPunct="1">
+        <a:lnSpc>
+          <a:spcPct val="90000"/>
+        </a:lnSpc>
+        <a:spcBef>
+          <a:spcPts val="1000"/>
+        </a:spcBef>
+        <a:buFont typeface="Arial" panose="020B0604020202020204" pitchFamily="34" charset="0"/>
+        <a:buChar char="•"/>
+        <a:defRPr sz="2800" kern="1200">
+          <a:solidFill>
+            <a:schemeClr val="tx1"/>
+          </a:solidFill>
+          <a:latin typeface="+mn-lt"/>
+          <a:ea typeface="+mn-ea"/>
+          <a:cs typeface="+mn-cs"/>
+        </a:defRPr>
+      </a:lvl1pPr>
+      <a:lvl2pPr marL="685800" indent="-228600" algn="l" defTabSz="914400" rtl="0" eaLnBrk="1" latinLnBrk="0" hangingPunct="1">
+        <a:lnSpc>
+          <a:spcPct val="90000"/>
+        </a:lnSpc>
+        <a:spcBef>
+          <a:spcPts val="500"/>
+        </a:spcBef>
+        <a:buFont typeface="Arial" panose="020B0604020202020204" pitchFamily="34" charset="0"/>
+        <a:buChar char="•"/>
+        <a:defRPr sz="2400" kern="1200">
+          <a:solidFill>
+            <a:schemeClr val="tx1"/>
+          </a:solidFill>
+          <a:latin typeface="+mn-lt"/>
+          <a:ea typeface="+mn-ea"/>
+          <a:cs typeface="+mn-cs"/>
+        </a:defRPr>
+      </a:lvl2pPr>
+      <a:lvl3pPr marL="1143000" indent="-228600" algn="l" defTabSz="914400" rtl="0" eaLnBrk="1" latinLnBrk="0" hangingPunct="1">
+        <a:lnSpc>
+          <a:spcPct val="90000"/>
+        </a:lnSpc>
+        <a:spcBef>
+          <a:spcPts val="500"/>
+        </a:spcBef>
+        <a:buFont typeface="Arial" panose="020B0604020202020204" pitchFamily="34" charset="0"/>
+        <a:buChar char="•"/>
+        <a:defRPr sz="2000" kern="1200">
+          <a:solidFill>
+            <a:schemeClr val="tx1"/>
+          </a:solidFill>
+          <a:latin typeface="+mn-lt"/>
+          <a:ea typeface="+mn-ea"/>
+          <a:cs typeface="+mn-cs"/>
+        </a:defRPr>
+      </a:lvl3pPr>
+      <a:lvl4pPr marL="1600200" indent="-228600" algn="l" defTabSz="914400" rtl="0" eaLnBrk="1" latinLnBrk="0" hangingPunct="1">
+        <a:lnSpc>
+          <a:spcPct val="90000"/>
+        </a:lnSpc>
+        <a:spcBef>
+          <a:spcPts val="500"/>
+        </a:spcBef>
+        <a:buFont typeface="Arial" panose="020B0604020202020204" pitchFamily="34" charset="0"/>
+        <a:buChar char="•"/>
+        <a:defRPr sz="1800" kern="1200">
+          <a:solidFill>
+            <a:schemeClr val="tx1"/>
+          </a:solidFill>
+          <a:latin typeface="+mn-lt"/>
+          <a:ea typeface="+mn-ea"/>
+          <a:cs typeface="+mn-cs"/>
+        </a:defRPr>
+      </a:lvl4pPr>
+      <a:lvl5pPr marL="2057400" indent="-228600" algn="l" defTabSz="914400" rtl="0" eaLnBrk="1" latinLnBrk="0" hangingPunct="1">
+        <a:lnSpc>
+          <a:spcPct val="90000"/>
+        </a:lnSpc>
+        <a:spcBef>
+          <a:spcPts val="500"/>
+        </a:spcBef>
+        <a:buFont typeface="Arial" panose="020B0604020202020204" pitchFamily="34" charset="0"/>
+        <a:buChar char="•"/>
+        <a:defRPr sz="1800" kern="1200">
+          <a:solidFill>
+            <a:schemeClr val="tx1"/>
+          </a:solidFill>
+          <a:latin typeface="+mn-lt"/>
+          <a:ea typeface="+mn-ea"/>
+          <a:cs typeface="+mn-cs"/>
+        </a:defRPr>
+      </a:lvl5pPr>
+      <a:lvl6pPr marL="2514600" indent="-228600" algn="l" defTabSz="914400" rtl="0" eaLnBrk="1" latinLnBrk="0" hangingPunct="1">
+        <a:lnSpc>
+          <a:spcPct val="90000"/>
+        </a:lnSpc>
+        <a:spcBef>
+          <a:spcPts val="500"/>
+        </a:spcBef>
+        <a:buFont typeface="Arial" panose="020B0604020202020204" pitchFamily="34" charset="0"/>
+        <a:buChar char="•"/>
+        <a:defRPr sz="1800" kern="1200">
+          <a:solidFill>
+            <a:schemeClr val="tx1"/>
+          </a:solidFill>
+          <a:latin typeface="+mn-lt"/>
+          <a:ea typeface="+mn-ea"/>
+          <a:cs typeface="+mn-cs"/>
+        </a:defRPr>
+      </a:lvl6pPr>
+      <a:lvl7pPr marL="2971800" indent="-228600" algn="l" defTabSz="914400" rtl="0" eaLnBrk="1" latinLnBrk="0" hangingPunct="1">
+        <a:lnSpc>
+          <a:spcPct val="90000"/>
+        </a:lnSpc>
+        <a:spcBef>
+          <a:spcPts val="500"/>
+        </a:spcBef>
+        <a:buFont typeface="Arial" panose="020B0604020202020204" pitchFamily="34" charset="0"/>
+        <a:buChar char="•"/>
+        <a:defRPr sz="1800" kern="1200">
+          <a:solidFill>
+            <a:schemeClr val="tx1"/>
+          </a:solidFill>
+          <a:latin typeface="+mn-lt"/>
+          <a:ea typeface="+mn-ea"/>
+          <a:cs typeface="+mn-cs"/>
+        </a:defRPr>
+      </a:lvl7pPr>
+      <a:lvl8pPr marL="3429000" indent="-228600" algn="l" defTabSz="914400" rtl="0" eaLnBrk="1" latinLnBrk="0" hangingPunct="1">
+        <a:lnSpc>
+          <a:spcPct val="90000"/>
+        </a:lnSpc>
+        <a:spcBef>
+          <a:spcPts val="500"/>
+        </a:spcBef>
+        <a:buFont typeface="Arial" panose="020B0604020202020204" pitchFamily="34" charset="0"/>
+        <a:buChar char="•"/>
+        <a:defRPr sz="1800" kern="1200">
+          <a:solidFill>
+            <a:schemeClr val="tx1"/>
+          </a:solidFill>
+          <a:latin typeface="+mn-lt"/>
+          <a:ea typeface="+mn-ea"/>
+          <a:cs typeface="+mn-cs"/>
+        </a:defRPr>
+      </a:lvl8pPr>
+      <a:lvl9pPr marL="3886200" indent="-228600" algn="l" defTabSz="914400" rtl="0" eaLnBrk="1" latinLnBrk="0" hangingPunct="1">
+        <a:lnSpc>
+          <a:spcPct val="90000"/>
+        </a:lnSpc>
+        <a:spcBef>
+          <a:spcPts val="500"/>
+        </a:spcBef>
+        <a:buFont typeface="Arial" panose="020B0604020202020204" pitchFamily="34" charset="0"/>
+        <a:buChar char="•"/>
+        <a:defRPr sz="1800" kern="1200">
+          <a:solidFill>
+            <a:schemeClr val="tx1"/>
+          </a:solidFill>
+          <a:latin typeface="+mn-lt"/>
+          <a:ea typeface="+mn-ea"/>
+          <a:cs typeface="+mn-cs"/>
+        </a:defRPr>
+      </a:lvl9pPr>
+    </p:bodyStyle>
+    <p:otherStyle>
+      <a:defPPr>
+        <a:defRPr lang="zh-CN"/>
+      </a:defPPr>
+      <a:lvl1pPr marL="0" algn="l" defTabSz="914400" rtl="0" eaLnBrk="1" latinLnBrk="0" hangingPunct="1">
+        <a:defRPr sz="1800" kern="1200">
+          <a:solidFill>
+            <a:schemeClr val="tx1"/>
+          </a:solidFill>
+          <a:latin typeface="+mn-lt"/>
+          <a:ea typeface="+mn-ea"/>
+          <a:cs typeface="+mn-cs"/>
+        </a:defRPr>
+      </a:lvl1pPr>
+      <a:lvl2pPr marL="457200" algn="l" defTabSz="914400" rtl="0" eaLnBrk="1" latinLnBrk="0" hangingPunct="1">
+        <a:defRPr sz="1800" kern="1200">
+          <a:solidFill>
+            <a:schemeClr val="tx1"/>
+          </a:solidFill>
+          <a:latin typeface="+mn-lt"/>
+          <a:ea typeface="+mn-ea"/>
+          <a:cs typeface="+mn-cs"/>
+        </a:defRPr>
+      </a:lvl2pPr>
+      <a:lvl3pPr marL="914400" algn="l" defTabSz="914400" rtl="0" eaLnBrk="1" latinLnBrk="0" hangingPunct="1">
+        <a:defRPr sz="1800" kern="1200">
+          <a:solidFill>
+            <a:schemeClr val="tx1"/>
+          </a:solidFill>
+          <a:latin typeface="+mn-lt"/>
+          <a:ea typeface="+mn-ea"/>
+          <a:cs typeface="+mn-cs"/>
+        </a:defRPr>
+      </a:lvl3pPr>
+      <a:lvl4pPr marL="1371600" algn="l" defTabSz="914400" rtl="0" eaLnBrk="1" latinLnBrk="0" hangingPunct="1">
+        <a:defRPr sz="1800" kern="1200">
+          <a:solidFill>
+            <a:schemeClr val="tx1"/>
+          </a:solidFill>
+          <a:latin typeface="+mn-lt"/>
+          <a:ea typeface="+mn-ea"/>
+          <a:cs typeface="+mn-cs"/>
+        </a:defRPr>
+      </a:lvl4pPr>
+      <a:lvl5pPr marL="1828800" algn="l" defTabSz="914400" rtl="0" eaLnBrk="1" latinLnBrk="0" hangingPunct="1">
+        <a:defRPr sz="1800" kern="1200">
+          <a:solidFill>
+            <a:schemeClr val="tx1"/>
+          </a:solidFill>
+          <a:latin typeface="+mn-lt"/>
+          <a:ea typeface="+mn-ea"/>
+          <a:cs typeface="+mn-cs"/>
+        </a:defRPr>
+      </a:lvl5pPr>
+      <a:lvl6pPr marL="2286000" algn="l" defTabSz="914400" rtl="0" eaLnBrk="1" latinLnBrk="0" hangingPunct="1">
+        <a:defRPr sz="1800" kern="1200">
+          <a:solidFill>
+            <a:schemeClr val="tx1"/>
+          </a:solidFill>
+          <a:latin typeface="+mn-lt"/>
+          <a:ea typeface="+mn-ea"/>
+          <a:cs typeface="+mn-cs"/>
+        </a:defRPr>
+      </a:lvl6pPr>
+      <a:lvl7pPr marL="2743200" algn="l" defTabSz="914400" rtl="0" eaLnBrk="1" latinLnBrk="0" hangingPunct="1">
+        <a:defRPr sz="1800" kern="1200">
+          <a:solidFill>
+            <a:schemeClr val="tx1"/>
+          </a:solidFill>
+          <a:latin typeface="+mn-lt"/>
+          <a:ea typeface="+mn-ea"/>
+          <a:cs typeface="+mn-cs"/>
+        </a:defRPr>
+      </a:lvl7pPr>
+      <a:lvl8pPr marL="3200400" algn="l" defTabSz="914400" rtl="0" eaLnBrk="1" latinLnBrk="0" hangingPunct="1">
+        <a:defRPr sz="1800" kern="1200">
+          <a:solidFill>
+            <a:schemeClr val="tx1"/>
+          </a:solidFill>
+          <a:latin typeface="+mn-lt"/>
+          <a:ea typeface="+mn-ea"/>
+          <a:cs typeface="+mn-cs"/>
+        </a:defRPr>
+      </a:lvl8pPr>
+      <a:lvl9pPr marL="3657600" algn="l" defTabSz="914400" rtl="0" eaLnBrk="1" latinLnBrk="0" hangingPunct="1">
+        <a:defRPr sz="1800" kern="1200">
+          <a:solidFill>
+            <a:schemeClr val="tx1"/>
+          </a:solidFill>
+          <a:latin typeface="+mn-lt"/>
+          <a:ea typeface="+mn-ea"/>
+          <a:cs typeface="+mn-cs"/>
+        </a:defRPr>
+      </a:lvl9pPr>
+    </p:otherStyle>
+  </p:txStyles>
 </p:sldMaster>
 </file>
 
 <file path=ppt/slides/slide1.xml><?xml version="1.0" encoding="utf-8"?>
-<p:sld xmlns:a="http://schemas.openxmlformats.org/drawingml/2006/main" xmlns:p="http://schemas.openxmlformats.org/presentationml/2006/main" xmlns:r="http://schemas.openxmlformats.org/officeDocument/2006/relationships">
+<p:sld xmlns:a="http://schemas.openxmlformats.org/drawingml/2006/main" xmlns:r="http://schemas.openxmlformats.org/officeDocument/2006/relationships" xmlns:p="http://schemas.openxmlformats.org/presentationml/2006/main">
   <p:cSld>
     <p:spTree>
       <p:nvGrpSpPr>
@@ -2866,7 +3890,8 @@
           </a:prstGeom>
         </p:spPr>
         <p:txBody>
-          <a:bodyPr anchor="b" bIns="45000" lIns="90000" rIns="90000" tIns="45000"/>
+          <a:bodyPr lIns="90000" tIns="45000" rIns="90000" bIns="45000" anchor="b"/>
+          <a:lstStyle/>
           <a:p>
             <a:pPr>
               <a:lnSpc>
@@ -2902,7 +3927,8 @@
           </a:prstGeom>
         </p:spPr>
         <p:txBody>
-          <a:bodyPr bIns="45000" lIns="90000" rIns="90000" tIns="45000"/>
+          <a:bodyPr lIns="90000" tIns="45000" rIns="90000" bIns="45000"/>
+          <a:lstStyle/>
           <a:p>
             <a:pPr algn="ctr">
               <a:lnSpc>
@@ -2916,16 +3942,7 @@
                 </a:solidFill>
                 <a:latin typeface="Calibri"/>
               </a:rPr>
-              <a:t>欧锋</a:t>
-            </a:r>
-            <a:r>
-              <a:rPr lang="en-US" sz="2400">
-                <a:solidFill>
-                  <a:srgbClr val="000000"/>
-                </a:solidFill>
-                <a:latin typeface="Calibri"/>
-              </a:rPr>
-              <a:t>/Ophone/New comer</a:t>
+              <a:t>欧锋/Ophone/New comer</a:t>
             </a:r>
             <a:endParaRPr/>
           </a:p>
@@ -2950,11 +3967,14 @@
       </p:sp>
     </p:spTree>
   </p:cSld>
+  <p:clrMapOvr>
+    <a:masterClrMapping/>
+  </p:clrMapOvr>
 </p:sld>
 </file>
 
 <file path=ppt/slides/slide10.xml><?xml version="1.0" encoding="utf-8"?>
-<p:sld xmlns:a="http://schemas.openxmlformats.org/drawingml/2006/main" xmlns:p="http://schemas.openxmlformats.org/presentationml/2006/main" xmlns:r="http://schemas.openxmlformats.org/officeDocument/2006/relationships">
+<p:sld xmlns:a="http://schemas.openxmlformats.org/drawingml/2006/main" xmlns:r="http://schemas.openxmlformats.org/officeDocument/2006/relationships" xmlns:p="http://schemas.openxmlformats.org/presentationml/2006/main">
   <p:cSld>
     <p:spTree>
       <p:nvGrpSpPr>
@@ -2986,7 +4006,8 @@
           </a:prstGeom>
         </p:spPr>
         <p:txBody>
-          <a:bodyPr anchor="ctr" bIns="45000" lIns="90000" rIns="90000" tIns="45000"/>
+          <a:bodyPr lIns="90000" tIns="45000" rIns="90000" bIns="45000" anchor="ctr"/>
+          <a:lstStyle/>
           <a:p>
             <a:pPr>
               <a:lnSpc>
@@ -3008,12 +4029,12 @@
       </p:sp>
       <p:pic>
         <p:nvPicPr>
-          <p:cNvPr descr="" id="100" name=""/>
+          <p:cNvPr id="100" name="Picture 99"/>
           <p:cNvPicPr/>
           <p:nvPr/>
         </p:nvPicPr>
         <p:blipFill>
-          <a:blip r:embed="rId1"/>
+          <a:blip r:embed="rId2"/>
           <a:stretch>
             <a:fillRect/>
           </a:stretch>
@@ -3044,7 +4065,8 @@
           </a:prstGeom>
         </p:spPr>
         <p:txBody>
-          <a:bodyPr bIns="45000" lIns="90000" rIns="90000" tIns="45000" wrap="none"/>
+          <a:bodyPr wrap="none" lIns="90000" tIns="45000" rIns="90000" bIns="45000"/>
+          <a:lstStyle/>
           <a:p>
             <a:r>
               <a:rPr lang="en-US"/>
@@ -3056,24 +4078,31 @@
       </p:sp>
     </p:spTree>
   </p:cSld>
+  <p:clrMapOvr>
+    <a:masterClrMapping/>
+  </p:clrMapOvr>
   <p:timing>
     <p:tnLst>
       <p:par>
-        <p:cTn dur="indefinite" id="5" nodeType="tmRoot" restart="never">
+        <p:cTn id="1" dur="indefinite" restart="never" nodeType="tmRoot">
           <p:childTnLst>
             <p:seq>
-              <p:cTn id="6" nodeType="mainSeq">
-                <p:childTnLst/>
+              <p:cTn id="2" nodeType="mainSeq">
+                <p:childTnLst>
+                  <p:par>
+                    <p:cTn id="3"/>
+                  </p:par>
+                </p:childTnLst>
               </p:cTn>
               <p:prevCondLst>
-                <p:cond delay="0" evt="onPrev">
+                <p:cond evt="onPrev" delay="0">
                   <p:tgtEl>
                     <p:sldTgt/>
                   </p:tgtEl>
                 </p:cond>
               </p:prevCondLst>
               <p:nextCondLst>
-                <p:cond delay="0" evt="onNext">
+                <p:cond evt="onNext" delay="0">
                   <p:tgtEl>
                     <p:sldTgt/>
                   </p:tgtEl>
@@ -3089,7 +4118,7 @@
 </file>
 
 <file path=ppt/slides/slide11.xml><?xml version="1.0" encoding="utf-8"?>
-<p:sld xmlns:a="http://schemas.openxmlformats.org/drawingml/2006/main" xmlns:p="http://schemas.openxmlformats.org/presentationml/2006/main" xmlns:r="http://schemas.openxmlformats.org/officeDocument/2006/relationships">
+<p:sld xmlns:a="http://schemas.openxmlformats.org/drawingml/2006/main" xmlns:r="http://schemas.openxmlformats.org/officeDocument/2006/relationships" xmlns:p="http://schemas.openxmlformats.org/presentationml/2006/main">
   <p:cSld>
     <p:spTree>
       <p:nvGrpSpPr>
@@ -3121,7 +4150,8 @@
           </a:prstGeom>
         </p:spPr>
         <p:txBody>
-          <a:bodyPr anchor="ctr" bIns="45000" lIns="90000" rIns="90000" tIns="45000"/>
+          <a:bodyPr lIns="90000" tIns="45000" rIns="90000" bIns="45000" anchor="ctr"/>
+          <a:lstStyle/>
           <a:p>
             <a:pPr>
               <a:lnSpc>
@@ -3129,7 +4159,7 @@
               </a:lnSpc>
             </a:pPr>
             <a:r>
-              <a:rPr lang="en-US" sz="4400">
+              <a:rPr lang="en-US" sz="4400" dirty="0">
                 <a:solidFill>
                   <a:srgbClr val="000000"/>
                 </a:solidFill>
@@ -3137,18 +4167,18 @@
               </a:rPr>
               <a:t>Question#5 static member</a:t>
             </a:r>
-            <a:endParaRPr/>
+            <a:endParaRPr dirty="0"/>
           </a:p>
         </p:txBody>
       </p:sp>
       <p:pic>
         <p:nvPicPr>
-          <p:cNvPr descr="" id="103" name=""/>
+          <p:cNvPr id="103" name="Picture 102"/>
           <p:cNvPicPr/>
           <p:nvPr/>
         </p:nvPicPr>
         <p:blipFill>
-          <a:blip r:embed="rId1"/>
+          <a:blip r:embed="rId2"/>
           <a:stretch>
             <a:fillRect/>
           </a:stretch>
@@ -3179,36 +4209,44 @@
           </a:prstGeom>
         </p:spPr>
         <p:txBody>
-          <a:bodyPr bIns="45000" lIns="90000" rIns="90000" tIns="45000" wrap="none"/>
-          <a:p>
-            <a:r>
-              <a:rPr lang="en-US"/>
+          <a:bodyPr wrap="none" lIns="90000" tIns="45000" rIns="90000" bIns="45000"/>
+          <a:lstStyle/>
+          <a:p>
+            <a:r>
+              <a:rPr lang="en-US" dirty="0"/>
               <a:t>https://github.com/Morpheusou/TCPL/blob/master/demo/static.cpp</a:t>
             </a:r>
-            <a:endParaRPr/>
+            <a:endParaRPr dirty="0"/>
           </a:p>
         </p:txBody>
       </p:sp>
     </p:spTree>
   </p:cSld>
+  <p:clrMapOvr>
+    <a:masterClrMapping/>
+  </p:clrMapOvr>
   <p:timing>
     <p:tnLst>
       <p:par>
-        <p:cTn dur="indefinite" id="7" nodeType="tmRoot" restart="never">
+        <p:cTn id="1" dur="indefinite" restart="never" nodeType="tmRoot">
           <p:childTnLst>
             <p:seq>
-              <p:cTn id="8" nodeType="mainSeq">
-                <p:childTnLst/>
+              <p:cTn id="2" nodeType="mainSeq">
+                <p:childTnLst>
+                  <p:par>
+                    <p:cTn id="3"/>
+                  </p:par>
+                </p:childTnLst>
               </p:cTn>
               <p:prevCondLst>
-                <p:cond delay="0" evt="onPrev">
+                <p:cond evt="onPrev" delay="0">
                   <p:tgtEl>
                     <p:sldTgt/>
                   </p:tgtEl>
                 </p:cond>
               </p:prevCondLst>
               <p:nextCondLst>
-                <p:cond delay="0" evt="onNext">
+                <p:cond evt="onNext" delay="0">
                   <p:tgtEl>
                     <p:sldTgt/>
                   </p:tgtEl>
@@ -3224,7 +4262,1202 @@
 </file>
 
 <file path=ppt/slides/slide12.xml><?xml version="1.0" encoding="utf-8"?>
-<p:sld xmlns:a="http://schemas.openxmlformats.org/drawingml/2006/main" xmlns:p="http://schemas.openxmlformats.org/presentationml/2006/main" xmlns:r="http://schemas.openxmlformats.org/officeDocument/2006/relationships">
+<p:sld xmlns:a="http://schemas.openxmlformats.org/drawingml/2006/main" xmlns:r="http://schemas.openxmlformats.org/officeDocument/2006/relationships" xmlns:p="http://schemas.openxmlformats.org/presentationml/2006/main">
+  <p:cSld>
+    <p:spTree>
+      <p:nvGrpSpPr>
+        <p:cNvPr id="1" name=""/>
+        <p:cNvGrpSpPr/>
+        <p:nvPr/>
+      </p:nvGrpSpPr>
+      <p:grpSpPr>
+        <a:xfrm>
+          <a:off x="0" y="0"/>
+          <a:ext cx="0" cy="0"/>
+          <a:chOff x="0" y="0"/>
+          <a:chExt cx="0" cy="0"/>
+        </a:xfrm>
+      </p:grpSpPr>
+      <p:sp>
+        <p:nvSpPr>
+          <p:cNvPr id="2" name="Title 1"/>
+          <p:cNvSpPr>
+            <a:spLocks noGrp="1"/>
+          </p:cNvSpPr>
+          <p:nvPr>
+            <p:ph type="title"/>
+          </p:nvPr>
+        </p:nvSpPr>
+        <p:spPr/>
+        <p:txBody>
+          <a:bodyPr/>
+          <a:lstStyle/>
+          <a:p>
+            <a:r>
+              <a:rPr lang="en-US" altLang="zh-CN" dirty="0" smtClean="0">
+                <a:solidFill>
+                  <a:srgbClr val="000000"/>
+                </a:solidFill>
+                <a:latin typeface="Calibri"/>
+              </a:rPr>
+              <a:t>Singleton</a:t>
+            </a:r>
+            <a:endParaRPr lang="zh-CN" altLang="en-US" dirty="0"/>
+          </a:p>
+        </p:txBody>
+      </p:sp>
+      <p:sp>
+        <p:nvSpPr>
+          <p:cNvPr id="3" name="Subtitle 2"/>
+          <p:cNvSpPr>
+            <a:spLocks noGrp="1"/>
+          </p:cNvSpPr>
+          <p:nvPr>
+            <p:ph type="subTitle"/>
+          </p:nvPr>
+        </p:nvSpPr>
+        <p:spPr/>
+        <p:txBody>
+          <a:bodyPr anchor="t" anchorCtr="0"/>
+          <a:lstStyle/>
+          <a:p>
+            <a:r>
+              <a:rPr lang="en-US" altLang="zh-CN" dirty="0" smtClean="0"/>
+              <a:t>Ensure a class only has one instance</a:t>
+            </a:r>
+          </a:p>
+          <a:p>
+            <a:pPr lvl="1"/>
+            <a:r>
+              <a:rPr lang="en-US" altLang="zh-CN" dirty="0"/>
+              <a:t>s</a:t>
+            </a:r>
+            <a:r>
+              <a:rPr lang="en-US" altLang="zh-CN" dirty="0" smtClean="0"/>
+              <a:t>tatic global variable</a:t>
+            </a:r>
+          </a:p>
+          <a:p>
+            <a:r>
+              <a:rPr lang="en-US" altLang="zh-CN" dirty="0" smtClean="0"/>
+              <a:t>Provide a global point of access to it</a:t>
+            </a:r>
+          </a:p>
+          <a:p>
+            <a:pPr lvl="1"/>
+            <a:r>
+              <a:rPr lang="en-US" altLang="zh-CN" dirty="0" smtClean="0"/>
+              <a:t>File variable – extern vs static</a:t>
+            </a:r>
+          </a:p>
+          <a:p>
+            <a:pPr lvl="1"/>
+            <a:r>
+              <a:rPr lang="en-US" altLang="zh-CN" dirty="0"/>
+              <a:t>e</a:t>
+            </a:r>
+            <a:r>
+              <a:rPr lang="en-US" altLang="zh-CN" dirty="0" smtClean="0"/>
+              <a:t>xtern function</a:t>
+            </a:r>
+            <a:endParaRPr lang="zh-CN" altLang="en-US" dirty="0"/>
+          </a:p>
+        </p:txBody>
+      </p:sp>
+      <p:pic>
+        <p:nvPicPr>
+          <p:cNvPr id="4" name="Picture 3"/>
+          <p:cNvPicPr>
+            <a:picLocks noChangeAspect="1"/>
+          </p:cNvPicPr>
+          <p:nvPr/>
+        </p:nvPicPr>
+        <p:blipFill>
+          <a:blip r:embed="rId2"/>
+          <a:stretch>
+            <a:fillRect/>
+          </a:stretch>
+        </p:blipFill>
+        <p:spPr>
+          <a:xfrm>
+            <a:off x="609480" y="3832225"/>
+            <a:ext cx="9998779" cy="1661035"/>
+          </a:xfrm>
+          <a:prstGeom prst="rect">
+            <a:avLst/>
+          </a:prstGeom>
+        </p:spPr>
+      </p:pic>
+      <p:sp>
+        <p:nvSpPr>
+          <p:cNvPr id="5" name="Rectangle 4"/>
+          <p:cNvSpPr/>
+          <p:nvPr/>
+        </p:nvSpPr>
+        <p:spPr>
+          <a:xfrm>
+            <a:off x="609480" y="5767920"/>
+            <a:ext cx="7607420" cy="369332"/>
+          </a:xfrm>
+          <a:prstGeom prst="rect">
+            <a:avLst/>
+          </a:prstGeom>
+        </p:spPr>
+        <p:txBody>
+          <a:bodyPr wrap="square">
+            <a:spAutoFit/>
+          </a:bodyPr>
+          <a:lstStyle/>
+          <a:p>
+            <a:r>
+              <a:rPr lang="zh-CN" altLang="en-US" dirty="0" smtClean="0"/>
+              <a:t>https://github.com/Morpheusou/TCPL/blob/master/demo/singleton.cpp</a:t>
+            </a:r>
+            <a:endParaRPr lang="zh-CN" altLang="en-US" dirty="0"/>
+          </a:p>
+        </p:txBody>
+      </p:sp>
+    </p:spTree>
+    <p:extLst>
+      <p:ext uri="{BB962C8B-B14F-4D97-AF65-F5344CB8AC3E}">
+        <p14:creationId xmlns:p14="http://schemas.microsoft.com/office/powerpoint/2010/main" val="2227589092"/>
+      </p:ext>
+    </p:extLst>
+  </p:cSld>
+  <p:clrMapOvr>
+    <a:masterClrMapping/>
+  </p:clrMapOvr>
+</p:sld>
+</file>
+
+<file path=ppt/slides/slide13.xml><?xml version="1.0" encoding="utf-8"?>
+<p:sld xmlns:a="http://schemas.openxmlformats.org/drawingml/2006/main" xmlns:r="http://schemas.openxmlformats.org/officeDocument/2006/relationships" xmlns:p="http://schemas.openxmlformats.org/presentationml/2006/main">
+  <p:cSld>
+    <p:spTree>
+      <p:nvGrpSpPr>
+        <p:cNvPr id="1" name=""/>
+        <p:cNvGrpSpPr/>
+        <p:nvPr/>
+      </p:nvGrpSpPr>
+      <p:grpSpPr>
+        <a:xfrm>
+          <a:off x="0" y="0"/>
+          <a:ext cx="0" cy="0"/>
+          <a:chOff x="0" y="0"/>
+          <a:chExt cx="0" cy="0"/>
+        </a:xfrm>
+      </p:grpSpPr>
+      <p:sp>
+        <p:nvSpPr>
+          <p:cNvPr id="2" name="Title 1"/>
+          <p:cNvSpPr>
+            <a:spLocks noGrp="1"/>
+          </p:cNvSpPr>
+          <p:nvPr>
+            <p:ph type="title"/>
+          </p:nvPr>
+        </p:nvSpPr>
+        <p:spPr/>
+        <p:txBody>
+          <a:bodyPr/>
+          <a:lstStyle/>
+          <a:p>
+            <a:r>
+              <a:rPr lang="en-US" altLang="zh-CN" dirty="0" smtClean="0">
+                <a:solidFill>
+                  <a:srgbClr val="000000"/>
+                </a:solidFill>
+                <a:latin typeface="Calibri"/>
+              </a:rPr>
+              <a:t>Singleton implementation #A</a:t>
+            </a:r>
+            <a:endParaRPr lang="zh-CN" altLang="en-US" dirty="0"/>
+          </a:p>
+        </p:txBody>
+      </p:sp>
+      <p:sp>
+        <p:nvSpPr>
+          <p:cNvPr id="3" name="Subtitle 2"/>
+          <p:cNvSpPr>
+            <a:spLocks noGrp="1"/>
+          </p:cNvSpPr>
+          <p:nvPr>
+            <p:ph type="subTitle"/>
+          </p:nvPr>
+        </p:nvSpPr>
+        <p:spPr/>
+        <p:txBody>
+          <a:bodyPr anchor="t" anchorCtr="0"/>
+          <a:lstStyle/>
+          <a:p>
+            <a:pPr marL="0" indent="0">
+              <a:buNone/>
+            </a:pPr>
+            <a:endParaRPr lang="zh-CN" altLang="en-US" dirty="0"/>
+          </a:p>
+        </p:txBody>
+      </p:sp>
+      <p:pic>
+        <p:nvPicPr>
+          <p:cNvPr id="7" name="Picture 6"/>
+          <p:cNvPicPr>
+            <a:picLocks noChangeAspect="1"/>
+          </p:cNvPicPr>
+          <p:nvPr/>
+        </p:nvPicPr>
+        <p:blipFill>
+          <a:blip r:embed="rId2"/>
+          <a:stretch>
+            <a:fillRect/>
+          </a:stretch>
+        </p:blipFill>
+        <p:spPr>
+          <a:xfrm>
+            <a:off x="609480" y="1604520"/>
+            <a:ext cx="10738875" cy="3408351"/>
+          </a:xfrm>
+          <a:prstGeom prst="rect">
+            <a:avLst/>
+          </a:prstGeom>
+        </p:spPr>
+      </p:pic>
+      <p:sp>
+        <p:nvSpPr>
+          <p:cNvPr id="8" name="Rectangle 7"/>
+          <p:cNvSpPr/>
+          <p:nvPr/>
+        </p:nvSpPr>
+        <p:spPr>
+          <a:xfrm>
+            <a:off x="609480" y="5012871"/>
+            <a:ext cx="7607420" cy="369332"/>
+          </a:xfrm>
+          <a:prstGeom prst="rect">
+            <a:avLst/>
+          </a:prstGeom>
+        </p:spPr>
+        <p:txBody>
+          <a:bodyPr wrap="square">
+            <a:spAutoFit/>
+          </a:bodyPr>
+          <a:lstStyle/>
+          <a:p>
+            <a:r>
+              <a:rPr lang="zh-CN" altLang="en-US" dirty="0" smtClean="0"/>
+              <a:t>https://github.com/Morpheusou/TCPL/blob/master/demo/singleton.cpp</a:t>
+            </a:r>
+            <a:endParaRPr lang="zh-CN" altLang="en-US" dirty="0"/>
+          </a:p>
+        </p:txBody>
+      </p:sp>
+    </p:spTree>
+    <p:extLst>
+      <p:ext uri="{BB962C8B-B14F-4D97-AF65-F5344CB8AC3E}">
+        <p14:creationId xmlns:p14="http://schemas.microsoft.com/office/powerpoint/2010/main" val="280227451"/>
+      </p:ext>
+    </p:extLst>
+  </p:cSld>
+  <p:clrMapOvr>
+    <a:masterClrMapping/>
+  </p:clrMapOvr>
+</p:sld>
+</file>
+
+<file path=ppt/slides/slide14.xml><?xml version="1.0" encoding="utf-8"?>
+<p:sld xmlns:a="http://schemas.openxmlformats.org/drawingml/2006/main" xmlns:r="http://schemas.openxmlformats.org/officeDocument/2006/relationships" xmlns:p="http://schemas.openxmlformats.org/presentationml/2006/main">
+  <p:cSld>
+    <p:spTree>
+      <p:nvGrpSpPr>
+        <p:cNvPr id="1" name=""/>
+        <p:cNvGrpSpPr/>
+        <p:nvPr/>
+      </p:nvGrpSpPr>
+      <p:grpSpPr>
+        <a:xfrm>
+          <a:off x="0" y="0"/>
+          <a:ext cx="0" cy="0"/>
+          <a:chOff x="0" y="0"/>
+          <a:chExt cx="0" cy="0"/>
+        </a:xfrm>
+      </p:grpSpPr>
+      <p:sp>
+        <p:nvSpPr>
+          <p:cNvPr id="2" name="Title 1"/>
+          <p:cNvSpPr>
+            <a:spLocks noGrp="1"/>
+          </p:cNvSpPr>
+          <p:nvPr>
+            <p:ph type="title"/>
+          </p:nvPr>
+        </p:nvSpPr>
+        <p:spPr>
+          <a:xfrm>
+            <a:off x="487440" y="121200"/>
+            <a:ext cx="10972440" cy="729700"/>
+          </a:xfrm>
+        </p:spPr>
+        <p:txBody>
+          <a:bodyPr/>
+          <a:lstStyle/>
+          <a:p>
+            <a:r>
+              <a:rPr lang="en-US" altLang="zh-CN" dirty="0" smtClean="0">
+                <a:solidFill>
+                  <a:srgbClr val="000000"/>
+                </a:solidFill>
+                <a:latin typeface="Calibri"/>
+              </a:rPr>
+              <a:t>Singleton implementation #B</a:t>
+            </a:r>
+            <a:endParaRPr lang="en-US" altLang="zh-CN" dirty="0"/>
+          </a:p>
+        </p:txBody>
+      </p:sp>
+      <p:sp>
+        <p:nvSpPr>
+          <p:cNvPr id="3" name="Subtitle 2"/>
+          <p:cNvSpPr>
+            <a:spLocks noGrp="1"/>
+          </p:cNvSpPr>
+          <p:nvPr>
+            <p:ph type="subTitle"/>
+          </p:nvPr>
+        </p:nvSpPr>
+        <p:spPr/>
+        <p:txBody>
+          <a:bodyPr/>
+          <a:lstStyle/>
+          <a:p>
+            <a:endParaRPr lang="zh-CN" altLang="en-US" dirty="0"/>
+          </a:p>
+        </p:txBody>
+      </p:sp>
+      <p:pic>
+        <p:nvPicPr>
+          <p:cNvPr id="5" name="Picture 4"/>
+          <p:cNvPicPr>
+            <a:picLocks noChangeAspect="1"/>
+          </p:cNvPicPr>
+          <p:nvPr/>
+        </p:nvPicPr>
+        <p:blipFill>
+          <a:blip r:embed="rId2"/>
+          <a:stretch>
+            <a:fillRect/>
+          </a:stretch>
+        </p:blipFill>
+        <p:spPr>
+          <a:xfrm>
+            <a:off x="609480" y="1604519"/>
+            <a:ext cx="10728360" cy="3674333"/>
+          </a:xfrm>
+          <a:prstGeom prst="rect">
+            <a:avLst/>
+          </a:prstGeom>
+        </p:spPr>
+      </p:pic>
+      <p:sp>
+        <p:nvSpPr>
+          <p:cNvPr id="6" name="Rectangle 5"/>
+          <p:cNvSpPr/>
+          <p:nvPr/>
+        </p:nvSpPr>
+        <p:spPr>
+          <a:xfrm>
+            <a:off x="698380" y="5278852"/>
+            <a:ext cx="7607420" cy="369332"/>
+          </a:xfrm>
+          <a:prstGeom prst="rect">
+            <a:avLst/>
+          </a:prstGeom>
+        </p:spPr>
+        <p:txBody>
+          <a:bodyPr wrap="square">
+            <a:spAutoFit/>
+          </a:bodyPr>
+          <a:lstStyle/>
+          <a:p>
+            <a:r>
+              <a:rPr lang="zh-CN" altLang="en-US" dirty="0" smtClean="0"/>
+              <a:t>https://github.com/Morpheusou/TCPL/blob/master/demo/singleton.cpp</a:t>
+            </a:r>
+            <a:endParaRPr lang="zh-CN" altLang="en-US" dirty="0"/>
+          </a:p>
+        </p:txBody>
+      </p:sp>
+    </p:spTree>
+    <p:extLst>
+      <p:ext uri="{BB962C8B-B14F-4D97-AF65-F5344CB8AC3E}">
+        <p14:creationId xmlns:p14="http://schemas.microsoft.com/office/powerpoint/2010/main" val="250485379"/>
+      </p:ext>
+    </p:extLst>
+  </p:cSld>
+  <p:clrMapOvr>
+    <a:masterClrMapping/>
+  </p:clrMapOvr>
+</p:sld>
+</file>
+
+<file path=ppt/slides/slide15.xml><?xml version="1.0" encoding="utf-8"?>
+<p:sld xmlns:a="http://schemas.openxmlformats.org/drawingml/2006/main" xmlns:r="http://schemas.openxmlformats.org/officeDocument/2006/relationships" xmlns:p="http://schemas.openxmlformats.org/presentationml/2006/main">
+  <p:cSld>
+    <p:spTree>
+      <p:nvGrpSpPr>
+        <p:cNvPr id="1" name=""/>
+        <p:cNvGrpSpPr/>
+        <p:nvPr/>
+      </p:nvGrpSpPr>
+      <p:grpSpPr>
+        <a:xfrm>
+          <a:off x="0" y="0"/>
+          <a:ext cx="0" cy="0"/>
+          <a:chOff x="0" y="0"/>
+          <a:chExt cx="0" cy="0"/>
+        </a:xfrm>
+      </p:grpSpPr>
+      <p:sp>
+        <p:nvSpPr>
+          <p:cNvPr id="2" name="Title 1"/>
+          <p:cNvSpPr>
+            <a:spLocks noGrp="1"/>
+          </p:cNvSpPr>
+          <p:nvPr>
+            <p:ph type="title"/>
+          </p:nvPr>
+        </p:nvSpPr>
+        <p:spPr/>
+        <p:txBody>
+          <a:bodyPr/>
+          <a:lstStyle/>
+          <a:p>
+            <a:r>
+              <a:rPr lang="en-US" altLang="zh-CN" dirty="0" smtClean="0">
+                <a:solidFill>
+                  <a:srgbClr val="000000"/>
+                </a:solidFill>
+                <a:latin typeface="Calibri"/>
+              </a:rPr>
+              <a:t>Singleton implementation #C</a:t>
+            </a:r>
+            <a:endParaRPr lang="zh-CN" altLang="en-US" dirty="0"/>
+          </a:p>
+        </p:txBody>
+      </p:sp>
+      <p:sp>
+        <p:nvSpPr>
+          <p:cNvPr id="3" name="Subtitle 2"/>
+          <p:cNvSpPr>
+            <a:spLocks noGrp="1"/>
+          </p:cNvSpPr>
+          <p:nvPr>
+            <p:ph type="subTitle"/>
+          </p:nvPr>
+        </p:nvSpPr>
+        <p:spPr/>
+        <p:txBody>
+          <a:bodyPr/>
+          <a:lstStyle/>
+          <a:p>
+            <a:endParaRPr lang="zh-CN" altLang="en-US"/>
+          </a:p>
+        </p:txBody>
+      </p:sp>
+      <p:pic>
+        <p:nvPicPr>
+          <p:cNvPr id="5" name="Picture 4"/>
+          <p:cNvPicPr>
+            <a:picLocks noChangeAspect="1"/>
+          </p:cNvPicPr>
+          <p:nvPr/>
+        </p:nvPicPr>
+        <p:blipFill>
+          <a:blip r:embed="rId2"/>
+          <a:stretch>
+            <a:fillRect/>
+          </a:stretch>
+        </p:blipFill>
+        <p:spPr>
+          <a:xfrm>
+            <a:off x="609479" y="1604519"/>
+            <a:ext cx="10762457" cy="3228737"/>
+          </a:xfrm>
+          <a:prstGeom prst="rect">
+            <a:avLst/>
+          </a:prstGeom>
+        </p:spPr>
+      </p:pic>
+      <p:sp>
+        <p:nvSpPr>
+          <p:cNvPr id="6" name="Rectangle 5"/>
+          <p:cNvSpPr/>
+          <p:nvPr/>
+        </p:nvSpPr>
+        <p:spPr>
+          <a:xfrm>
+            <a:off x="609478" y="4834349"/>
+            <a:ext cx="7607420" cy="369332"/>
+          </a:xfrm>
+          <a:prstGeom prst="rect">
+            <a:avLst/>
+          </a:prstGeom>
+        </p:spPr>
+        <p:txBody>
+          <a:bodyPr wrap="square">
+            <a:spAutoFit/>
+          </a:bodyPr>
+          <a:lstStyle/>
+          <a:p>
+            <a:r>
+              <a:rPr lang="zh-CN" altLang="en-US" dirty="0" smtClean="0"/>
+              <a:t>https://github.com/Morpheusou/TCPL/blob/master/demo/singleton.cpp</a:t>
+            </a:r>
+            <a:endParaRPr lang="zh-CN" altLang="en-US" dirty="0"/>
+          </a:p>
+        </p:txBody>
+      </p:sp>
+    </p:spTree>
+    <p:extLst>
+      <p:ext uri="{BB962C8B-B14F-4D97-AF65-F5344CB8AC3E}">
+        <p14:creationId xmlns:p14="http://schemas.microsoft.com/office/powerpoint/2010/main" val="1873356601"/>
+      </p:ext>
+    </p:extLst>
+  </p:cSld>
+  <p:clrMapOvr>
+    <a:masterClrMapping/>
+  </p:clrMapOvr>
+</p:sld>
+</file>
+
+<file path=ppt/slides/slide16.xml><?xml version="1.0" encoding="utf-8"?>
+<p:sld xmlns:a="http://schemas.openxmlformats.org/drawingml/2006/main" xmlns:r="http://schemas.openxmlformats.org/officeDocument/2006/relationships" xmlns:p="http://schemas.openxmlformats.org/presentationml/2006/main">
+  <p:cSld>
+    <p:spTree>
+      <p:nvGrpSpPr>
+        <p:cNvPr id="1" name=""/>
+        <p:cNvGrpSpPr/>
+        <p:nvPr/>
+      </p:nvGrpSpPr>
+      <p:grpSpPr>
+        <a:xfrm>
+          <a:off x="0" y="0"/>
+          <a:ext cx="0" cy="0"/>
+          <a:chOff x="0" y="0"/>
+          <a:chExt cx="0" cy="0"/>
+        </a:xfrm>
+      </p:grpSpPr>
+      <p:sp>
+        <p:nvSpPr>
+          <p:cNvPr id="2" name="Title 1"/>
+          <p:cNvSpPr>
+            <a:spLocks noGrp="1"/>
+          </p:cNvSpPr>
+          <p:nvPr>
+            <p:ph type="title"/>
+          </p:nvPr>
+        </p:nvSpPr>
+        <p:spPr/>
+        <p:txBody>
+          <a:bodyPr/>
+          <a:lstStyle/>
+          <a:p>
+            <a:r>
+              <a:rPr lang="en-US" altLang="zh-CN" dirty="0" smtClean="0">
+                <a:solidFill>
+                  <a:srgbClr val="000000"/>
+                </a:solidFill>
+                <a:latin typeface="Calibri"/>
+              </a:rPr>
+              <a:t>Singleton implementation #D</a:t>
+            </a:r>
+            <a:endParaRPr lang="zh-CN" altLang="en-US" dirty="0"/>
+          </a:p>
+        </p:txBody>
+      </p:sp>
+      <p:sp>
+        <p:nvSpPr>
+          <p:cNvPr id="3" name="Subtitle 2"/>
+          <p:cNvSpPr>
+            <a:spLocks noGrp="1"/>
+          </p:cNvSpPr>
+          <p:nvPr>
+            <p:ph type="subTitle"/>
+          </p:nvPr>
+        </p:nvSpPr>
+        <p:spPr/>
+        <p:txBody>
+          <a:bodyPr/>
+          <a:lstStyle/>
+          <a:p>
+            <a:endParaRPr lang="zh-CN" altLang="en-US" dirty="0"/>
+          </a:p>
+        </p:txBody>
+      </p:sp>
+      <p:pic>
+        <p:nvPicPr>
+          <p:cNvPr id="6" name="Picture 5"/>
+          <p:cNvPicPr>
+            <a:picLocks noChangeAspect="1"/>
+          </p:cNvPicPr>
+          <p:nvPr/>
+        </p:nvPicPr>
+        <p:blipFill>
+          <a:blip r:embed="rId2"/>
+          <a:stretch>
+            <a:fillRect/>
+          </a:stretch>
+        </p:blipFill>
+        <p:spPr>
+          <a:xfrm>
+            <a:off x="609479" y="1604520"/>
+            <a:ext cx="10698891" cy="3473666"/>
+          </a:xfrm>
+          <a:prstGeom prst="rect">
+            <a:avLst/>
+          </a:prstGeom>
+        </p:spPr>
+      </p:pic>
+      <p:sp>
+        <p:nvSpPr>
+          <p:cNvPr id="7" name="Rectangle 6"/>
+          <p:cNvSpPr/>
+          <p:nvPr/>
+        </p:nvSpPr>
+        <p:spPr>
+          <a:xfrm>
+            <a:off x="609479" y="5145507"/>
+            <a:ext cx="7607420" cy="369332"/>
+          </a:xfrm>
+          <a:prstGeom prst="rect">
+            <a:avLst/>
+          </a:prstGeom>
+        </p:spPr>
+        <p:txBody>
+          <a:bodyPr wrap="square">
+            <a:spAutoFit/>
+          </a:bodyPr>
+          <a:lstStyle/>
+          <a:p>
+            <a:r>
+              <a:rPr lang="zh-CN" altLang="en-US" dirty="0" smtClean="0"/>
+              <a:t>https://github.com/Morpheusou/TCPL/blob/master/demo/singleton.cpp</a:t>
+            </a:r>
+            <a:endParaRPr lang="zh-CN" altLang="en-US" dirty="0"/>
+          </a:p>
+        </p:txBody>
+      </p:sp>
+    </p:spTree>
+    <p:extLst>
+      <p:ext uri="{BB962C8B-B14F-4D97-AF65-F5344CB8AC3E}">
+        <p14:creationId xmlns:p14="http://schemas.microsoft.com/office/powerpoint/2010/main" val="4224884546"/>
+      </p:ext>
+    </p:extLst>
+  </p:cSld>
+  <p:clrMapOvr>
+    <a:masterClrMapping/>
+  </p:clrMapOvr>
+</p:sld>
+</file>
+
+<file path=ppt/slides/slide17.xml><?xml version="1.0" encoding="utf-8"?>
+<p:sld xmlns:a="http://schemas.openxmlformats.org/drawingml/2006/main" xmlns:r="http://schemas.openxmlformats.org/officeDocument/2006/relationships" xmlns:p="http://schemas.openxmlformats.org/presentationml/2006/main">
+  <p:cSld>
+    <p:spTree>
+      <p:nvGrpSpPr>
+        <p:cNvPr id="1" name=""/>
+        <p:cNvGrpSpPr/>
+        <p:nvPr/>
+      </p:nvGrpSpPr>
+      <p:grpSpPr>
+        <a:xfrm>
+          <a:off x="0" y="0"/>
+          <a:ext cx="0" cy="0"/>
+          <a:chOff x="0" y="0"/>
+          <a:chExt cx="0" cy="0"/>
+        </a:xfrm>
+      </p:grpSpPr>
+      <p:sp>
+        <p:nvSpPr>
+          <p:cNvPr id="2" name="Title 1"/>
+          <p:cNvSpPr>
+            <a:spLocks noGrp="1"/>
+          </p:cNvSpPr>
+          <p:nvPr>
+            <p:ph type="title"/>
+          </p:nvPr>
+        </p:nvSpPr>
+        <p:spPr/>
+        <p:txBody>
+          <a:bodyPr/>
+          <a:lstStyle/>
+          <a:p>
+            <a:r>
+              <a:rPr lang="en-US" altLang="zh-CN" dirty="0" smtClean="0">
+                <a:solidFill>
+                  <a:srgbClr val="000000"/>
+                </a:solidFill>
+                <a:latin typeface="Calibri"/>
+              </a:rPr>
+              <a:t>Singleton implementation #E</a:t>
+            </a:r>
+            <a:endParaRPr lang="zh-CN" altLang="en-US" dirty="0"/>
+          </a:p>
+        </p:txBody>
+      </p:sp>
+      <p:pic>
+        <p:nvPicPr>
+          <p:cNvPr id="6" name="Picture 5"/>
+          <p:cNvPicPr>
+            <a:picLocks noChangeAspect="1"/>
+          </p:cNvPicPr>
+          <p:nvPr/>
+        </p:nvPicPr>
+        <p:blipFill>
+          <a:blip r:embed="rId2"/>
+          <a:stretch>
+            <a:fillRect/>
+          </a:stretch>
+        </p:blipFill>
+        <p:spPr>
+          <a:xfrm>
+            <a:off x="609479" y="1552574"/>
+            <a:ext cx="10452602" cy="3427639"/>
+          </a:xfrm>
+          <a:prstGeom prst="rect">
+            <a:avLst/>
+          </a:prstGeom>
+        </p:spPr>
+      </p:pic>
+      <p:sp>
+        <p:nvSpPr>
+          <p:cNvPr id="7" name="Rectangle 6"/>
+          <p:cNvSpPr/>
+          <p:nvPr/>
+        </p:nvSpPr>
+        <p:spPr>
+          <a:xfrm>
+            <a:off x="609479" y="4980213"/>
+            <a:ext cx="7607420" cy="369332"/>
+          </a:xfrm>
+          <a:prstGeom prst="rect">
+            <a:avLst/>
+          </a:prstGeom>
+        </p:spPr>
+        <p:txBody>
+          <a:bodyPr wrap="square">
+            <a:spAutoFit/>
+          </a:bodyPr>
+          <a:lstStyle/>
+          <a:p>
+            <a:r>
+              <a:rPr lang="zh-CN" altLang="en-US" dirty="0" smtClean="0"/>
+              <a:t>https://github.com/Morpheusou/TCPL/blob/master/demo/singleton.cpp</a:t>
+            </a:r>
+            <a:endParaRPr lang="zh-CN" altLang="en-US" dirty="0"/>
+          </a:p>
+        </p:txBody>
+      </p:sp>
+    </p:spTree>
+    <p:extLst>
+      <p:ext uri="{BB962C8B-B14F-4D97-AF65-F5344CB8AC3E}">
+        <p14:creationId xmlns:p14="http://schemas.microsoft.com/office/powerpoint/2010/main" val="2276894279"/>
+      </p:ext>
+    </p:extLst>
+  </p:cSld>
+  <p:clrMapOvr>
+    <a:masterClrMapping/>
+  </p:clrMapOvr>
+</p:sld>
+</file>
+
+<file path=ppt/slides/slide18.xml><?xml version="1.0" encoding="utf-8"?>
+<p:sld xmlns:a="http://schemas.openxmlformats.org/drawingml/2006/main" xmlns:r="http://schemas.openxmlformats.org/officeDocument/2006/relationships" xmlns:p="http://schemas.openxmlformats.org/presentationml/2006/main">
+  <p:cSld>
+    <p:spTree>
+      <p:nvGrpSpPr>
+        <p:cNvPr id="1" name=""/>
+        <p:cNvGrpSpPr/>
+        <p:nvPr/>
+      </p:nvGrpSpPr>
+      <p:grpSpPr>
+        <a:xfrm>
+          <a:off x="0" y="0"/>
+          <a:ext cx="0" cy="0"/>
+          <a:chOff x="0" y="0"/>
+          <a:chExt cx="0" cy="0"/>
+        </a:xfrm>
+      </p:grpSpPr>
+      <p:sp>
+        <p:nvSpPr>
+          <p:cNvPr id="2" name="Title 1"/>
+          <p:cNvSpPr>
+            <a:spLocks noGrp="1"/>
+          </p:cNvSpPr>
+          <p:nvPr>
+            <p:ph type="title"/>
+          </p:nvPr>
+        </p:nvSpPr>
+        <p:spPr>
+          <a:xfrm>
+            <a:off x="609479" y="124483"/>
+            <a:ext cx="10972440" cy="1145160"/>
+          </a:xfrm>
+        </p:spPr>
+        <p:txBody>
+          <a:bodyPr/>
+          <a:lstStyle/>
+          <a:p>
+            <a:r>
+              <a:rPr lang="en-US" altLang="zh-CN" dirty="0" smtClean="0">
+                <a:solidFill>
+                  <a:srgbClr val="000000"/>
+                </a:solidFill>
+                <a:latin typeface="Calibri"/>
+              </a:rPr>
+              <a:t>Singleton implementation #F</a:t>
+            </a:r>
+            <a:endParaRPr lang="zh-CN" altLang="en-US" dirty="0"/>
+          </a:p>
+        </p:txBody>
+      </p:sp>
+      <p:pic>
+        <p:nvPicPr>
+          <p:cNvPr id="4" name="Picture 3"/>
+          <p:cNvPicPr>
+            <a:picLocks noChangeAspect="1"/>
+          </p:cNvPicPr>
+          <p:nvPr/>
+        </p:nvPicPr>
+        <p:blipFill>
+          <a:blip r:embed="rId3"/>
+          <a:stretch>
+            <a:fillRect/>
+          </a:stretch>
+        </p:blipFill>
+        <p:spPr>
+          <a:xfrm>
+            <a:off x="609479" y="1269643"/>
+            <a:ext cx="9040707" cy="4696471"/>
+          </a:xfrm>
+          <a:prstGeom prst="rect">
+            <a:avLst/>
+          </a:prstGeom>
+        </p:spPr>
+      </p:pic>
+      <p:sp>
+        <p:nvSpPr>
+          <p:cNvPr id="7" name="Rectangle 6"/>
+          <p:cNvSpPr/>
+          <p:nvPr/>
+        </p:nvSpPr>
+        <p:spPr>
+          <a:xfrm>
+            <a:off x="609479" y="6060020"/>
+            <a:ext cx="7607420" cy="369332"/>
+          </a:xfrm>
+          <a:prstGeom prst="rect">
+            <a:avLst/>
+          </a:prstGeom>
+        </p:spPr>
+        <p:txBody>
+          <a:bodyPr wrap="square">
+            <a:spAutoFit/>
+          </a:bodyPr>
+          <a:lstStyle/>
+          <a:p>
+            <a:r>
+              <a:rPr lang="zh-CN" altLang="en-US" dirty="0" smtClean="0"/>
+              <a:t>https://github.com/Morpheusou/TCPL/blob/master/demo/singleton.cpp</a:t>
+            </a:r>
+            <a:endParaRPr lang="zh-CN" altLang="en-US" dirty="0"/>
+          </a:p>
+        </p:txBody>
+      </p:sp>
+    </p:spTree>
+    <p:extLst>
+      <p:ext uri="{BB962C8B-B14F-4D97-AF65-F5344CB8AC3E}">
+        <p14:creationId xmlns:p14="http://schemas.microsoft.com/office/powerpoint/2010/main" val="4198881922"/>
+      </p:ext>
+    </p:extLst>
+  </p:cSld>
+  <p:clrMapOvr>
+    <a:masterClrMapping/>
+  </p:clrMapOvr>
+</p:sld>
+</file>
+
+<file path=ppt/slides/slide19.xml><?xml version="1.0" encoding="utf-8"?>
+<p:sld xmlns:a="http://schemas.openxmlformats.org/drawingml/2006/main" xmlns:r="http://schemas.openxmlformats.org/officeDocument/2006/relationships" xmlns:p="http://schemas.openxmlformats.org/presentationml/2006/main">
+  <p:cSld>
+    <p:spTree>
+      <p:nvGrpSpPr>
+        <p:cNvPr id="1" name=""/>
+        <p:cNvGrpSpPr/>
+        <p:nvPr/>
+      </p:nvGrpSpPr>
+      <p:grpSpPr>
+        <a:xfrm>
+          <a:off x="0" y="0"/>
+          <a:ext cx="0" cy="0"/>
+          <a:chOff x="0" y="0"/>
+          <a:chExt cx="0" cy="0"/>
+        </a:xfrm>
+      </p:grpSpPr>
+    </p:spTree>
+    <p:extLst>
+      <p:ext uri="{BB962C8B-B14F-4D97-AF65-F5344CB8AC3E}">
+        <p14:creationId xmlns:p14="http://schemas.microsoft.com/office/powerpoint/2010/main" val="877352349"/>
+      </p:ext>
+    </p:extLst>
+  </p:cSld>
+  <p:clrMapOvr>
+    <a:masterClrMapping/>
+  </p:clrMapOvr>
+</p:sld>
+</file>
+
+<file path=ppt/slides/slide2.xml><?xml version="1.0" encoding="utf-8"?>
+<p:sld xmlns:a="http://schemas.openxmlformats.org/drawingml/2006/main" xmlns:r="http://schemas.openxmlformats.org/officeDocument/2006/relationships" xmlns:p="http://schemas.openxmlformats.org/presentationml/2006/main">
+  <p:cSld>
+    <p:spTree>
+      <p:nvGrpSpPr>
+        <p:cNvPr id="1" name=""/>
+        <p:cNvGrpSpPr/>
+        <p:nvPr/>
+      </p:nvGrpSpPr>
+      <p:grpSpPr>
+        <a:xfrm>
+          <a:off x="0" y="0"/>
+          <a:ext cx="0" cy="0"/>
+          <a:chOff x="0" y="0"/>
+          <a:chExt cx="0" cy="0"/>
+        </a:xfrm>
+      </p:grpSpPr>
+      <p:sp>
+        <p:nvSpPr>
+          <p:cNvPr id="75" name="CustomShape 1"/>
+          <p:cNvSpPr/>
+          <p:nvPr/>
+        </p:nvSpPr>
+        <p:spPr>
+          <a:xfrm>
+            <a:off x="838080" y="365040"/>
+            <a:ext cx="10514520" cy="1324440"/>
+          </a:xfrm>
+          <a:prstGeom prst="rect">
+            <a:avLst/>
+          </a:prstGeom>
+        </p:spPr>
+        <p:txBody>
+          <a:bodyPr lIns="90000" tIns="45000" rIns="90000" bIns="45000" anchor="ctr"/>
+          <a:lstStyle/>
+          <a:p>
+            <a:pPr>
+              <a:lnSpc>
+                <a:spcPct val="90000"/>
+              </a:lnSpc>
+            </a:pPr>
+            <a:r>
+              <a:rPr lang="en-US" sz="4400">
+                <a:solidFill>
+                  <a:srgbClr val="000000"/>
+                </a:solidFill>
+                <a:latin typeface="Calibri Light"/>
+              </a:rPr>
+              <a:t>Agenda</a:t>
+            </a:r>
+            <a:endParaRPr/>
+          </a:p>
+        </p:txBody>
+      </p:sp>
+      <p:sp>
+        <p:nvSpPr>
+          <p:cNvPr id="76" name="CustomShape 2"/>
+          <p:cNvSpPr/>
+          <p:nvPr/>
+        </p:nvSpPr>
+        <p:spPr>
+          <a:xfrm>
+            <a:off x="838080" y="1825560"/>
+            <a:ext cx="10514520" cy="4350240"/>
+          </a:xfrm>
+          <a:prstGeom prst="rect">
+            <a:avLst/>
+          </a:prstGeom>
+        </p:spPr>
+        <p:txBody>
+          <a:bodyPr lIns="90000" tIns="45000" rIns="90000" bIns="45000"/>
+          <a:lstStyle/>
+          <a:p>
+            <a:pPr>
+              <a:lnSpc>
+                <a:spcPct val="90000"/>
+              </a:lnSpc>
+              <a:buFont typeface="Arial"/>
+              <a:buChar char="•"/>
+            </a:pPr>
+            <a:r>
+              <a:rPr lang="en-US" sz="2800" dirty="0">
+                <a:solidFill>
+                  <a:srgbClr val="000000"/>
+                </a:solidFill>
+                <a:latin typeface="Calibri"/>
+              </a:rPr>
+              <a:t>Function &amp; Operator Overloading</a:t>
+            </a:r>
+            <a:endParaRPr dirty="0"/>
+          </a:p>
+          <a:p>
+            <a:pPr>
+              <a:lnSpc>
+                <a:spcPct val="90000"/>
+              </a:lnSpc>
+              <a:buFont typeface="Arial"/>
+              <a:buChar char="•"/>
+            </a:pPr>
+            <a:r>
+              <a:rPr lang="en-US" sz="2800" dirty="0">
+                <a:solidFill>
+                  <a:srgbClr val="000000"/>
+                </a:solidFill>
+                <a:latin typeface="Calibri"/>
+              </a:rPr>
+              <a:t>C++ class/</a:t>
+            </a:r>
+            <a:r>
+              <a:rPr lang="en-US" sz="2800" dirty="0" err="1">
+                <a:solidFill>
+                  <a:srgbClr val="000000"/>
+                </a:solidFill>
+                <a:latin typeface="Calibri"/>
+              </a:rPr>
+              <a:t>struct</a:t>
+            </a:r>
+            <a:endParaRPr dirty="0"/>
+          </a:p>
+          <a:p>
+            <a:pPr>
+              <a:lnSpc>
+                <a:spcPct val="90000"/>
+              </a:lnSpc>
+              <a:buFont typeface="Arial"/>
+              <a:buChar char="•"/>
+            </a:pPr>
+            <a:r>
+              <a:rPr lang="en-US" sz="2800" dirty="0">
+                <a:solidFill>
+                  <a:srgbClr val="000000"/>
+                </a:solidFill>
+                <a:latin typeface="Calibri"/>
+              </a:rPr>
+              <a:t>Design a </a:t>
+            </a:r>
+            <a:r>
+              <a:rPr lang="en-US" sz="2800" dirty="0" smtClean="0">
+                <a:solidFill>
+                  <a:srgbClr val="000000"/>
+                </a:solidFill>
+                <a:latin typeface="Calibri"/>
+              </a:rPr>
+              <a:t>singleton</a:t>
+            </a:r>
+          </a:p>
+          <a:p>
+            <a:pPr>
+              <a:lnSpc>
+                <a:spcPct val="90000"/>
+              </a:lnSpc>
+              <a:buFont typeface="Arial"/>
+              <a:buChar char="•"/>
+            </a:pPr>
+            <a:r>
+              <a:rPr lang="en-US" sz="2800" dirty="0" err="1" smtClean="0">
+                <a:solidFill>
+                  <a:srgbClr val="000000"/>
+                </a:solidFill>
+                <a:latin typeface="Calibri"/>
+              </a:rPr>
+              <a:t>Inheritation</a:t>
+            </a:r>
+            <a:r>
+              <a:rPr lang="en-US" sz="2800" dirty="0" smtClean="0">
+                <a:solidFill>
+                  <a:srgbClr val="000000"/>
+                </a:solidFill>
+                <a:latin typeface="Calibri"/>
+              </a:rPr>
+              <a:t>-Derive Class</a:t>
+            </a:r>
+            <a:endParaRPr lang="en-US" sz="2800" dirty="0">
+              <a:solidFill>
+                <a:srgbClr val="000000"/>
+              </a:solidFill>
+              <a:latin typeface="Calibri"/>
+            </a:endParaRPr>
+          </a:p>
+          <a:p>
+            <a:pPr>
+              <a:lnSpc>
+                <a:spcPct val="90000"/>
+              </a:lnSpc>
+              <a:buFont typeface="Arial"/>
+              <a:buChar char="•"/>
+            </a:pPr>
+            <a:r>
+              <a:rPr lang="en-US" sz="2800" dirty="0" smtClean="0">
+                <a:solidFill>
+                  <a:srgbClr val="000000"/>
+                </a:solidFill>
+                <a:latin typeface="Calibri"/>
+              </a:rPr>
+              <a:t>Virtual function</a:t>
+            </a:r>
+            <a:endParaRPr dirty="0"/>
+          </a:p>
+        </p:txBody>
+      </p:sp>
+    </p:spTree>
+  </p:cSld>
+  <p:clrMapOvr>
+    <a:masterClrMapping/>
+  </p:clrMapOvr>
+  <p:timing>
+    <p:tnLst>
+      <p:par>
+        <p:cTn id="1" dur="indefinite" restart="never" nodeType="tmRoot">
+          <p:childTnLst>
+            <p:seq>
+              <p:cTn id="2" nodeType="mainSeq">
+                <p:childTnLst>
+                  <p:par>
+                    <p:cTn id="3"/>
+                  </p:par>
+                </p:childTnLst>
+              </p:cTn>
+              <p:prevCondLst>
+                <p:cond evt="onPrev" delay="0">
+                  <p:tgtEl>
+                    <p:sldTgt/>
+                  </p:tgtEl>
+                </p:cond>
+              </p:prevCondLst>
+              <p:nextCondLst>
+                <p:cond evt="onNext" delay="0">
+                  <p:tgtEl>
+                    <p:sldTgt/>
+                  </p:tgtEl>
+                </p:cond>
+              </p:nextCondLst>
+            </p:seq>
+          </p:childTnLst>
+        </p:cTn>
+      </p:par>
+    </p:tnLst>
+  </p:timing>
+</p:sld>
+</file>
+
+<file path=ppt/slides/slide20.xml><?xml version="1.0" encoding="utf-8"?>
+<p:sld xmlns:a="http://schemas.openxmlformats.org/drawingml/2006/main" xmlns:r="http://schemas.openxmlformats.org/officeDocument/2006/relationships" xmlns:p="http://schemas.openxmlformats.org/presentationml/2006/main">
   <p:cSld>
     <p:spTree>
       <p:nvGrpSpPr>
@@ -3242,11 +5475,14 @@
       </p:grpSpPr>
     </p:spTree>
   </p:cSld>
+  <p:clrMapOvr>
+    <a:masterClrMapping/>
+  </p:clrMapOvr>
 </p:sld>
 </file>
 
-<file path=ppt/slides/slide2.xml><?xml version="1.0" encoding="utf-8"?>
-<p:sld xmlns:a="http://schemas.openxmlformats.org/drawingml/2006/main" xmlns:p="http://schemas.openxmlformats.org/presentationml/2006/main" xmlns:r="http://schemas.openxmlformats.org/officeDocument/2006/relationships">
+<file path=ppt/slides/slide3.xml><?xml version="1.0" encoding="utf-8"?>
+<p:sld xmlns:a="http://schemas.openxmlformats.org/drawingml/2006/main" xmlns:r="http://schemas.openxmlformats.org/officeDocument/2006/relationships" xmlns:p="http://schemas.openxmlformats.org/presentationml/2006/main">
   <p:cSld>
     <p:spTree>
       <p:nvGrpSpPr>
@@ -3264,7 +5500,7 @@
       </p:grpSpPr>
       <p:sp>
         <p:nvSpPr>
-          <p:cNvPr id="75" name="CustomShape 1"/>
+          <p:cNvPr id="77" name="CustomShape 1"/>
           <p:cNvSpPr/>
           <p:nvPr/>
         </p:nvSpPr>
@@ -3278,7 +5514,8 @@
           </a:prstGeom>
         </p:spPr>
         <p:txBody>
-          <a:bodyPr anchor="ctr" bIns="45000" lIns="90000" rIns="90000" tIns="45000"/>
+          <a:bodyPr lIns="90000" tIns="45000" rIns="90000" bIns="45000" anchor="ctr"/>
+          <a:lstStyle/>
           <a:p>
             <a:pPr>
               <a:lnSpc>
@@ -3292,15 +5529,15 @@
                 </a:solidFill>
                 <a:latin typeface="Calibri Light"/>
               </a:rPr>
-              <a:t>Agenda</a:t>
-            </a:r>
-            <a:endParaRPr/>
-          </a:p>
-        </p:txBody>
-      </p:sp>
-      <p:sp>
-        <p:nvSpPr>
-          <p:cNvPr id="76" name="CustomShape 2"/>
+              <a:t>Function &amp; Operator Overloading</a:t>
+            </a:r>
+            <a:endParaRPr/>
+          </a:p>
+        </p:txBody>
+      </p:sp>
+      <p:sp>
+        <p:nvSpPr>
+          <p:cNvPr id="78" name="CustomShape 2"/>
           <p:cNvSpPr/>
           <p:nvPr/>
         </p:nvSpPr>
@@ -3314,7 +5551,8 @@
           </a:prstGeom>
         </p:spPr>
         <p:txBody>
-          <a:bodyPr bIns="45000" lIns="90000" rIns="90000" tIns="45000"/>
+          <a:bodyPr lIns="90000" tIns="45000" rIns="90000" bIns="45000"/>
+          <a:lstStyle/>
           <a:p>
             <a:pPr>
               <a:lnSpc>
@@ -3330,86 +5568,44 @@
                 </a:solidFill>
                 <a:latin typeface="Calibri"/>
               </a:rPr>
-              <a:t>Function &amp; Operator Overloading</a:t>
-            </a:r>
-            <a:endParaRPr/>
-          </a:p>
-          <a:p>
-            <a:pPr>
-              <a:lnSpc>
-                <a:spcPct val="90000"/>
-              </a:lnSpc>
-              <a:buFont typeface="Arial"/>
-              <a:buChar char="•"/>
-            </a:pPr>
-            <a:r>
-              <a:rPr lang="en-US" sz="2800">
-                <a:solidFill>
-                  <a:srgbClr val="000000"/>
-                </a:solidFill>
-                <a:latin typeface="Calibri"/>
-              </a:rPr>
-              <a:t>C++ class/struct</a:t>
-            </a:r>
-            <a:endParaRPr/>
-          </a:p>
-          <a:p>
-            <a:pPr>
-              <a:lnSpc>
-                <a:spcPct val="90000"/>
-              </a:lnSpc>
-              <a:buFont typeface="Arial"/>
-              <a:buChar char="•"/>
-            </a:pPr>
-            <a:r>
-              <a:rPr lang="en-US" sz="2800">
-                <a:solidFill>
-                  <a:srgbClr val="000000"/>
-                </a:solidFill>
-                <a:latin typeface="Calibri"/>
-              </a:rPr>
-              <a:t>Design a singleton</a:t>
-            </a:r>
-            <a:endParaRPr/>
-          </a:p>
-        </p:txBody>
-      </p:sp>
+              <a:t>When two or more different declarations are specified for a single name in the same scope, that name is said to be overloaded.(ISO14882, chs 13)</a:t>
+            </a:r>
+            <a:endParaRPr/>
+          </a:p>
+        </p:txBody>
+      </p:sp>
+      <p:pic>
+        <p:nvPicPr>
+          <p:cNvPr id="79" name="Picture 3"/>
+          <p:cNvPicPr/>
+          <p:nvPr/>
+        </p:nvPicPr>
+        <p:blipFill>
+          <a:blip r:embed="rId2"/>
+          <a:stretch>
+            <a:fillRect/>
+          </a:stretch>
+        </p:blipFill>
+        <p:spPr>
+          <a:xfrm>
+            <a:off x="1280880" y="3242520"/>
+            <a:ext cx="5995080" cy="1752120"/>
+          </a:xfrm>
+          <a:prstGeom prst="rect">
+            <a:avLst/>
+          </a:prstGeom>
+        </p:spPr>
+      </p:pic>
     </p:spTree>
   </p:cSld>
-  <p:timing>
-    <p:tnLst>
-      <p:par>
-        <p:cTn dur="indefinite" id="1" nodeType="tmRoot" restart="never">
-          <p:childTnLst>
-            <p:seq>
-              <p:cTn id="2" nodeType="mainSeq">
-                <p:childTnLst/>
-              </p:cTn>
-              <p:prevCondLst>
-                <p:cond delay="0" evt="onPrev">
-                  <p:tgtEl>
-                    <p:sldTgt/>
-                  </p:tgtEl>
-                </p:cond>
-              </p:prevCondLst>
-              <p:nextCondLst>
-                <p:cond delay="0" evt="onNext">
-                  <p:tgtEl>
-                    <p:sldTgt/>
-                  </p:tgtEl>
-                </p:cond>
-              </p:nextCondLst>
-            </p:seq>
-          </p:childTnLst>
-        </p:cTn>
-      </p:par>
-    </p:tnLst>
-  </p:timing>
+  <p:clrMapOvr>
+    <a:masterClrMapping/>
+  </p:clrMapOvr>
 </p:sld>
 </file>
 
-<file path=ppt/slides/slide3.xml><?xml version="1.0" encoding="utf-8"?>
-<p:sld xmlns:a="http://schemas.openxmlformats.org/drawingml/2006/main" xmlns:p="http://schemas.openxmlformats.org/presentationml/2006/main" xmlns:r="http://schemas.openxmlformats.org/officeDocument/2006/relationships">
+<file path=ppt/slides/slide4.xml><?xml version="1.0" encoding="utf-8"?>
+<p:sld xmlns:a="http://schemas.openxmlformats.org/drawingml/2006/main" xmlns:r="http://schemas.openxmlformats.org/officeDocument/2006/relationships" xmlns:p="http://schemas.openxmlformats.org/presentationml/2006/main">
   <p:cSld>
     <p:spTree>
       <p:nvGrpSpPr>
@@ -3427,7 +5623,7 @@
       </p:grpSpPr>
       <p:sp>
         <p:nvSpPr>
-          <p:cNvPr id="77" name="CustomShape 1"/>
+          <p:cNvPr id="80" name="CustomShape 1"/>
           <p:cNvSpPr/>
           <p:nvPr/>
         </p:nvSpPr>
@@ -3441,7 +5637,8 @@
           </a:prstGeom>
         </p:spPr>
         <p:txBody>
-          <a:bodyPr anchor="ctr" bIns="45000" lIns="90000" rIns="90000" tIns="45000"/>
+          <a:bodyPr lIns="90000" tIns="45000" rIns="90000" bIns="45000" anchor="ctr"/>
+          <a:lstStyle/>
           <a:p>
             <a:pPr>
               <a:lnSpc>
@@ -3463,7 +5660,7 @@
       </p:sp>
       <p:sp>
         <p:nvSpPr>
-          <p:cNvPr id="78" name="CustomShape 2"/>
+          <p:cNvPr id="81" name="CustomShape 2"/>
           <p:cNvSpPr/>
           <p:nvPr/>
         </p:nvSpPr>
@@ -3477,7 +5674,8 @@
           </a:prstGeom>
         </p:spPr>
         <p:txBody>
-          <a:bodyPr bIns="45000" lIns="90000" rIns="90000" tIns="45000"/>
+          <a:bodyPr lIns="90000" tIns="45000" rIns="90000" bIns="45000"/>
+          <a:lstStyle/>
           <a:p>
             <a:pPr>
               <a:lnSpc>
@@ -3493,41 +5691,79 @@
                 </a:solidFill>
                 <a:latin typeface="Calibri"/>
               </a:rPr>
-              <a:t>When two or more different declarations are specified for a single name in the same scope, that name is said to be overloaded.(ISO14882, chs 13)</a:t>
-            </a:r>
-            <a:endParaRPr/>
-          </a:p>
-        </p:txBody>
-      </p:sp>
-      <p:pic>
-        <p:nvPicPr>
-          <p:cNvPr descr="" id="79" name="Picture 3"/>
-          <p:cNvPicPr/>
-          <p:nvPr/>
-        </p:nvPicPr>
-        <p:blipFill>
-          <a:blip r:embed="rId1"/>
-          <a:stretch>
-            <a:fillRect/>
-          </a:stretch>
-        </p:blipFill>
-        <p:spPr>
-          <a:xfrm>
-            <a:off x="1280880" y="3242520"/>
-            <a:ext cx="5995080" cy="1752120"/>
-          </a:xfrm>
-          <a:prstGeom prst="rect">
-            <a:avLst/>
-          </a:prstGeom>
-        </p:spPr>
-      </p:pic>
+              <a:t>C++ allows overloading of all function names and nearly all operators that handle user-defined types.</a:t>
+            </a:r>
+            <a:endParaRPr/>
+          </a:p>
+          <a:p>
+            <a:pPr>
+              <a:lnSpc>
+                <a:spcPct val="90000"/>
+              </a:lnSpc>
+              <a:buFont typeface="Arial"/>
+              <a:buChar char="•"/>
+            </a:pPr>
+            <a:r>
+              <a:rPr lang="en-US" sz="2800">
+                <a:solidFill>
+                  <a:srgbClr val="000000"/>
+                </a:solidFill>
+                <a:latin typeface="Calibri"/>
+              </a:rPr>
+              <a:t> You may not overload:</a:t>
+            </a:r>
+            <a:endParaRPr/>
+          </a:p>
+          <a:p>
+            <a:pPr lvl="1">
+              <a:lnSpc>
+                <a:spcPct val="100000"/>
+              </a:lnSpc>
+              <a:buFont typeface="Arial"/>
+              <a:buChar char="•"/>
+            </a:pPr>
+            <a:r>
+              <a:rPr lang="en-US" sz="2400">
+                <a:solidFill>
+                  <a:srgbClr val="000000"/>
+                </a:solidFill>
+                <a:latin typeface="Calibri"/>
+              </a:rPr>
+              <a:t>the scope resolution operator ::</a:t>
+            </a:r>
+            <a:endParaRPr/>
+          </a:p>
+          <a:p>
+            <a:pPr lvl="1">
+              <a:lnSpc>
+                <a:spcPct val="100000"/>
+              </a:lnSpc>
+              <a:buFont typeface="Arial"/>
+              <a:buChar char="•"/>
+            </a:pPr>
+            <a:r>
+              <a:rPr lang="en-US" sz="2400">
+                <a:solidFill>
+                  <a:srgbClr val="000000"/>
+                </a:solidFill>
+                <a:latin typeface="Calibri"/>
+              </a:rPr>
+              <a:t>the member selection (dot) operator .</a:t>
+            </a:r>
+            <a:endParaRPr/>
+          </a:p>
+        </p:txBody>
+      </p:sp>
     </p:spTree>
   </p:cSld>
+  <p:clrMapOvr>
+    <a:masterClrMapping/>
+  </p:clrMapOvr>
 </p:sld>
 </file>
 
-<file path=ppt/slides/slide4.xml><?xml version="1.0" encoding="utf-8"?>
-<p:sld xmlns:a="http://schemas.openxmlformats.org/drawingml/2006/main" xmlns:p="http://schemas.openxmlformats.org/presentationml/2006/main" xmlns:r="http://schemas.openxmlformats.org/officeDocument/2006/relationships">
+<file path=ppt/slides/slide5.xml><?xml version="1.0" encoding="utf-8"?>
+<p:sld xmlns:a="http://schemas.openxmlformats.org/drawingml/2006/main" xmlns:r="http://schemas.openxmlformats.org/officeDocument/2006/relationships" xmlns:p="http://schemas.openxmlformats.org/presentationml/2006/main">
   <p:cSld>
     <p:spTree>
       <p:nvGrpSpPr>
@@ -3545,7 +5781,7 @@
       </p:grpSpPr>
       <p:sp>
         <p:nvSpPr>
-          <p:cNvPr id="80" name="CustomShape 1"/>
+          <p:cNvPr id="82" name="CustomShape 1"/>
           <p:cNvSpPr/>
           <p:nvPr/>
         </p:nvSpPr>
@@ -3559,7 +5795,8 @@
           </a:prstGeom>
         </p:spPr>
         <p:txBody>
-          <a:bodyPr anchor="ctr" bIns="45000" lIns="90000" rIns="90000" tIns="45000"/>
+          <a:bodyPr lIns="90000" tIns="45000" rIns="90000" bIns="45000" anchor="ctr"/>
+          <a:lstStyle/>
           <a:p>
             <a:pPr>
               <a:lnSpc>
@@ -3573,111 +5810,66 @@
                 </a:solidFill>
                 <a:latin typeface="Calibri Light"/>
               </a:rPr>
-              <a:t>Function &amp; Operator Overloading</a:t>
-            </a:r>
-            <a:endParaRPr/>
-          </a:p>
-        </p:txBody>
-      </p:sp>
-      <p:sp>
-        <p:nvSpPr>
-          <p:cNvPr id="81" name="CustomShape 2"/>
+              <a:t>Question#1 for overloading</a:t>
+            </a:r>
+            <a:endParaRPr/>
+          </a:p>
+        </p:txBody>
+      </p:sp>
+      <p:pic>
+        <p:nvPicPr>
+          <p:cNvPr id="83" name="Content Placeholder 3"/>
+          <p:cNvPicPr/>
+          <p:nvPr/>
+        </p:nvPicPr>
+        <p:blipFill>
+          <a:blip r:embed="rId2"/>
+          <a:stretch>
+            <a:fillRect/>
+          </a:stretch>
+        </p:blipFill>
+        <p:spPr>
+          <a:xfrm>
+            <a:off x="1139040" y="1987920"/>
+            <a:ext cx="5758200" cy="3234600"/>
+          </a:xfrm>
+          <a:prstGeom prst="rect">
+            <a:avLst/>
+          </a:prstGeom>
+        </p:spPr>
+      </p:pic>
+      <p:sp>
+        <p:nvSpPr>
+          <p:cNvPr id="84" name="CustomShape 2"/>
           <p:cNvSpPr/>
           <p:nvPr/>
         </p:nvSpPr>
         <p:spPr>
           <a:xfrm>
-            <a:off x="838080" y="1825560"/>
-            <a:ext cx="10514520" cy="4350240"/>
-          </a:xfrm>
-          <a:prstGeom prst="rect">
-            <a:avLst/>
-          </a:prstGeom>
-        </p:spPr>
-        <p:txBody>
-          <a:bodyPr bIns="45000" lIns="90000" rIns="90000" tIns="45000"/>
+            <a:off x="970560" y="5520960"/>
+            <a:ext cx="7530480" cy="637560"/>
+          </a:xfrm>
+          <a:prstGeom prst="rect">
+            <a:avLst/>
+          </a:prstGeom>
+        </p:spPr>
+        <p:txBody>
+          <a:bodyPr lIns="90000" tIns="45000" rIns="90000" bIns="45000"/>
+          <a:lstStyle/>
           <a:p>
             <a:pPr>
               <a:lnSpc>
-                <a:spcPct val="90000"/>
+                <a:spcPct val="100000"/>
               </a:lnSpc>
-              <a:buFont typeface="Arial"/>
-              <a:buChar char="•"/>
             </a:pPr>
             <a:r>
-              <a:rPr lang="en-US" sz="2800">
+              <a:rPr lang="en-US">
                 <a:solidFill>
                   <a:srgbClr val="000000"/>
                 </a:solidFill>
                 <a:latin typeface="Calibri"/>
               </a:rPr>
-              <a:t>C++ allows overloading of all function names and nearly all operators that handle user-defined types.</a:t>
-            </a:r>
-            <a:endParaRPr/>
-          </a:p>
-          <a:p>
-            <a:pPr>
-              <a:lnSpc>
-                <a:spcPct val="90000"/>
-              </a:lnSpc>
-              <a:buFont typeface="Arial"/>
-              <a:buChar char="•"/>
-            </a:pPr>
-            <a:r>
-              <a:rPr lang="en-US" sz="2800">
-                <a:solidFill>
-                  <a:srgbClr val="000000"/>
-                </a:solidFill>
-                <a:latin typeface="Calibri"/>
-              </a:rPr>
-              <a:t> </a:t>
-            </a:r>
-            <a:r>
-              <a:rPr lang="en-US" sz="2800">
-                <a:solidFill>
-                  <a:srgbClr val="000000"/>
-                </a:solidFill>
-                <a:latin typeface="Calibri"/>
-              </a:rPr>
-              <a:t>You may not overload:</a:t>
-            </a:r>
-            <a:endParaRPr/>
-          </a:p>
-          <a:p>
-            <a:pPr lvl="1">
-              <a:lnSpc>
-                <a:spcPct val="100000"/>
-              </a:lnSpc>
-              <a:buFont typeface="Arial"/>
-              <a:buChar char="•"/>
-            </a:pPr>
-            <a:r>
-              <a:rPr lang="en-US" sz="2400">
-                <a:solidFill>
-                  <a:srgbClr val="000000"/>
-                </a:solidFill>
-                <a:latin typeface="Calibri"/>
-              </a:rPr>
-              <a:t>the scope resolution operator ::</a:t>
-            </a:r>
-            <a:endParaRPr/>
-          </a:p>
-          <a:p>
-            <a:pPr lvl="1">
-              <a:lnSpc>
-                <a:spcPct val="100000"/>
-              </a:lnSpc>
-              <a:buFont typeface="Arial"/>
-              <a:buChar char="•"/>
-            </a:pPr>
-            <a:r>
-              <a:rPr lang="en-US" sz="2400">
-                <a:solidFill>
-                  <a:srgbClr val="000000"/>
-                </a:solidFill>
-                <a:latin typeface="Calibri"/>
-              </a:rPr>
-              <a:t>the member selection (dot) operator .</a:t>
+              <a:t>https://github.com/Morpheusou/TCPL/blob/master/chapter12/12.3.1_1.cpp</a:t>
             </a:r>
             <a:endParaRPr/>
           </a:p>
@@ -3685,11 +5877,14 @@
       </p:sp>
     </p:spTree>
   </p:cSld>
+  <p:clrMapOvr>
+    <a:masterClrMapping/>
+  </p:clrMapOvr>
 </p:sld>
 </file>
 
-<file path=ppt/slides/slide5.xml><?xml version="1.0" encoding="utf-8"?>
-<p:sld xmlns:a="http://schemas.openxmlformats.org/drawingml/2006/main" xmlns:p="http://schemas.openxmlformats.org/presentationml/2006/main" xmlns:r="http://schemas.openxmlformats.org/officeDocument/2006/relationships">
+<file path=ppt/slides/slide6.xml><?xml version="1.0" encoding="utf-8"?>
+<p:sld xmlns:a="http://schemas.openxmlformats.org/drawingml/2006/main" xmlns:r="http://schemas.openxmlformats.org/officeDocument/2006/relationships" xmlns:p="http://schemas.openxmlformats.org/presentationml/2006/main">
   <p:cSld>
     <p:spTree>
       <p:nvGrpSpPr>
@@ -3707,7 +5902,7 @@
       </p:grpSpPr>
       <p:sp>
         <p:nvSpPr>
-          <p:cNvPr id="82" name="CustomShape 1"/>
+          <p:cNvPr id="85" name="CustomShape 1"/>
           <p:cNvSpPr/>
           <p:nvPr/>
         </p:nvSpPr>
@@ -3721,7 +5916,8 @@
           </a:prstGeom>
         </p:spPr>
         <p:txBody>
-          <a:bodyPr anchor="ctr" bIns="45000" lIns="90000" rIns="90000" tIns="45000"/>
+          <a:bodyPr lIns="90000" tIns="45000" rIns="90000" bIns="45000" anchor="ctr"/>
+          <a:lstStyle/>
           <a:p>
             <a:pPr>
               <a:lnSpc>
@@ -3735,28 +5931,44 @@
                 </a:solidFill>
                 <a:latin typeface="Calibri Light"/>
               </a:rPr>
-              <a:t>Question#1 for overloading</a:t>
-            </a:r>
-            <a:endParaRPr/>
-          </a:p>
-        </p:txBody>
+              <a:t>Question#2 for overloading</a:t>
+            </a:r>
+            <a:endParaRPr/>
+          </a:p>
+        </p:txBody>
+      </p:sp>
+      <p:sp>
+        <p:nvSpPr>
+          <p:cNvPr id="86" name="CustomShape 2"/>
+          <p:cNvSpPr/>
+          <p:nvPr/>
+        </p:nvSpPr>
+        <p:spPr>
+          <a:xfrm>
+            <a:off x="838080" y="1825560"/>
+            <a:ext cx="10514520" cy="4350240"/>
+          </a:xfrm>
+          <a:prstGeom prst="rect">
+            <a:avLst/>
+          </a:prstGeom>
+        </p:spPr>
       </p:sp>
       <p:pic>
         <p:nvPicPr>
-          <p:cNvPr descr="" id="83" name="Content Placeholder 3"/>
+          <p:cNvPr id="87" name="Picture 4"/>
           <p:cNvPicPr/>
           <p:nvPr/>
         </p:nvPicPr>
         <p:blipFill>
-          <a:blip r:embed="rId1"/>
+          <a:blip r:embed="rId2"/>
           <a:stretch>
             <a:fillRect/>
           </a:stretch>
         </p:blipFill>
         <p:spPr>
           <a:xfrm>
-            <a:off x="1139040" y="1987920"/>
-            <a:ext cx="5758200" cy="3234600"/>
+            <a:off x="1014840" y="1825560"/>
+            <a:ext cx="7470360" cy="4466880"/>
           </a:xfrm>
           <a:prstGeom prst="rect">
             <a:avLst/>
@@ -3765,21 +5977,22 @@
       </p:pic>
       <p:sp>
         <p:nvSpPr>
-          <p:cNvPr id="84" name="CustomShape 2"/>
+          <p:cNvPr id="88" name="CustomShape 3"/>
           <p:cNvSpPr/>
           <p:nvPr/>
         </p:nvSpPr>
         <p:spPr>
           <a:xfrm>
-            <a:off x="970560" y="5520960"/>
-            <a:ext cx="7530480" cy="637560"/>
-          </a:xfrm>
-          <a:prstGeom prst="rect">
-            <a:avLst/>
-          </a:prstGeom>
-        </p:spPr>
-        <p:txBody>
-          <a:bodyPr bIns="45000" lIns="90000" rIns="90000" tIns="45000"/>
+            <a:off x="838080" y="6293520"/>
+            <a:ext cx="7647120" cy="637560"/>
+          </a:xfrm>
+          <a:prstGeom prst="rect">
+            <a:avLst/>
+          </a:prstGeom>
+        </p:spPr>
+        <p:txBody>
+          <a:bodyPr lIns="90000" tIns="45000" rIns="90000" bIns="45000"/>
+          <a:lstStyle/>
           <a:p>
             <a:pPr>
               <a:lnSpc>
@@ -3793,7 +6006,7 @@
                 </a:solidFill>
                 <a:latin typeface="Calibri"/>
               </a:rPr>
-              <a:t>https://github.com/Morpheusou/TCPL/blob/master/chapter12/12.3.1_1.cpp</a:t>
+              <a:t>https://github.com/Morpheusou/TCPL/blob/master/chapter12/ambiguous.cpp</a:t>
             </a:r>
             <a:endParaRPr/>
           </a:p>
@@ -3801,11 +6014,14 @@
       </p:sp>
     </p:spTree>
   </p:cSld>
+  <p:clrMapOvr>
+    <a:masterClrMapping/>
+  </p:clrMapOvr>
 </p:sld>
 </file>
 
-<file path=ppt/slides/slide6.xml><?xml version="1.0" encoding="utf-8"?>
-<p:sld xmlns:a="http://schemas.openxmlformats.org/drawingml/2006/main" xmlns:p="http://schemas.openxmlformats.org/presentationml/2006/main" xmlns:r="http://schemas.openxmlformats.org/officeDocument/2006/relationships">
+<file path=ppt/slides/slide7.xml><?xml version="1.0" encoding="utf-8"?>
+<p:sld xmlns:a="http://schemas.openxmlformats.org/drawingml/2006/main" xmlns:r="http://schemas.openxmlformats.org/officeDocument/2006/relationships" xmlns:p="http://schemas.openxmlformats.org/presentationml/2006/main">
   <p:cSld>
     <p:spTree>
       <p:nvGrpSpPr>
@@ -3823,7 +6039,7 @@
       </p:grpSpPr>
       <p:sp>
         <p:nvSpPr>
-          <p:cNvPr id="85" name="CustomShape 1"/>
+          <p:cNvPr id="89" name="CustomShape 1"/>
           <p:cNvSpPr/>
           <p:nvPr/>
         </p:nvSpPr>
@@ -3837,7 +6053,8 @@
           </a:prstGeom>
         </p:spPr>
         <p:txBody>
-          <a:bodyPr anchor="ctr" bIns="45000" lIns="90000" rIns="90000" tIns="45000"/>
+          <a:bodyPr lIns="90000" tIns="45000" rIns="90000" bIns="45000" anchor="ctr"/>
+          <a:lstStyle/>
           <a:p>
             <a:pPr>
               <a:lnSpc>
@@ -3851,81 +6068,103 @@
                 </a:solidFill>
                 <a:latin typeface="Calibri Light"/>
               </a:rPr>
-              <a:t>Question#2 for overloading</a:t>
-            </a:r>
-            <a:endParaRPr/>
-          </a:p>
-        </p:txBody>
-      </p:sp>
-      <p:sp>
-        <p:nvSpPr>
-          <p:cNvPr id="86" name="CustomShape 2"/>
+              <a:t>C++ class/struct-definition</a:t>
+            </a:r>
+            <a:endParaRPr/>
+          </a:p>
+        </p:txBody>
+      </p:sp>
+      <p:sp>
+        <p:nvSpPr>
+          <p:cNvPr id="90" name="CustomShape 2"/>
           <p:cNvSpPr/>
           <p:nvPr/>
         </p:nvSpPr>
         <p:spPr>
           <a:xfrm>
-            <a:off x="838080" y="1825560"/>
+            <a:off x="838080" y="1825920"/>
             <a:ext cx="10514520" cy="4350240"/>
           </a:xfrm>
           <a:prstGeom prst="rect">
             <a:avLst/>
           </a:prstGeom>
         </p:spPr>
-      </p:sp>
-      <p:pic>
-        <p:nvPicPr>
-          <p:cNvPr descr="" id="87" name="Picture 4"/>
-          <p:cNvPicPr/>
-          <p:nvPr/>
-        </p:nvPicPr>
-        <p:blipFill>
-          <a:blip r:embed="rId1"/>
-          <a:stretch>
-            <a:fillRect/>
-          </a:stretch>
-        </p:blipFill>
-        <p:spPr>
-          <a:xfrm>
-            <a:off x="1014840" y="1825560"/>
-            <a:ext cx="7470360" cy="4466880"/>
-          </a:xfrm>
-          <a:prstGeom prst="rect">
-            <a:avLst/>
-          </a:prstGeom>
-        </p:spPr>
-      </p:pic>
-      <p:sp>
-        <p:nvSpPr>
-          <p:cNvPr id="88" name="CustomShape 3"/>
-          <p:cNvSpPr/>
-          <p:nvPr/>
-        </p:nvSpPr>
-        <p:spPr>
-          <a:xfrm>
-            <a:off x="838080" y="6293520"/>
-            <a:ext cx="7647120" cy="637560"/>
-          </a:xfrm>
-          <a:prstGeom prst="rect">
-            <a:avLst/>
-          </a:prstGeom>
-        </p:spPr>
-        <p:txBody>
-          <a:bodyPr bIns="45000" lIns="90000" rIns="90000" tIns="45000"/>
+        <p:txBody>
+          <a:bodyPr lIns="90000" tIns="45000" rIns="90000" bIns="45000"/>
+          <a:lstStyle/>
           <a:p>
             <a:pPr>
               <a:lnSpc>
-                <a:spcPct val="100000"/>
+                <a:spcPct val="90000"/>
               </a:lnSpc>
+              <a:buFont typeface="Arial"/>
+              <a:buChar char="•"/>
             </a:pPr>
             <a:r>
-              <a:rPr lang="en-US">
+              <a:rPr lang="en-US" sz="2800">
                 <a:solidFill>
                   <a:srgbClr val="000000"/>
                 </a:solidFill>
                 <a:latin typeface="Calibri"/>
               </a:rPr>
-              <a:t>https://github.com/Morpheusou/TCPL/blob/master/chapter12/ambiguous.cpp</a:t>
+              <a:t>[BS] A class is a user-defined type provided to represent a concept in the code of program.</a:t>
+            </a:r>
+            <a:endParaRPr/>
+          </a:p>
+          <a:p>
+            <a:pPr>
+              <a:lnSpc>
+                <a:spcPct val="90000"/>
+              </a:lnSpc>
+            </a:pPr>
+            <a:endParaRPr/>
+          </a:p>
+        </p:txBody>
+      </p:sp>
+      <p:pic>
+        <p:nvPicPr>
+          <p:cNvPr id="91" name="Picture 90"/>
+          <p:cNvPicPr/>
+          <p:nvPr/>
+        </p:nvPicPr>
+        <p:blipFill>
+          <a:blip r:embed="rId3"/>
+          <a:stretch>
+            <a:fillRect/>
+          </a:stretch>
+        </p:blipFill>
+        <p:spPr>
+          <a:xfrm>
+            <a:off x="1069200" y="3017520"/>
+            <a:ext cx="8257320" cy="2094840"/>
+          </a:xfrm>
+          <a:prstGeom prst="rect">
+            <a:avLst/>
+          </a:prstGeom>
+        </p:spPr>
+      </p:pic>
+      <p:sp>
+        <p:nvSpPr>
+          <p:cNvPr id="92" name="TextShape 3"/>
+          <p:cNvSpPr txBox="1"/>
+          <p:nvPr/>
+        </p:nvSpPr>
+        <p:spPr>
+          <a:xfrm>
+            <a:off x="1088640" y="5303520"/>
+            <a:ext cx="6866640" cy="346680"/>
+          </a:xfrm>
+          <a:prstGeom prst="rect">
+            <a:avLst/>
+          </a:prstGeom>
+        </p:spPr>
+        <p:txBody>
+          <a:bodyPr wrap="none" lIns="90000" tIns="45000" rIns="90000" bIns="45000"/>
+          <a:lstStyle/>
+          <a:p>
+            <a:r>
+              <a:rPr lang="en-US"/>
+              <a:t>https://github.com/Morpheusou/TCPL/blob/master/demo/class.cpp</a:t>
             </a:r>
             <a:endParaRPr/>
           </a:p>
@@ -3933,11 +6172,14 @@
       </p:sp>
     </p:spTree>
   </p:cSld>
+  <p:clrMapOvr>
+    <a:masterClrMapping/>
+  </p:clrMapOvr>
 </p:sld>
 </file>
 
-<file path=ppt/slides/slide7.xml><?xml version="1.0" encoding="utf-8"?>
-<p:sld xmlns:a="http://schemas.openxmlformats.org/drawingml/2006/main" xmlns:p="http://schemas.openxmlformats.org/presentationml/2006/main" xmlns:r="http://schemas.openxmlformats.org/officeDocument/2006/relationships">
+<file path=ppt/slides/slide8.xml><?xml version="1.0" encoding="utf-8"?>
+<p:sld xmlns:a="http://schemas.openxmlformats.org/drawingml/2006/main" xmlns:r="http://schemas.openxmlformats.org/officeDocument/2006/relationships" xmlns:p="http://schemas.openxmlformats.org/presentationml/2006/main">
   <p:cSld>
     <p:spTree>
       <p:nvGrpSpPr>
@@ -3955,7 +6197,7 @@
       </p:grpSpPr>
       <p:sp>
         <p:nvSpPr>
-          <p:cNvPr id="89" name="CustomShape 1"/>
+          <p:cNvPr id="93" name="CustomShape 1"/>
           <p:cNvSpPr/>
           <p:nvPr/>
         </p:nvSpPr>
@@ -3969,7 +6211,8 @@
           </a:prstGeom>
         </p:spPr>
         <p:txBody>
-          <a:bodyPr anchor="ctr" bIns="45000" lIns="90000" rIns="90000" tIns="45000"/>
+          <a:bodyPr lIns="90000" tIns="45000" rIns="90000" bIns="45000" anchor="ctr"/>
+          <a:lstStyle/>
           <a:p>
             <a:pPr>
               <a:lnSpc>
@@ -3983,74 +6226,28 @@
                 </a:solidFill>
                 <a:latin typeface="Calibri Light"/>
               </a:rPr>
-              <a:t>C++ class/struct-definition</a:t>
-            </a:r>
-            <a:endParaRPr/>
-          </a:p>
-        </p:txBody>
-      </p:sp>
-      <p:sp>
-        <p:nvSpPr>
-          <p:cNvPr id="90" name="CustomShape 2"/>
-          <p:cNvSpPr/>
-          <p:nvPr/>
-        </p:nvSpPr>
-        <p:spPr>
-          <a:xfrm>
-            <a:off x="838080" y="1825920"/>
-            <a:ext cx="10514520" cy="4350240"/>
-          </a:xfrm>
-          <a:prstGeom prst="rect">
-            <a:avLst/>
-          </a:prstGeom>
-        </p:spPr>
-        <p:txBody>
-          <a:bodyPr bIns="45000" lIns="90000" rIns="90000" tIns="45000"/>
-          <a:p>
-            <a:pPr>
-              <a:lnSpc>
-                <a:spcPct val="90000"/>
-              </a:lnSpc>
-              <a:buFont typeface="Arial"/>
-              <a:buChar char="•"/>
-            </a:pPr>
-            <a:r>
-              <a:rPr lang="en-US" sz="2800">
-                <a:solidFill>
-                  <a:srgbClr val="000000"/>
-                </a:solidFill>
-                <a:latin typeface="Calibri"/>
-              </a:rPr>
-              <a:t>[BS] A class is a user-defined type provided to represent a concept in the code of program.</a:t>
-            </a:r>
-            <a:endParaRPr/>
-          </a:p>
-          <a:p>
-            <a:pPr>
-              <a:lnSpc>
-                <a:spcPct val="90000"/>
-              </a:lnSpc>
-            </a:pPr>
+              <a:t>Puzzle#1 class/struct</a:t>
+            </a:r>
             <a:endParaRPr/>
           </a:p>
         </p:txBody>
       </p:sp>
       <p:pic>
         <p:nvPicPr>
-          <p:cNvPr descr="" id="91" name=""/>
+          <p:cNvPr id="94" name="Picture 93"/>
           <p:cNvPicPr/>
           <p:nvPr/>
         </p:nvPicPr>
         <p:blipFill>
-          <a:blip r:embed="rId1"/>
+          <a:blip r:embed="rId2"/>
           <a:stretch>
             <a:fillRect/>
           </a:stretch>
         </p:blipFill>
         <p:spPr>
           <a:xfrm>
-            <a:off x="1069200" y="3017520"/>
-            <a:ext cx="8257320" cy="2094840"/>
+            <a:off x="1017720" y="2377440"/>
+            <a:ext cx="7943040" cy="942120"/>
           </a:xfrm>
           <a:prstGeom prst="rect">
             <a:avLst/>
@@ -4059,13 +6256,13 @@
       </p:pic>
       <p:sp>
         <p:nvSpPr>
-          <p:cNvPr id="92" name="TextShape 3"/>
+          <p:cNvPr id="95" name="TextShape 2"/>
           <p:cNvSpPr txBox="1"/>
           <p:nvPr/>
         </p:nvSpPr>
         <p:spPr>
           <a:xfrm>
-            <a:off x="1088640" y="5303520"/>
+            <a:off x="1088640" y="3629160"/>
             <a:ext cx="6866640" cy="346680"/>
           </a:xfrm>
           <a:prstGeom prst="rect">
@@ -4073,7 +6270,8 @@
           </a:prstGeom>
         </p:spPr>
         <p:txBody>
-          <a:bodyPr bIns="45000" lIns="90000" rIns="90000" tIns="45000" wrap="none"/>
+          <a:bodyPr wrap="none" lIns="90000" tIns="45000" rIns="90000" bIns="45000"/>
+          <a:lstStyle/>
           <a:p>
             <a:r>
               <a:rPr lang="en-US"/>
@@ -4085,11 +6283,14 @@
       </p:sp>
     </p:spTree>
   </p:cSld>
+  <p:clrMapOvr>
+    <a:masterClrMapping/>
+  </p:clrMapOvr>
 </p:sld>
 </file>
 
-<file path=ppt/slides/slide8.xml><?xml version="1.0" encoding="utf-8"?>
-<p:sld xmlns:a="http://schemas.openxmlformats.org/drawingml/2006/main" xmlns:p="http://schemas.openxmlformats.org/presentationml/2006/main" xmlns:r="http://schemas.openxmlformats.org/officeDocument/2006/relationships">
+<file path=ppt/slides/slide9.xml><?xml version="1.0" encoding="utf-8"?>
+<p:sld xmlns:a="http://schemas.openxmlformats.org/drawingml/2006/main" xmlns:r="http://schemas.openxmlformats.org/officeDocument/2006/relationships" xmlns:p="http://schemas.openxmlformats.org/presentationml/2006/main">
   <p:cSld>
     <p:spTree>
       <p:nvGrpSpPr>
@@ -4107,112 +6308,6 @@
       </p:grpSpPr>
       <p:sp>
         <p:nvSpPr>
-          <p:cNvPr id="93" name="CustomShape 1"/>
-          <p:cNvSpPr/>
-          <p:nvPr/>
-        </p:nvSpPr>
-        <p:spPr>
-          <a:xfrm>
-            <a:off x="838080" y="365040"/>
-            <a:ext cx="10514520" cy="1324440"/>
-          </a:xfrm>
-          <a:prstGeom prst="rect">
-            <a:avLst/>
-          </a:prstGeom>
-        </p:spPr>
-        <p:txBody>
-          <a:bodyPr anchor="ctr" bIns="45000" lIns="90000" rIns="90000" tIns="45000"/>
-          <a:p>
-            <a:pPr>
-              <a:lnSpc>
-                <a:spcPct val="90000"/>
-              </a:lnSpc>
-            </a:pPr>
-            <a:r>
-              <a:rPr lang="en-US" sz="4400">
-                <a:solidFill>
-                  <a:srgbClr val="000000"/>
-                </a:solidFill>
-                <a:latin typeface="Calibri Light"/>
-              </a:rPr>
-              <a:t>Puzzle#1 class/struct</a:t>
-            </a:r>
-            <a:endParaRPr/>
-          </a:p>
-        </p:txBody>
-      </p:sp>
-      <p:pic>
-        <p:nvPicPr>
-          <p:cNvPr descr="" id="94" name=""/>
-          <p:cNvPicPr/>
-          <p:nvPr/>
-        </p:nvPicPr>
-        <p:blipFill>
-          <a:blip r:embed="rId1"/>
-          <a:stretch>
-            <a:fillRect/>
-          </a:stretch>
-        </p:blipFill>
-        <p:spPr>
-          <a:xfrm>
-            <a:off x="1017720" y="2377440"/>
-            <a:ext cx="7943040" cy="942120"/>
-          </a:xfrm>
-          <a:prstGeom prst="rect">
-            <a:avLst/>
-          </a:prstGeom>
-        </p:spPr>
-      </p:pic>
-      <p:sp>
-        <p:nvSpPr>
-          <p:cNvPr id="95" name="TextShape 2"/>
-          <p:cNvSpPr txBox="1"/>
-          <p:nvPr/>
-        </p:nvSpPr>
-        <p:spPr>
-          <a:xfrm>
-            <a:off x="1088640" y="3629160"/>
-            <a:ext cx="6866640" cy="346680"/>
-          </a:xfrm>
-          <a:prstGeom prst="rect">
-            <a:avLst/>
-          </a:prstGeom>
-        </p:spPr>
-        <p:txBody>
-          <a:bodyPr bIns="45000" lIns="90000" rIns="90000" tIns="45000" wrap="none"/>
-          <a:p>
-            <a:r>
-              <a:rPr lang="en-US"/>
-              <a:t>https://github.com/Morpheusou/TCPL/blob/master/demo/class.cpp</a:t>
-            </a:r>
-            <a:endParaRPr/>
-          </a:p>
-        </p:txBody>
-      </p:sp>
-    </p:spTree>
-  </p:cSld>
-</p:sld>
-</file>
-
-<file path=ppt/slides/slide9.xml><?xml version="1.0" encoding="utf-8"?>
-<p:sld xmlns:a="http://schemas.openxmlformats.org/drawingml/2006/main" xmlns:p="http://schemas.openxmlformats.org/presentationml/2006/main" xmlns:r="http://schemas.openxmlformats.org/officeDocument/2006/relationships">
-  <p:cSld>
-    <p:spTree>
-      <p:nvGrpSpPr>
-        <p:cNvPr id="1" name=""/>
-        <p:cNvGrpSpPr/>
-        <p:nvPr/>
-      </p:nvGrpSpPr>
-      <p:grpSpPr>
-        <a:xfrm>
-          <a:off x="0" y="0"/>
-          <a:ext cx="0" cy="0"/>
-          <a:chOff x="0" y="0"/>
-          <a:chExt cx="0" cy="0"/>
-        </a:xfrm>
-      </p:grpSpPr>
-      <p:sp>
-        <p:nvSpPr>
           <p:cNvPr id="96" name="CustomShape 1"/>
           <p:cNvSpPr/>
           <p:nvPr/>
@@ -4227,7 +6322,8 @@
           </a:prstGeom>
         </p:spPr>
         <p:txBody>
-          <a:bodyPr anchor="ctr" bIns="45000" lIns="90000" rIns="90000" tIns="45000"/>
+          <a:bodyPr lIns="90000" tIns="45000" rIns="90000" bIns="45000" anchor="ctr"/>
+          <a:lstStyle/>
           <a:p>
             <a:pPr>
               <a:lnSpc>
@@ -4249,12 +6345,12 @@
       </p:sp>
       <p:pic>
         <p:nvPicPr>
-          <p:cNvPr descr="" id="97" name=""/>
+          <p:cNvPr id="97" name="Picture 96"/>
           <p:cNvPicPr/>
           <p:nvPr/>
         </p:nvPicPr>
         <p:blipFill>
-          <a:blip r:embed="rId1"/>
+          <a:blip r:embed="rId2"/>
           <a:stretch>
             <a:fillRect/>
           </a:stretch>
@@ -4285,7 +6381,8 @@
           </a:prstGeom>
         </p:spPr>
         <p:txBody>
-          <a:bodyPr bIns="45000" lIns="90000" rIns="90000" tIns="45000" wrap="none"/>
+          <a:bodyPr wrap="none" lIns="90000" tIns="45000" rIns="90000" bIns="45000"/>
+          <a:lstStyle/>
           <a:p>
             <a:r>
               <a:rPr lang="en-US"/>
@@ -4297,24 +6394,31 @@
       </p:sp>
     </p:spTree>
   </p:cSld>
+  <p:clrMapOvr>
+    <a:masterClrMapping/>
+  </p:clrMapOvr>
   <p:timing>
     <p:tnLst>
       <p:par>
-        <p:cTn dur="indefinite" id="3" nodeType="tmRoot" restart="never">
+        <p:cTn id="1" dur="indefinite" restart="never" nodeType="tmRoot">
           <p:childTnLst>
             <p:seq>
-              <p:cTn id="4" nodeType="mainSeq">
-                <p:childTnLst/>
+              <p:cTn id="2" nodeType="mainSeq">
+                <p:childTnLst>
+                  <p:par>
+                    <p:cTn id="3"/>
+                  </p:par>
+                </p:childTnLst>
               </p:cTn>
               <p:prevCondLst>
-                <p:cond delay="0" evt="onPrev">
+                <p:cond evt="onPrev" delay="0">
                   <p:tgtEl>
                     <p:sldTgt/>
                   </p:tgtEl>
                 </p:cond>
               </p:prevCondLst>
               <p:nextCondLst>
-                <p:cond delay="0" evt="onNext">
+                <p:cond evt="onNext" delay="0">
                   <p:tgtEl>
                     <p:sldTgt/>
                   </p:tgtEl>
@@ -4549,6 +6653,8 @@
       </a:bgFillStyleLst>
     </a:fmtScheme>
   </a:themeElements>
+  <a:objectDefaults/>
+  <a:extraClrSchemeLst/>
 </a:theme>
 </file>
 
@@ -4772,6 +6878,8 @@
       </a:bgFillStyleLst>
     </a:fmtScheme>
   </a:themeElements>
+  <a:objectDefaults/>
+  <a:extraClrSchemeLst/>
 </a:theme>
 </file>
 
@@ -4995,5 +7103,7 @@
       </a:bgFillStyleLst>
     </a:fmtScheme>
   </a:themeElements>
+  <a:objectDefaults/>
+  <a:extraClrSchemeLst/>
 </a:theme>
 </file>
--- a/C++ Presentation.pptx
+++ b/C++ Presentation.pptx
@@ -6,7 +6,7 @@
     <p:sldMasterId id="2147483661" r:id="rId2"/>
   </p:sldMasterIdLst>
   <p:notesMasterIdLst>
-    <p:notesMasterId r:id="rId23"/>
+    <p:notesMasterId r:id="rId48"/>
   </p:notesMasterIdLst>
   <p:sldIdLst>
     <p:sldId id="256" r:id="rId3"/>
@@ -29,6 +29,31 @@
     <p:sldId id="275" r:id="rId20"/>
     <p:sldId id="274" r:id="rId21"/>
     <p:sldId id="267" r:id="rId22"/>
+    <p:sldId id="276" r:id="rId23"/>
+    <p:sldId id="277" r:id="rId24"/>
+    <p:sldId id="278" r:id="rId25"/>
+    <p:sldId id="279" r:id="rId26"/>
+    <p:sldId id="280" r:id="rId27"/>
+    <p:sldId id="281" r:id="rId28"/>
+    <p:sldId id="282" r:id="rId29"/>
+    <p:sldId id="283" r:id="rId30"/>
+    <p:sldId id="284" r:id="rId31"/>
+    <p:sldId id="285" r:id="rId32"/>
+    <p:sldId id="286" r:id="rId33"/>
+    <p:sldId id="287" r:id="rId34"/>
+    <p:sldId id="288" r:id="rId35"/>
+    <p:sldId id="289" r:id="rId36"/>
+    <p:sldId id="290" r:id="rId37"/>
+    <p:sldId id="291" r:id="rId38"/>
+    <p:sldId id="292" r:id="rId39"/>
+    <p:sldId id="293" r:id="rId40"/>
+    <p:sldId id="294" r:id="rId41"/>
+    <p:sldId id="295" r:id="rId42"/>
+    <p:sldId id="296" r:id="rId43"/>
+    <p:sldId id="297" r:id="rId44"/>
+    <p:sldId id="298" r:id="rId45"/>
+    <p:sldId id="299" r:id="rId46"/>
+    <p:sldId id="300" r:id="rId47"/>
   </p:sldIdLst>
   <p:sldSz cx="12192000" cy="6858000"/>
   <p:notesSz cx="7772400" cy="10058400"/>
@@ -127,6 +152,11 @@
       </a:defRPr>
     </a:lvl9pPr>
   </p:defaultTextStyle>
+  <p:extLst>
+    <p:ext uri="{EFAFB233-063F-42B5-8137-9DF3F51BA10A}">
+      <p15:sldGuideLst xmlns:p15="http://schemas.microsoft.com/office/powerpoint/2012/main"/>
+    </p:ext>
+  </p:extLst>
 </p:presentation>
 </file>
 
@@ -4278,92 +4308,6 @@
           <a:chExt cx="0" cy="0"/>
         </a:xfrm>
       </p:grpSpPr>
-      <p:sp>
-        <p:nvSpPr>
-          <p:cNvPr id="2" name="Title 1"/>
-          <p:cNvSpPr>
-            <a:spLocks noGrp="1"/>
-          </p:cNvSpPr>
-          <p:nvPr>
-            <p:ph type="title"/>
-          </p:nvPr>
-        </p:nvSpPr>
-        <p:spPr/>
-        <p:txBody>
-          <a:bodyPr/>
-          <a:lstStyle/>
-          <a:p>
-            <a:r>
-              <a:rPr lang="en-US" altLang="zh-CN" dirty="0" smtClean="0">
-                <a:solidFill>
-                  <a:srgbClr val="000000"/>
-                </a:solidFill>
-                <a:latin typeface="Calibri"/>
-              </a:rPr>
-              <a:t>Singleton</a:t>
-            </a:r>
-            <a:endParaRPr lang="zh-CN" altLang="en-US" dirty="0"/>
-          </a:p>
-        </p:txBody>
-      </p:sp>
-      <p:sp>
-        <p:nvSpPr>
-          <p:cNvPr id="3" name="Subtitle 2"/>
-          <p:cNvSpPr>
-            <a:spLocks noGrp="1"/>
-          </p:cNvSpPr>
-          <p:nvPr>
-            <p:ph type="subTitle"/>
-          </p:nvPr>
-        </p:nvSpPr>
-        <p:spPr/>
-        <p:txBody>
-          <a:bodyPr anchor="t" anchorCtr="0"/>
-          <a:lstStyle/>
-          <a:p>
-            <a:r>
-              <a:rPr lang="en-US" altLang="zh-CN" dirty="0" smtClean="0"/>
-              <a:t>Ensure a class only has one instance</a:t>
-            </a:r>
-          </a:p>
-          <a:p>
-            <a:pPr lvl="1"/>
-            <a:r>
-              <a:rPr lang="en-US" altLang="zh-CN" dirty="0"/>
-              <a:t>s</a:t>
-            </a:r>
-            <a:r>
-              <a:rPr lang="en-US" altLang="zh-CN" dirty="0" smtClean="0"/>
-              <a:t>tatic global variable</a:t>
-            </a:r>
-          </a:p>
-          <a:p>
-            <a:r>
-              <a:rPr lang="en-US" altLang="zh-CN" dirty="0" smtClean="0"/>
-              <a:t>Provide a global point of access to it</a:t>
-            </a:r>
-          </a:p>
-          <a:p>
-            <a:pPr lvl="1"/>
-            <a:r>
-              <a:rPr lang="en-US" altLang="zh-CN" dirty="0" smtClean="0"/>
-              <a:t>File variable – extern vs static</a:t>
-            </a:r>
-          </a:p>
-          <a:p>
-            <a:pPr lvl="1"/>
-            <a:r>
-              <a:rPr lang="en-US" altLang="zh-CN" dirty="0"/>
-              <a:t>e</a:t>
-            </a:r>
-            <a:r>
-              <a:rPr lang="en-US" altLang="zh-CN" dirty="0" smtClean="0"/>
-              <a:t>xtern function</a:t>
-            </a:r>
-            <a:endParaRPr lang="zh-CN" altLang="en-US" dirty="0"/>
-          </a:p>
-        </p:txBody>
-      </p:sp>
       <p:pic>
         <p:nvPicPr>
           <p:cNvPr id="4" name="Picture 3"/>
@@ -4380,7 +4324,7 @@
         </p:blipFill>
         <p:spPr>
           <a:xfrm>
-            <a:off x="609480" y="3832225"/>
+            <a:off x="609480" y="4106885"/>
             <a:ext cx="9998779" cy="1661035"/>
           </a:xfrm>
           <a:prstGeom prst="rect">
@@ -4414,6 +4358,104 @@
               <a:t>https://github.com/Morpheusou/TCPL/blob/master/demo/singleton.cpp</a:t>
             </a:r>
             <a:endParaRPr lang="zh-CN" altLang="en-US" dirty="0"/>
+          </a:p>
+        </p:txBody>
+      </p:sp>
+      <p:sp>
+        <p:nvSpPr>
+          <p:cNvPr id="7" name="Rectangle 6"/>
+          <p:cNvSpPr/>
+          <p:nvPr/>
+        </p:nvSpPr>
+        <p:spPr>
+          <a:xfrm>
+            <a:off x="317380" y="230157"/>
+            <a:ext cx="10083920" cy="1200329"/>
+          </a:xfrm>
+          <a:prstGeom prst="rect">
+            <a:avLst/>
+          </a:prstGeom>
+        </p:spPr>
+        <p:txBody>
+          <a:bodyPr wrap="square">
+            <a:spAutoFit/>
+          </a:bodyPr>
+          <a:lstStyle/>
+          <a:p>
+            <a:pPr marL="285750" indent="-285750">
+              <a:buFont typeface="Arial" panose="020B0604020202020204" pitchFamily="34" charset="0"/>
+              <a:buChar char="•"/>
+            </a:pPr>
+            <a:r>
+              <a:rPr lang="en-US" altLang="zh-CN" dirty="0"/>
+              <a:t>Ensure a class only has one instance</a:t>
+            </a:r>
+          </a:p>
+          <a:p>
+            <a:pPr marL="285750" indent="-285750">
+              <a:buFont typeface="Arial" panose="020B0604020202020204" pitchFamily="34" charset="0"/>
+              <a:buChar char="•"/>
+            </a:pPr>
+            <a:r>
+              <a:rPr lang="en-US" altLang="zh-CN" dirty="0" smtClean="0"/>
+              <a:t>Provide </a:t>
+            </a:r>
+            <a:r>
+              <a:rPr lang="en-US" altLang="zh-CN" dirty="0"/>
+              <a:t>a global point of access to it</a:t>
+            </a:r>
+          </a:p>
+          <a:p>
+            <a:pPr lvl="1"/>
+            <a:r>
+              <a:rPr lang="en-US" altLang="zh-CN" dirty="0"/>
+              <a:t>File variable – extern vs static</a:t>
+            </a:r>
+          </a:p>
+          <a:p>
+            <a:pPr lvl="1"/>
+            <a:r>
+              <a:rPr lang="en-US" altLang="zh-CN" dirty="0"/>
+              <a:t>extern function</a:t>
+            </a:r>
+            <a:endParaRPr lang="zh-CN" altLang="en-US" dirty="0"/>
+          </a:p>
+        </p:txBody>
+      </p:sp>
+      <p:sp>
+        <p:nvSpPr>
+          <p:cNvPr id="8" name="CustomShape 1"/>
+          <p:cNvSpPr/>
+          <p:nvPr/>
+        </p:nvSpPr>
+        <p:spPr>
+          <a:xfrm>
+            <a:off x="0" y="-1368942"/>
+            <a:ext cx="10514520" cy="1324440"/>
+          </a:xfrm>
+          <a:prstGeom prst="rect">
+            <a:avLst/>
+          </a:prstGeom>
+        </p:spPr>
+        <p:txBody>
+          <a:bodyPr lIns="90000" tIns="45000" rIns="90000" bIns="45000" anchor="ctr"/>
+          <a:lstStyle/>
+          <a:p>
+            <a:pPr>
+              <a:lnSpc>
+                <a:spcPct val="90000"/>
+              </a:lnSpc>
+            </a:pPr>
+            <a:r>
+              <a:rPr lang="en-US" sz="4400" dirty="0" smtClean="0">
+                <a:solidFill>
+                  <a:srgbClr val="000000"/>
+                </a:solidFill>
+                <a:latin typeface="Calibri Light"/>
+              </a:rPr>
+              <a:t>Design a singleton</a:t>
+            </a:r>
+            <a:endParaRPr dirty="0"/>
           </a:p>
         </p:txBody>
       </p:sp>
@@ -4758,7 +4800,7 @@
           <a:bodyPr/>
           <a:lstStyle/>
           <a:p>
-            <a:endParaRPr lang="zh-CN" altLang="en-US"/>
+            <a:endParaRPr lang="zh-CN" altLang="en-US" dirty="0"/>
           </a:p>
         </p:txBody>
       </p:sp>
@@ -5481,6 +5523,1064 @@
 </p:sld>
 </file>
 
+<file path=ppt/slides/slide21.xml><?xml version="1.0" encoding="utf-8"?>
+<p:sld xmlns:a="http://schemas.openxmlformats.org/drawingml/2006/main" xmlns:r="http://schemas.openxmlformats.org/officeDocument/2006/relationships" xmlns:p="http://schemas.openxmlformats.org/presentationml/2006/main">
+  <p:cSld>
+    <p:spTree>
+      <p:nvGrpSpPr>
+        <p:cNvPr id="1" name=""/>
+        <p:cNvGrpSpPr/>
+        <p:nvPr/>
+      </p:nvGrpSpPr>
+      <p:grpSpPr>
+        <a:xfrm>
+          <a:off x="0" y="0"/>
+          <a:ext cx="0" cy="0"/>
+          <a:chOff x="0" y="0"/>
+          <a:chExt cx="0" cy="0"/>
+        </a:xfrm>
+      </p:grpSpPr>
+      <p:sp>
+        <p:nvSpPr>
+          <p:cNvPr id="2" name="Title 1"/>
+          <p:cNvSpPr>
+            <a:spLocks noGrp="1"/>
+          </p:cNvSpPr>
+          <p:nvPr>
+            <p:ph type="title"/>
+          </p:nvPr>
+        </p:nvSpPr>
+        <p:spPr/>
+        <p:txBody>
+          <a:bodyPr/>
+          <a:lstStyle/>
+          <a:p>
+            <a:r>
+              <a:rPr lang="zh-CN" altLang="en-US" dirty="0" smtClean="0"/>
+              <a:t>继承</a:t>
+            </a:r>
+            <a:endParaRPr lang="en-US" dirty="0"/>
+          </a:p>
+        </p:txBody>
+      </p:sp>
+      <p:pic>
+        <p:nvPicPr>
+          <p:cNvPr id="4" name="Content Placeholder 3"/>
+          <p:cNvPicPr>
+            <a:picLocks noGrp="1" noChangeAspect="1"/>
+          </p:cNvPicPr>
+          <p:nvPr>
+            <p:ph idx="4294967295"/>
+          </p:nvPr>
+        </p:nvPicPr>
+        <p:blipFill>
+          <a:blip r:embed="rId2"/>
+          <a:srcRect l="766" r="766"/>
+          <a:stretch>
+            <a:fillRect/>
+          </a:stretch>
+        </p:blipFill>
+        <p:spPr>
+          <a:xfrm>
+            <a:off x="1981200" y="1600201"/>
+            <a:ext cx="8229600" cy="4525963"/>
+          </a:xfrm>
+          <a:prstGeom prst="rect">
+            <a:avLst/>
+          </a:prstGeom>
+        </p:spPr>
+      </p:pic>
+    </p:spTree>
+    <p:extLst>
+      <p:ext uri="{BB962C8B-B14F-4D97-AF65-F5344CB8AC3E}">
+        <p14:creationId xmlns:p14="http://schemas.microsoft.com/office/powerpoint/2010/main" val="1200727642"/>
+      </p:ext>
+    </p:extLst>
+  </p:cSld>
+  <p:clrMapOvr>
+    <a:masterClrMapping/>
+  </p:clrMapOvr>
+  <p:timing>
+    <p:tnLst>
+      <p:par>
+        <p:cTn id="1" dur="indefinite" restart="never" nodeType="tmRoot"/>
+      </p:par>
+    </p:tnLst>
+  </p:timing>
+</p:sld>
+</file>
+
+<file path=ppt/slides/slide22.xml><?xml version="1.0" encoding="utf-8"?>
+<p:sld xmlns:a="http://schemas.openxmlformats.org/drawingml/2006/main" xmlns:r="http://schemas.openxmlformats.org/officeDocument/2006/relationships" xmlns:p="http://schemas.openxmlformats.org/presentationml/2006/main">
+  <p:cSld>
+    <p:spTree>
+      <p:nvGrpSpPr>
+        <p:cNvPr id="1" name=""/>
+        <p:cNvGrpSpPr/>
+        <p:nvPr/>
+      </p:nvGrpSpPr>
+      <p:grpSpPr>
+        <a:xfrm>
+          <a:off x="0" y="0"/>
+          <a:ext cx="0" cy="0"/>
+          <a:chOff x="0" y="0"/>
+          <a:chExt cx="0" cy="0"/>
+        </a:xfrm>
+      </p:grpSpPr>
+      <p:sp>
+        <p:nvSpPr>
+          <p:cNvPr id="2" name="Title 1"/>
+          <p:cNvSpPr>
+            <a:spLocks noGrp="1"/>
+          </p:cNvSpPr>
+          <p:nvPr>
+            <p:ph type="title"/>
+          </p:nvPr>
+        </p:nvSpPr>
+        <p:spPr/>
+        <p:txBody>
+          <a:bodyPr/>
+          <a:lstStyle/>
+          <a:p>
+            <a:r>
+              <a:rPr lang="zh-CN" altLang="en-US" dirty="0" smtClean="0"/>
+              <a:t>继承</a:t>
+            </a:r>
+            <a:r>
+              <a:rPr lang="en-US" altLang="zh-CN" dirty="0" smtClean="0"/>
+              <a:t> memory view </a:t>
+            </a:r>
+            <a:endParaRPr lang="en-US" dirty="0"/>
+          </a:p>
+        </p:txBody>
+      </p:sp>
+      <p:sp>
+        <p:nvSpPr>
+          <p:cNvPr id="3" name="Content Placeholder 2"/>
+          <p:cNvSpPr>
+            <a:spLocks noGrp="1"/>
+          </p:cNvSpPr>
+          <p:nvPr>
+            <p:ph idx="4294967295"/>
+          </p:nvPr>
+        </p:nvSpPr>
+        <p:spPr>
+          <a:xfrm>
+            <a:off x="1981200" y="1600201"/>
+            <a:ext cx="8229600" cy="4525963"/>
+          </a:xfrm>
+          <a:prstGeom prst="rect">
+            <a:avLst/>
+          </a:prstGeom>
+        </p:spPr>
+        <p:txBody>
+          <a:bodyPr/>
+          <a:lstStyle/>
+          <a:p>
+            <a:r>
+              <a:rPr lang="da-DK" dirty="0" err="1"/>
+              <a:t>DerivedPublicObj</a:t>
+            </a:r>
+            <a:r>
+              <a:rPr lang="da-DK" dirty="0"/>
+              <a:t> </a:t>
+            </a:r>
+            <a:r>
+              <a:rPr lang="da-DK" dirty="0" err="1"/>
+              <a:t>derived</a:t>
+            </a:r>
+            <a:r>
+              <a:rPr lang="da-DK" dirty="0"/>
+              <a:t>("base", "</a:t>
+            </a:r>
+            <a:r>
+              <a:rPr lang="da-DK" dirty="0" err="1"/>
+              <a:t>derived</a:t>
+            </a:r>
+            <a:r>
+              <a:rPr lang="da-DK" dirty="0"/>
+              <a:t>")</a:t>
+            </a:r>
+            <a:r>
+              <a:rPr lang="da-DK" dirty="0" smtClean="0"/>
+              <a:t>;</a:t>
+            </a:r>
+          </a:p>
+          <a:p>
+            <a:pPr lvl="1"/>
+            <a:r>
+              <a:rPr lang="da-DK" dirty="0" smtClean="0"/>
+              <a:t>&amp;</a:t>
+            </a:r>
+            <a:r>
+              <a:rPr lang="da-DK" dirty="0" err="1" smtClean="0"/>
+              <a:t>derived</a:t>
+            </a:r>
+            <a:r>
+              <a:rPr lang="da-DK" dirty="0" smtClean="0"/>
+              <a:t>     0x7fff5fbff980</a:t>
+            </a:r>
+          </a:p>
+          <a:p>
+            <a:pPr lvl="1"/>
+            <a:r>
+              <a:rPr lang="da-DK" dirty="0" smtClean="0"/>
+              <a:t>&amp;</a:t>
+            </a:r>
+            <a:r>
+              <a:rPr lang="da-DK" dirty="0" err="1" smtClean="0"/>
+              <a:t>derived</a:t>
+            </a:r>
+            <a:r>
+              <a:rPr lang="da-DK" dirty="0" smtClean="0"/>
+              <a:t>._</a:t>
+            </a:r>
+            <a:r>
+              <a:rPr lang="da-DK" dirty="0" err="1" smtClean="0"/>
+              <a:t>baseName</a:t>
+            </a:r>
+            <a:r>
+              <a:rPr lang="da-DK" dirty="0" smtClean="0"/>
+              <a:t>  0x7fff5fbff980</a:t>
+            </a:r>
+          </a:p>
+          <a:p>
+            <a:pPr lvl="1"/>
+            <a:r>
+              <a:rPr lang="da-DK" dirty="0" smtClean="0"/>
+              <a:t>&amp;</a:t>
+            </a:r>
+            <a:r>
+              <a:rPr lang="da-DK" dirty="0" err="1" smtClean="0"/>
+              <a:t>derived</a:t>
+            </a:r>
+            <a:r>
+              <a:rPr lang="da-DK" dirty="0" smtClean="0"/>
+              <a:t>._</a:t>
+            </a:r>
+            <a:r>
+              <a:rPr lang="da-DK" dirty="0" err="1" smtClean="0"/>
+              <a:t>derivedIndexName</a:t>
+            </a:r>
+            <a:r>
+              <a:rPr lang="da-DK" dirty="0" smtClean="0"/>
+              <a:t>  0x7fff5fbff98a</a:t>
+            </a:r>
+          </a:p>
+          <a:p>
+            <a:pPr lvl="1"/>
+            <a:endParaRPr lang="en-US" dirty="0"/>
+          </a:p>
+        </p:txBody>
+      </p:sp>
+    </p:spTree>
+    <p:extLst>
+      <p:ext uri="{BB962C8B-B14F-4D97-AF65-F5344CB8AC3E}">
+        <p14:creationId xmlns:p14="http://schemas.microsoft.com/office/powerpoint/2010/main" val="767255293"/>
+      </p:ext>
+    </p:extLst>
+  </p:cSld>
+  <p:clrMapOvr>
+    <a:masterClrMapping/>
+  </p:clrMapOvr>
+  <p:timing>
+    <p:tnLst>
+      <p:par>
+        <p:cTn id="1" dur="indefinite" restart="never" nodeType="tmRoot"/>
+      </p:par>
+    </p:tnLst>
+  </p:timing>
+</p:sld>
+</file>
+
+<file path=ppt/slides/slide23.xml><?xml version="1.0" encoding="utf-8"?>
+<p:sld xmlns:a="http://schemas.openxmlformats.org/drawingml/2006/main" xmlns:r="http://schemas.openxmlformats.org/officeDocument/2006/relationships" xmlns:p="http://schemas.openxmlformats.org/presentationml/2006/main">
+  <p:cSld>
+    <p:spTree>
+      <p:nvGrpSpPr>
+        <p:cNvPr id="1" name=""/>
+        <p:cNvGrpSpPr/>
+        <p:nvPr/>
+      </p:nvGrpSpPr>
+      <p:grpSpPr>
+        <a:xfrm>
+          <a:off x="0" y="0"/>
+          <a:ext cx="0" cy="0"/>
+          <a:chOff x="0" y="0"/>
+          <a:chExt cx="0" cy="0"/>
+        </a:xfrm>
+      </p:grpSpPr>
+      <p:sp>
+        <p:nvSpPr>
+          <p:cNvPr id="2" name="Title 1"/>
+          <p:cNvSpPr>
+            <a:spLocks noGrp="1"/>
+          </p:cNvSpPr>
+          <p:nvPr>
+            <p:ph type="title"/>
+          </p:nvPr>
+        </p:nvSpPr>
+        <p:spPr/>
+        <p:txBody>
+          <a:bodyPr/>
+          <a:lstStyle/>
+          <a:p>
+            <a:r>
+              <a:rPr lang="zh-CN" altLang="en-US" dirty="0" smtClean="0"/>
+              <a:t>多重继承</a:t>
+            </a:r>
+            <a:endParaRPr lang="en-US" dirty="0"/>
+          </a:p>
+        </p:txBody>
+      </p:sp>
+      <p:pic>
+        <p:nvPicPr>
+          <p:cNvPr id="4" name="Content Placeholder 3"/>
+          <p:cNvPicPr>
+            <a:picLocks noGrp="1" noChangeAspect="1"/>
+          </p:cNvPicPr>
+          <p:nvPr>
+            <p:ph idx="4294967295"/>
+          </p:nvPr>
+        </p:nvPicPr>
+        <p:blipFill>
+          <a:blip r:embed="rId2"/>
+          <a:srcRect t="-26771" b="-26771"/>
+          <a:stretch>
+            <a:fillRect/>
+          </a:stretch>
+        </p:blipFill>
+        <p:spPr>
+          <a:xfrm>
+            <a:off x="1981200" y="1613856"/>
+            <a:ext cx="8229600" cy="4525963"/>
+          </a:xfrm>
+          <a:prstGeom prst="rect">
+            <a:avLst/>
+          </a:prstGeom>
+        </p:spPr>
+      </p:pic>
+    </p:spTree>
+    <p:extLst>
+      <p:ext uri="{BB962C8B-B14F-4D97-AF65-F5344CB8AC3E}">
+        <p14:creationId xmlns:p14="http://schemas.microsoft.com/office/powerpoint/2010/main" val="82888812"/>
+      </p:ext>
+    </p:extLst>
+  </p:cSld>
+  <p:clrMapOvr>
+    <a:masterClrMapping/>
+  </p:clrMapOvr>
+  <p:timing>
+    <p:tnLst>
+      <p:par>
+        <p:cTn id="1" dur="indefinite" restart="never" nodeType="tmRoot"/>
+      </p:par>
+    </p:tnLst>
+  </p:timing>
+</p:sld>
+</file>
+
+<file path=ppt/slides/slide24.xml><?xml version="1.0" encoding="utf-8"?>
+<p:sld xmlns:a="http://schemas.openxmlformats.org/drawingml/2006/main" xmlns:r="http://schemas.openxmlformats.org/officeDocument/2006/relationships" xmlns:p="http://schemas.openxmlformats.org/presentationml/2006/main">
+  <p:cSld>
+    <p:spTree>
+      <p:nvGrpSpPr>
+        <p:cNvPr id="1" name=""/>
+        <p:cNvGrpSpPr/>
+        <p:nvPr/>
+      </p:nvGrpSpPr>
+      <p:grpSpPr>
+        <a:xfrm>
+          <a:off x="0" y="0"/>
+          <a:ext cx="0" cy="0"/>
+          <a:chOff x="0" y="0"/>
+          <a:chExt cx="0" cy="0"/>
+        </a:xfrm>
+      </p:grpSpPr>
+      <p:sp>
+        <p:nvSpPr>
+          <p:cNvPr id="2" name="Title 1"/>
+          <p:cNvSpPr>
+            <a:spLocks noGrp="1"/>
+          </p:cNvSpPr>
+          <p:nvPr>
+            <p:ph type="title"/>
+          </p:nvPr>
+        </p:nvSpPr>
+        <p:spPr/>
+        <p:txBody>
+          <a:bodyPr/>
+          <a:lstStyle/>
+          <a:p>
+            <a:r>
+              <a:rPr lang="zh-CN" altLang="en-US" dirty="0" smtClean="0"/>
+              <a:t>多重继承</a:t>
+            </a:r>
+            <a:r>
+              <a:rPr lang="en-US" altLang="zh-CN" dirty="0" smtClean="0"/>
+              <a:t> memory view</a:t>
+            </a:r>
+            <a:endParaRPr lang="en-US" dirty="0"/>
+          </a:p>
+        </p:txBody>
+      </p:sp>
+      <p:sp>
+        <p:nvSpPr>
+          <p:cNvPr id="3" name="Content Placeholder 2"/>
+          <p:cNvSpPr>
+            <a:spLocks noGrp="1"/>
+          </p:cNvSpPr>
+          <p:nvPr>
+            <p:ph idx="4294967295"/>
+          </p:nvPr>
+        </p:nvSpPr>
+        <p:spPr>
+          <a:xfrm>
+            <a:off x="1981200" y="1600201"/>
+            <a:ext cx="8229600" cy="4525963"/>
+          </a:xfrm>
+          <a:prstGeom prst="rect">
+            <a:avLst/>
+          </a:prstGeom>
+        </p:spPr>
+        <p:txBody>
+          <a:bodyPr/>
+          <a:lstStyle/>
+          <a:p>
+            <a:r>
+              <a:rPr lang="en-US" dirty="0" err="1"/>
+              <a:t>MultDerived</a:t>
+            </a:r>
+            <a:r>
+              <a:rPr lang="en-US" dirty="0"/>
+              <a:t> </a:t>
+            </a:r>
+            <a:r>
+              <a:rPr lang="en-US" dirty="0" err="1"/>
+              <a:t>multderived</a:t>
+            </a:r>
+            <a:r>
+              <a:rPr lang="en-US" dirty="0"/>
+              <a:t>("base1", "base2", "derived")</a:t>
+            </a:r>
+            <a:r>
+              <a:rPr lang="en-US" dirty="0" smtClean="0"/>
+              <a:t>;</a:t>
+            </a:r>
+          </a:p>
+          <a:p>
+            <a:pPr lvl="1"/>
+            <a:r>
+              <a:rPr lang="en-US" dirty="0" err="1" smtClean="0"/>
+              <a:t>Multderived</a:t>
+            </a:r>
+            <a:r>
+              <a:rPr lang="en-US" dirty="0" smtClean="0"/>
+              <a:t>  0x7fff5fbff960</a:t>
+            </a:r>
+          </a:p>
+          <a:p>
+            <a:pPr lvl="1"/>
+            <a:r>
+              <a:rPr lang="en-US" dirty="0" err="1" smtClean="0"/>
+              <a:t>Multderived</a:t>
+            </a:r>
+            <a:r>
+              <a:rPr lang="en-US" dirty="0" smtClean="0"/>
+              <a:t>._</a:t>
+            </a:r>
+            <a:r>
+              <a:rPr lang="en-US" dirty="0" err="1" smtClean="0"/>
+              <a:t>baseName</a:t>
+            </a:r>
+            <a:r>
+              <a:rPr lang="en-US" dirty="0" smtClean="0"/>
+              <a:t> 0x7fff5fbff960</a:t>
+            </a:r>
+          </a:p>
+          <a:p>
+            <a:pPr lvl="1"/>
+            <a:r>
+              <a:rPr lang="en-US" dirty="0" err="1" smtClean="0"/>
+              <a:t>Multderived</a:t>
+            </a:r>
+            <a:r>
+              <a:rPr lang="en-US" dirty="0" smtClean="0"/>
+              <a:t>._</a:t>
+            </a:r>
+            <a:r>
+              <a:rPr lang="en-US" dirty="0" err="1" smtClean="0"/>
+              <a:t>baseName</a:t>
+            </a:r>
+            <a:r>
+              <a:rPr lang="en-US" dirty="0" smtClean="0"/>
+              <a:t> 0x7fff5fbff96a</a:t>
+            </a:r>
+          </a:p>
+          <a:p>
+            <a:pPr lvl="1"/>
+            <a:r>
+              <a:rPr lang="en-US" dirty="0" err="1" smtClean="0"/>
+              <a:t>Multderived</a:t>
+            </a:r>
+            <a:r>
+              <a:rPr lang="en-US" dirty="0" smtClean="0"/>
+              <a:t>._</a:t>
+            </a:r>
+            <a:r>
+              <a:rPr lang="en-US" dirty="0" err="1" smtClean="0"/>
+              <a:t>DerivedName</a:t>
+            </a:r>
+            <a:r>
+              <a:rPr lang="en-US" dirty="0" smtClean="0"/>
+              <a:t> 0x7fff5fbff974</a:t>
+            </a:r>
+          </a:p>
+          <a:p>
+            <a:pPr lvl="1"/>
+            <a:endParaRPr lang="en-US" dirty="0"/>
+          </a:p>
+        </p:txBody>
+      </p:sp>
+    </p:spTree>
+    <p:extLst>
+      <p:ext uri="{BB962C8B-B14F-4D97-AF65-F5344CB8AC3E}">
+        <p14:creationId xmlns:p14="http://schemas.microsoft.com/office/powerpoint/2010/main" val="886246144"/>
+      </p:ext>
+    </p:extLst>
+  </p:cSld>
+  <p:clrMapOvr>
+    <a:masterClrMapping/>
+  </p:clrMapOvr>
+  <p:timing>
+    <p:tnLst>
+      <p:par>
+        <p:cTn id="1" dur="indefinite" restart="never" nodeType="tmRoot"/>
+      </p:par>
+    </p:tnLst>
+  </p:timing>
+</p:sld>
+</file>
+
+<file path=ppt/slides/slide25.xml><?xml version="1.0" encoding="utf-8"?>
+<p:sld xmlns:a="http://schemas.openxmlformats.org/drawingml/2006/main" xmlns:r="http://schemas.openxmlformats.org/officeDocument/2006/relationships" xmlns:p="http://schemas.openxmlformats.org/presentationml/2006/main">
+  <p:cSld>
+    <p:spTree>
+      <p:nvGrpSpPr>
+        <p:cNvPr id="1" name=""/>
+        <p:cNvGrpSpPr/>
+        <p:nvPr/>
+      </p:nvGrpSpPr>
+      <p:grpSpPr>
+        <a:xfrm>
+          <a:off x="0" y="0"/>
+          <a:ext cx="0" cy="0"/>
+          <a:chOff x="0" y="0"/>
+          <a:chExt cx="0" cy="0"/>
+        </a:xfrm>
+      </p:grpSpPr>
+      <p:sp>
+        <p:nvSpPr>
+          <p:cNvPr id="2" name="Title 1"/>
+          <p:cNvSpPr>
+            <a:spLocks noGrp="1"/>
+          </p:cNvSpPr>
+          <p:nvPr>
+            <p:ph type="title"/>
+          </p:nvPr>
+        </p:nvSpPr>
+        <p:spPr/>
+        <p:txBody>
+          <a:bodyPr/>
+          <a:lstStyle/>
+          <a:p>
+            <a:r>
+              <a:rPr lang="en-US" altLang="zh-CN" dirty="0" smtClean="0"/>
+              <a:t>Q</a:t>
+            </a:r>
+            <a:r>
+              <a:rPr lang="zh-CN" altLang="en-US" dirty="0" smtClean="0"/>
+              <a:t>&amp;</a:t>
+            </a:r>
+            <a:r>
+              <a:rPr lang="en-US" altLang="zh-CN" dirty="0" smtClean="0"/>
+              <a:t>A</a:t>
+            </a:r>
+            <a:endParaRPr lang="en-US" dirty="0"/>
+          </a:p>
+        </p:txBody>
+      </p:sp>
+      <p:sp>
+        <p:nvSpPr>
+          <p:cNvPr id="3" name="Content Placeholder 2"/>
+          <p:cNvSpPr>
+            <a:spLocks noGrp="1"/>
+          </p:cNvSpPr>
+          <p:nvPr>
+            <p:ph idx="4294967295"/>
+          </p:nvPr>
+        </p:nvSpPr>
+        <p:spPr>
+          <a:xfrm>
+            <a:off x="1981200" y="1600201"/>
+            <a:ext cx="8229600" cy="4525963"/>
+          </a:xfrm>
+          <a:prstGeom prst="rect">
+            <a:avLst/>
+          </a:prstGeom>
+        </p:spPr>
+        <p:txBody>
+          <a:bodyPr/>
+          <a:lstStyle/>
+          <a:p>
+            <a:r>
+              <a:rPr lang="en-US" altLang="zh-CN" dirty="0" err="1" smtClean="0"/>
+              <a:t>Sizeof</a:t>
+            </a:r>
+            <a:r>
+              <a:rPr lang="zh-CN" altLang="en-US" dirty="0" smtClean="0"/>
+              <a:t>（）</a:t>
+            </a:r>
+            <a:endParaRPr lang="en-US" altLang="zh-CN" dirty="0" smtClean="0"/>
+          </a:p>
+          <a:p>
+            <a:pPr lvl="1"/>
+            <a:r>
+              <a:rPr lang="zh-CN" altLang="en-US" dirty="0" smtClean="0"/>
+              <a:t>当继承发生时，怎样计算对象的大小</a:t>
+            </a:r>
+            <a:endParaRPr lang="en-US" altLang="zh-CN" dirty="0" smtClean="0"/>
+          </a:p>
+        </p:txBody>
+      </p:sp>
+    </p:spTree>
+    <p:extLst>
+      <p:ext uri="{BB962C8B-B14F-4D97-AF65-F5344CB8AC3E}">
+        <p14:creationId xmlns:p14="http://schemas.microsoft.com/office/powerpoint/2010/main" val="2589223315"/>
+      </p:ext>
+    </p:extLst>
+  </p:cSld>
+  <p:clrMapOvr>
+    <a:masterClrMapping/>
+  </p:clrMapOvr>
+  <p:timing>
+    <p:tnLst>
+      <p:par>
+        <p:cTn id="1" dur="indefinite" restart="never" nodeType="tmRoot"/>
+      </p:par>
+    </p:tnLst>
+  </p:timing>
+</p:sld>
+</file>
+
+<file path=ppt/slides/slide26.xml><?xml version="1.0" encoding="utf-8"?>
+<p:sld xmlns:a="http://schemas.openxmlformats.org/drawingml/2006/main" xmlns:r="http://schemas.openxmlformats.org/officeDocument/2006/relationships" xmlns:p="http://schemas.openxmlformats.org/presentationml/2006/main">
+  <p:cSld>
+    <p:spTree>
+      <p:nvGrpSpPr>
+        <p:cNvPr id="1" name=""/>
+        <p:cNvGrpSpPr/>
+        <p:nvPr/>
+      </p:nvGrpSpPr>
+      <p:grpSpPr>
+        <a:xfrm>
+          <a:off x="0" y="0"/>
+          <a:ext cx="0" cy="0"/>
+          <a:chOff x="0" y="0"/>
+          <a:chExt cx="0" cy="0"/>
+        </a:xfrm>
+      </p:grpSpPr>
+      <p:sp>
+        <p:nvSpPr>
+          <p:cNvPr id="2" name="Title 1"/>
+          <p:cNvSpPr>
+            <a:spLocks noGrp="1"/>
+          </p:cNvSpPr>
+          <p:nvPr>
+            <p:ph type="title"/>
+          </p:nvPr>
+        </p:nvSpPr>
+        <p:spPr/>
+        <p:txBody>
+          <a:bodyPr/>
+          <a:lstStyle/>
+          <a:p>
+            <a:r>
+              <a:rPr lang="zh-CN" altLang="en-US" dirty="0" smtClean="0"/>
+              <a:t>三种继承关系</a:t>
+            </a:r>
+            <a:endParaRPr lang="en-US" dirty="0"/>
+          </a:p>
+        </p:txBody>
+      </p:sp>
+      <p:sp>
+        <p:nvSpPr>
+          <p:cNvPr id="3" name="Content Placeholder 2"/>
+          <p:cNvSpPr>
+            <a:spLocks noGrp="1"/>
+          </p:cNvSpPr>
+          <p:nvPr>
+            <p:ph idx="4294967295"/>
+          </p:nvPr>
+        </p:nvSpPr>
+        <p:spPr>
+          <a:xfrm>
+            <a:off x="1981200" y="1600201"/>
+            <a:ext cx="8229600" cy="4525963"/>
+          </a:xfrm>
+          <a:prstGeom prst="rect">
+            <a:avLst/>
+          </a:prstGeom>
+        </p:spPr>
+        <p:txBody>
+          <a:bodyPr>
+            <a:normAutofit/>
+          </a:bodyPr>
+          <a:lstStyle/>
+          <a:p>
+            <a:r>
+              <a:rPr lang="en-US" altLang="zh-TW" b="1" dirty="0"/>
+              <a:t>public</a:t>
+            </a:r>
+            <a:r>
+              <a:rPr lang="zh-TW" altLang="en-US" dirty="0"/>
+              <a:t> 继承</a:t>
+            </a:r>
+            <a:r>
+              <a:rPr lang="zh-TW" altLang="en-US" dirty="0" smtClean="0"/>
+              <a:t>：基类</a:t>
+            </a:r>
+            <a:r>
+              <a:rPr lang="zh-TW" altLang="en-US" dirty="0"/>
+              <a:t>的公有成员成为派生类的公有成员；基类的保护成员成为派生类的保护成员。一个基类的私有成员不能被派生类直接访问，但可以通过调用基类的公有和保护成员访问基类的私有成员。</a:t>
+            </a:r>
+          </a:p>
+          <a:p>
+            <a:r>
+              <a:rPr lang="en-US" altLang="zh-TW" b="1" dirty="0"/>
+              <a:t>protected</a:t>
+            </a:r>
+            <a:r>
+              <a:rPr lang="zh-TW" altLang="en-US" dirty="0"/>
+              <a:t> 继承</a:t>
+            </a:r>
+            <a:r>
+              <a:rPr lang="zh-TW" altLang="en-US" dirty="0" smtClean="0"/>
+              <a:t>：基类</a:t>
+            </a:r>
+            <a:r>
+              <a:rPr lang="zh-TW" altLang="en-US" dirty="0"/>
+              <a:t>的公有和保护成员成为派生类的保护成员。</a:t>
+            </a:r>
+          </a:p>
+          <a:p>
+            <a:r>
+              <a:rPr lang="en-US" altLang="zh-TW" b="1" dirty="0"/>
+              <a:t>private</a:t>
+            </a:r>
+            <a:r>
+              <a:rPr lang="zh-TW" altLang="en-US" dirty="0"/>
+              <a:t> 继承</a:t>
+            </a:r>
+            <a:r>
+              <a:rPr lang="zh-TW" altLang="en-US" dirty="0" smtClean="0"/>
+              <a:t>：基类</a:t>
+            </a:r>
+            <a:r>
+              <a:rPr lang="zh-TW" altLang="en-US" dirty="0"/>
+              <a:t>的公有和保护成员成为派生类的私有成员。</a:t>
+            </a:r>
+            <a:endParaRPr lang="en-US" altLang="zh-CN" dirty="0" smtClean="0"/>
+          </a:p>
+        </p:txBody>
+      </p:sp>
+    </p:spTree>
+    <p:extLst>
+      <p:ext uri="{BB962C8B-B14F-4D97-AF65-F5344CB8AC3E}">
+        <p14:creationId xmlns:p14="http://schemas.microsoft.com/office/powerpoint/2010/main" val="339350464"/>
+      </p:ext>
+    </p:extLst>
+  </p:cSld>
+  <p:clrMapOvr>
+    <a:masterClrMapping/>
+  </p:clrMapOvr>
+  <p:timing>
+    <p:tnLst>
+      <p:par>
+        <p:cTn id="1" dur="indefinite" restart="never" nodeType="tmRoot"/>
+      </p:par>
+    </p:tnLst>
+  </p:timing>
+</p:sld>
+</file>
+
+<file path=ppt/slides/slide27.xml><?xml version="1.0" encoding="utf-8"?>
+<p:sld xmlns:a="http://schemas.openxmlformats.org/drawingml/2006/main" xmlns:r="http://schemas.openxmlformats.org/officeDocument/2006/relationships" xmlns:p="http://schemas.openxmlformats.org/presentationml/2006/main">
+  <p:cSld>
+    <p:spTree>
+      <p:nvGrpSpPr>
+        <p:cNvPr id="1" name=""/>
+        <p:cNvGrpSpPr/>
+        <p:nvPr/>
+      </p:nvGrpSpPr>
+      <p:grpSpPr>
+        <a:xfrm>
+          <a:off x="0" y="0"/>
+          <a:ext cx="0" cy="0"/>
+          <a:chOff x="0" y="0"/>
+          <a:chExt cx="0" cy="0"/>
+        </a:xfrm>
+      </p:grpSpPr>
+      <p:sp>
+        <p:nvSpPr>
+          <p:cNvPr id="2" name="Title 1"/>
+          <p:cNvSpPr>
+            <a:spLocks noGrp="1"/>
+          </p:cNvSpPr>
+          <p:nvPr>
+            <p:ph type="title"/>
+          </p:nvPr>
+        </p:nvSpPr>
+        <p:spPr/>
+        <p:txBody>
+          <a:bodyPr/>
+          <a:lstStyle/>
+          <a:p>
+            <a:r>
+              <a:rPr lang="en-US" dirty="0" smtClean="0"/>
+              <a:t>base</a:t>
+            </a:r>
+            <a:endParaRPr lang="en-US" dirty="0"/>
+          </a:p>
+        </p:txBody>
+      </p:sp>
+      <p:pic>
+        <p:nvPicPr>
+          <p:cNvPr id="4" name="Content Placeholder 3"/>
+          <p:cNvPicPr>
+            <a:picLocks noGrp="1" noChangeAspect="1"/>
+          </p:cNvPicPr>
+          <p:nvPr>
+            <p:ph idx="4294967295"/>
+          </p:nvPr>
+        </p:nvPicPr>
+        <p:blipFill rotWithShape="1">
+          <a:blip r:embed="rId2"/>
+          <a:srcRect l="-14455" r="-14455"/>
+          <a:stretch/>
+        </p:blipFill>
+        <p:spPr>
+          <a:xfrm>
+            <a:off x="1981200" y="1802401"/>
+            <a:ext cx="8229600" cy="5055599"/>
+          </a:xfrm>
+          <a:prstGeom prst="rect">
+            <a:avLst/>
+          </a:prstGeom>
+        </p:spPr>
+      </p:pic>
+    </p:spTree>
+    <p:extLst>
+      <p:ext uri="{BB962C8B-B14F-4D97-AF65-F5344CB8AC3E}">
+        <p14:creationId xmlns:p14="http://schemas.microsoft.com/office/powerpoint/2010/main" val="828309107"/>
+      </p:ext>
+    </p:extLst>
+  </p:cSld>
+  <p:clrMapOvr>
+    <a:masterClrMapping/>
+  </p:clrMapOvr>
+  <p:timing>
+    <p:tnLst>
+      <p:par>
+        <p:cTn id="1" dur="indefinite" restart="never" nodeType="tmRoot"/>
+      </p:par>
+    </p:tnLst>
+  </p:timing>
+</p:sld>
+</file>
+
+<file path=ppt/slides/slide28.xml><?xml version="1.0" encoding="utf-8"?>
+<p:sld xmlns:a="http://schemas.openxmlformats.org/drawingml/2006/main" xmlns:r="http://schemas.openxmlformats.org/officeDocument/2006/relationships" xmlns:p="http://schemas.openxmlformats.org/presentationml/2006/main">
+  <p:cSld>
+    <p:spTree>
+      <p:nvGrpSpPr>
+        <p:cNvPr id="1" name=""/>
+        <p:cNvGrpSpPr/>
+        <p:nvPr/>
+      </p:nvGrpSpPr>
+      <p:grpSpPr>
+        <a:xfrm>
+          <a:off x="0" y="0"/>
+          <a:ext cx="0" cy="0"/>
+          <a:chOff x="0" y="0"/>
+          <a:chExt cx="0" cy="0"/>
+        </a:xfrm>
+      </p:grpSpPr>
+      <p:sp>
+        <p:nvSpPr>
+          <p:cNvPr id="2" name="Title 1"/>
+          <p:cNvSpPr>
+            <a:spLocks noGrp="1"/>
+          </p:cNvSpPr>
+          <p:nvPr>
+            <p:ph type="title"/>
+          </p:nvPr>
+        </p:nvSpPr>
+        <p:spPr/>
+        <p:txBody>
+          <a:bodyPr/>
+          <a:lstStyle/>
+          <a:p>
+            <a:r>
+              <a:rPr lang="en-US" dirty="0" smtClean="0"/>
+              <a:t>Public </a:t>
+            </a:r>
+            <a:r>
+              <a:rPr lang="zh-CN" altLang="en-US" dirty="0" smtClean="0"/>
+              <a:t>继承</a:t>
+            </a:r>
+            <a:endParaRPr lang="en-US" dirty="0"/>
+          </a:p>
+        </p:txBody>
+      </p:sp>
+      <p:pic>
+        <p:nvPicPr>
+          <p:cNvPr id="6" name="Content Placeholder 5"/>
+          <p:cNvPicPr>
+            <a:picLocks noGrp="1" noChangeAspect="1"/>
+          </p:cNvPicPr>
+          <p:nvPr>
+            <p:ph idx="4294967295"/>
+          </p:nvPr>
+        </p:nvPicPr>
+        <p:blipFill>
+          <a:blip r:embed="rId2"/>
+          <a:srcRect t="-10036" b="-10036"/>
+          <a:stretch>
+            <a:fillRect/>
+          </a:stretch>
+        </p:blipFill>
+        <p:spPr>
+          <a:xfrm>
+            <a:off x="1981200" y="1600201"/>
+            <a:ext cx="8229600" cy="4525963"/>
+          </a:xfrm>
+          <a:prstGeom prst="rect">
+            <a:avLst/>
+          </a:prstGeom>
+        </p:spPr>
+      </p:pic>
+    </p:spTree>
+    <p:extLst>
+      <p:ext uri="{BB962C8B-B14F-4D97-AF65-F5344CB8AC3E}">
+        <p14:creationId xmlns:p14="http://schemas.microsoft.com/office/powerpoint/2010/main" val="1330437153"/>
+      </p:ext>
+    </p:extLst>
+  </p:cSld>
+  <p:clrMapOvr>
+    <a:masterClrMapping/>
+  </p:clrMapOvr>
+  <p:timing>
+    <p:tnLst>
+      <p:par>
+        <p:cTn id="1" dur="indefinite" restart="never" nodeType="tmRoot"/>
+      </p:par>
+    </p:tnLst>
+  </p:timing>
+</p:sld>
+</file>
+
+<file path=ppt/slides/slide29.xml><?xml version="1.0" encoding="utf-8"?>
+<p:sld xmlns:a="http://schemas.openxmlformats.org/drawingml/2006/main" xmlns:r="http://schemas.openxmlformats.org/officeDocument/2006/relationships" xmlns:p="http://schemas.openxmlformats.org/presentationml/2006/main">
+  <p:cSld>
+    <p:spTree>
+      <p:nvGrpSpPr>
+        <p:cNvPr id="1" name=""/>
+        <p:cNvGrpSpPr/>
+        <p:nvPr/>
+      </p:nvGrpSpPr>
+      <p:grpSpPr>
+        <a:xfrm>
+          <a:off x="0" y="0"/>
+          <a:ext cx="0" cy="0"/>
+          <a:chOff x="0" y="0"/>
+          <a:chExt cx="0" cy="0"/>
+        </a:xfrm>
+      </p:grpSpPr>
+      <p:sp>
+        <p:nvSpPr>
+          <p:cNvPr id="2" name="Title 1"/>
+          <p:cNvSpPr>
+            <a:spLocks noGrp="1"/>
+          </p:cNvSpPr>
+          <p:nvPr>
+            <p:ph type="title"/>
+          </p:nvPr>
+        </p:nvSpPr>
+        <p:spPr/>
+        <p:txBody>
+          <a:bodyPr/>
+          <a:lstStyle/>
+          <a:p>
+            <a:r>
+              <a:rPr lang="en-US" altLang="zh-CN" dirty="0" smtClean="0"/>
+              <a:t>Protected</a:t>
+            </a:r>
+            <a:r>
+              <a:rPr lang="zh-CN" altLang="en-US" dirty="0" smtClean="0"/>
+              <a:t>继承</a:t>
+            </a:r>
+            <a:endParaRPr lang="en-US" dirty="0"/>
+          </a:p>
+        </p:txBody>
+      </p:sp>
+      <p:pic>
+        <p:nvPicPr>
+          <p:cNvPr id="4" name="Content Placeholder 3"/>
+          <p:cNvPicPr>
+            <a:picLocks noGrp="1" noChangeAspect="1"/>
+          </p:cNvPicPr>
+          <p:nvPr>
+            <p:ph idx="4294967295"/>
+          </p:nvPr>
+        </p:nvPicPr>
+        <p:blipFill>
+          <a:blip r:embed="rId2"/>
+          <a:srcRect t="-12840" b="-12840"/>
+          <a:stretch>
+            <a:fillRect/>
+          </a:stretch>
+        </p:blipFill>
+        <p:spPr>
+          <a:xfrm>
+            <a:off x="1981200" y="1600201"/>
+            <a:ext cx="8229600" cy="4525963"/>
+          </a:xfrm>
+          <a:prstGeom prst="rect">
+            <a:avLst/>
+          </a:prstGeom>
+        </p:spPr>
+      </p:pic>
+    </p:spTree>
+    <p:extLst>
+      <p:ext uri="{BB962C8B-B14F-4D97-AF65-F5344CB8AC3E}">
+        <p14:creationId xmlns:p14="http://schemas.microsoft.com/office/powerpoint/2010/main" val="1764017831"/>
+      </p:ext>
+    </p:extLst>
+  </p:cSld>
+  <p:clrMapOvr>
+    <a:masterClrMapping/>
+  </p:clrMapOvr>
+  <p:timing>
+    <p:tnLst>
+      <p:par>
+        <p:cTn id="1" dur="indefinite" restart="never" nodeType="tmRoot"/>
+      </p:par>
+    </p:tnLst>
+  </p:timing>
+</p:sld>
+</file>
+
 <file path=ppt/slides/slide3.xml><?xml version="1.0" encoding="utf-8"?>
 <p:sld xmlns:a="http://schemas.openxmlformats.org/drawingml/2006/main" xmlns:r="http://schemas.openxmlformats.org/officeDocument/2006/relationships" xmlns:p="http://schemas.openxmlformats.org/presentationml/2006/main">
   <p:cSld>
@@ -5562,15 +6662,33 @@
               <a:buChar char="•"/>
             </a:pPr>
             <a:r>
-              <a:rPr lang="en-US" sz="2800">
+              <a:rPr lang="en-US" sz="2800" dirty="0">
                 <a:solidFill>
                   <a:srgbClr val="000000"/>
                 </a:solidFill>
                 <a:latin typeface="Calibri"/>
               </a:rPr>
-              <a:t>When two or more different declarations are specified for a single name in the same scope, that name is said to be overloaded.(ISO14882, chs 13)</a:t>
-            </a:r>
-            <a:endParaRPr/>
+              <a:t>When two or more different declarations are specified for a single name in the same scope, that name is said to be overloaded.(ISO14882, </a:t>
+            </a:r>
+            <a:r>
+              <a:rPr lang="en-US" sz="2800" dirty="0" err="1">
+                <a:solidFill>
+                  <a:srgbClr val="000000"/>
+                </a:solidFill>
+                <a:latin typeface="Calibri"/>
+              </a:rPr>
+              <a:t>chs</a:t>
+            </a:r>
+            <a:r>
+              <a:rPr lang="en-US" sz="2800" dirty="0">
+                <a:solidFill>
+                  <a:srgbClr val="000000"/>
+                </a:solidFill>
+                <a:latin typeface="Calibri"/>
+              </a:rPr>
+              <a:t> 13)</a:t>
+            </a:r>
+            <a:endParaRPr dirty="0"/>
           </a:p>
         </p:txBody>
       </p:sp>
@@ -5601,6 +6719,1008 @@
   <p:clrMapOvr>
     <a:masterClrMapping/>
   </p:clrMapOvr>
+</p:sld>
+</file>
+
+<file path=ppt/slides/slide30.xml><?xml version="1.0" encoding="utf-8"?>
+<p:sld xmlns:a="http://schemas.openxmlformats.org/drawingml/2006/main" xmlns:r="http://schemas.openxmlformats.org/officeDocument/2006/relationships" xmlns:p="http://schemas.openxmlformats.org/presentationml/2006/main">
+  <p:cSld>
+    <p:spTree>
+      <p:nvGrpSpPr>
+        <p:cNvPr id="1" name=""/>
+        <p:cNvGrpSpPr/>
+        <p:nvPr/>
+      </p:nvGrpSpPr>
+      <p:grpSpPr>
+        <a:xfrm>
+          <a:off x="0" y="0"/>
+          <a:ext cx="0" cy="0"/>
+          <a:chOff x="0" y="0"/>
+          <a:chExt cx="0" cy="0"/>
+        </a:xfrm>
+      </p:grpSpPr>
+      <p:sp>
+        <p:nvSpPr>
+          <p:cNvPr id="2" name="Title 1"/>
+          <p:cNvSpPr>
+            <a:spLocks noGrp="1"/>
+          </p:cNvSpPr>
+          <p:nvPr>
+            <p:ph type="title"/>
+          </p:nvPr>
+        </p:nvSpPr>
+        <p:spPr/>
+        <p:txBody>
+          <a:bodyPr/>
+          <a:lstStyle/>
+          <a:p>
+            <a:r>
+              <a:rPr lang="en-US" altLang="zh-CN" dirty="0" smtClean="0"/>
+              <a:t>Private </a:t>
+            </a:r>
+            <a:r>
+              <a:rPr lang="zh-CN" altLang="en-US" dirty="0" smtClean="0"/>
+              <a:t>继承</a:t>
+            </a:r>
+            <a:endParaRPr lang="en-US" dirty="0"/>
+          </a:p>
+        </p:txBody>
+      </p:sp>
+      <p:pic>
+        <p:nvPicPr>
+          <p:cNvPr id="6" name="Content Placeholder 5"/>
+          <p:cNvPicPr>
+            <a:picLocks noGrp="1" noChangeAspect="1"/>
+          </p:cNvPicPr>
+          <p:nvPr>
+            <p:ph idx="4294967295"/>
+          </p:nvPr>
+        </p:nvPicPr>
+        <p:blipFill>
+          <a:blip r:embed="rId2"/>
+          <a:srcRect t="-14309" b="-14309"/>
+          <a:stretch>
+            <a:fillRect/>
+          </a:stretch>
+        </p:blipFill>
+        <p:spPr>
+          <a:xfrm>
+            <a:off x="1981200" y="1600201"/>
+            <a:ext cx="8229600" cy="4525963"/>
+          </a:xfrm>
+          <a:prstGeom prst="rect">
+            <a:avLst/>
+          </a:prstGeom>
+        </p:spPr>
+      </p:pic>
+    </p:spTree>
+    <p:extLst>
+      <p:ext uri="{BB962C8B-B14F-4D97-AF65-F5344CB8AC3E}">
+        <p14:creationId xmlns:p14="http://schemas.microsoft.com/office/powerpoint/2010/main" val="693666176"/>
+      </p:ext>
+    </p:extLst>
+  </p:cSld>
+  <p:clrMapOvr>
+    <a:masterClrMapping/>
+  </p:clrMapOvr>
+  <p:timing>
+    <p:tnLst>
+      <p:par>
+        <p:cTn id="1" dur="indefinite" restart="never" nodeType="tmRoot"/>
+      </p:par>
+    </p:tnLst>
+  </p:timing>
+</p:sld>
+</file>
+
+<file path=ppt/slides/slide31.xml><?xml version="1.0" encoding="utf-8"?>
+<p:sld xmlns:a="http://schemas.openxmlformats.org/drawingml/2006/main" xmlns:r="http://schemas.openxmlformats.org/officeDocument/2006/relationships" xmlns:p="http://schemas.openxmlformats.org/presentationml/2006/main">
+  <p:cSld>
+    <p:spTree>
+      <p:nvGrpSpPr>
+        <p:cNvPr id="1" name=""/>
+        <p:cNvGrpSpPr/>
+        <p:nvPr/>
+      </p:nvGrpSpPr>
+      <p:grpSpPr>
+        <a:xfrm>
+          <a:off x="0" y="0"/>
+          <a:ext cx="0" cy="0"/>
+          <a:chOff x="0" y="0"/>
+          <a:chExt cx="0" cy="0"/>
+        </a:xfrm>
+      </p:grpSpPr>
+      <p:sp>
+        <p:nvSpPr>
+          <p:cNvPr id="2" name="Title 1"/>
+          <p:cNvSpPr>
+            <a:spLocks noGrp="1"/>
+          </p:cNvSpPr>
+          <p:nvPr>
+            <p:ph type="title"/>
+          </p:nvPr>
+        </p:nvSpPr>
+        <p:spPr/>
+        <p:txBody>
+          <a:bodyPr/>
+          <a:lstStyle/>
+          <a:p>
+            <a:r>
+              <a:rPr lang="en-US" altLang="zh-CN" dirty="0" smtClean="0"/>
+              <a:t>Public </a:t>
+            </a:r>
+            <a:r>
+              <a:rPr lang="zh-CN" altLang="en-US" dirty="0" smtClean="0"/>
+              <a:t>继承子类内</a:t>
+            </a:r>
+            <a:endParaRPr lang="en-US" dirty="0"/>
+          </a:p>
+        </p:txBody>
+      </p:sp>
+      <p:pic>
+        <p:nvPicPr>
+          <p:cNvPr id="8" name="Content Placeholder 7"/>
+          <p:cNvPicPr>
+            <a:picLocks noGrp="1" noChangeAspect="1"/>
+          </p:cNvPicPr>
+          <p:nvPr>
+            <p:ph idx="4294967295"/>
+          </p:nvPr>
+        </p:nvPicPr>
+        <p:blipFill>
+          <a:blip r:embed="rId2"/>
+          <a:srcRect t="-30732" b="-30732"/>
+          <a:stretch>
+            <a:fillRect/>
+          </a:stretch>
+        </p:blipFill>
+        <p:spPr>
+          <a:xfrm>
+            <a:off x="1981200" y="1600201"/>
+            <a:ext cx="8229600" cy="4525963"/>
+          </a:xfrm>
+          <a:prstGeom prst="rect">
+            <a:avLst/>
+          </a:prstGeom>
+        </p:spPr>
+      </p:pic>
+    </p:spTree>
+    <p:extLst>
+      <p:ext uri="{BB962C8B-B14F-4D97-AF65-F5344CB8AC3E}">
+        <p14:creationId xmlns:p14="http://schemas.microsoft.com/office/powerpoint/2010/main" val="1294135109"/>
+      </p:ext>
+    </p:extLst>
+  </p:cSld>
+  <p:clrMapOvr>
+    <a:masterClrMapping/>
+  </p:clrMapOvr>
+  <p:timing>
+    <p:tnLst>
+      <p:par>
+        <p:cTn id="1" dur="indefinite" restart="never" nodeType="tmRoot"/>
+      </p:par>
+    </p:tnLst>
+  </p:timing>
+</p:sld>
+</file>
+
+<file path=ppt/slides/slide32.xml><?xml version="1.0" encoding="utf-8"?>
+<p:sld xmlns:a="http://schemas.openxmlformats.org/drawingml/2006/main" xmlns:r="http://schemas.openxmlformats.org/officeDocument/2006/relationships" xmlns:p="http://schemas.openxmlformats.org/presentationml/2006/main">
+  <p:cSld>
+    <p:spTree>
+      <p:nvGrpSpPr>
+        <p:cNvPr id="1" name=""/>
+        <p:cNvGrpSpPr/>
+        <p:nvPr/>
+      </p:nvGrpSpPr>
+      <p:grpSpPr>
+        <a:xfrm>
+          <a:off x="0" y="0"/>
+          <a:ext cx="0" cy="0"/>
+          <a:chOff x="0" y="0"/>
+          <a:chExt cx="0" cy="0"/>
+        </a:xfrm>
+      </p:grpSpPr>
+      <p:sp>
+        <p:nvSpPr>
+          <p:cNvPr id="2" name="Title 1"/>
+          <p:cNvSpPr>
+            <a:spLocks noGrp="1"/>
+          </p:cNvSpPr>
+          <p:nvPr>
+            <p:ph type="title"/>
+          </p:nvPr>
+        </p:nvSpPr>
+        <p:spPr/>
+        <p:txBody>
+          <a:bodyPr/>
+          <a:lstStyle/>
+          <a:p>
+            <a:r>
+              <a:rPr lang="en-US" altLang="zh-CN" dirty="0" smtClean="0"/>
+              <a:t>Q&amp;A</a:t>
+            </a:r>
+            <a:endParaRPr lang="en-US" dirty="0"/>
+          </a:p>
+        </p:txBody>
+      </p:sp>
+      <p:sp>
+        <p:nvSpPr>
+          <p:cNvPr id="3" name="Content Placeholder 2"/>
+          <p:cNvSpPr>
+            <a:spLocks noGrp="1"/>
+          </p:cNvSpPr>
+          <p:nvPr>
+            <p:ph idx="4294967295"/>
+          </p:nvPr>
+        </p:nvSpPr>
+        <p:spPr>
+          <a:xfrm>
+            <a:off x="1981200" y="1600201"/>
+            <a:ext cx="8229600" cy="4525963"/>
+          </a:xfrm>
+          <a:prstGeom prst="rect">
+            <a:avLst/>
+          </a:prstGeom>
+        </p:spPr>
+        <p:txBody>
+          <a:bodyPr/>
+          <a:lstStyle/>
+          <a:p>
+            <a:r>
+              <a:rPr lang="en-US" altLang="zh-CN" dirty="0" smtClean="0"/>
+              <a:t>Is a &amp; has a</a:t>
+            </a:r>
+          </a:p>
+          <a:p>
+            <a:pPr lvl="1"/>
+            <a:r>
+              <a:rPr lang="en-US" altLang="zh-CN" dirty="0"/>
+              <a:t> </a:t>
+            </a:r>
+            <a:r>
+              <a:rPr lang="zh-CN" altLang="en-US" dirty="0" smtClean="0"/>
+              <a:t>公有继承常被形容为“</a:t>
+            </a:r>
+            <a:r>
+              <a:rPr lang="en-US" altLang="zh-CN" dirty="0" smtClean="0"/>
+              <a:t>Is a</a:t>
+            </a:r>
+            <a:r>
+              <a:rPr lang="zh-CN" altLang="en-US" dirty="0" smtClean="0"/>
+              <a:t>”，私有继承常被形容为“</a:t>
+            </a:r>
+            <a:r>
+              <a:rPr lang="en-US" altLang="zh-CN" dirty="0" smtClean="0"/>
+              <a:t>has a</a:t>
+            </a:r>
+            <a:r>
+              <a:rPr lang="zh-CN" altLang="en-US" dirty="0" smtClean="0"/>
+              <a:t>”。请从三种继承类型和类成员的访问控制的角度来解释</a:t>
+            </a:r>
+            <a:endParaRPr lang="en-US" altLang="zh-CN" dirty="0" smtClean="0"/>
+          </a:p>
+        </p:txBody>
+      </p:sp>
+    </p:spTree>
+    <p:extLst>
+      <p:ext uri="{BB962C8B-B14F-4D97-AF65-F5344CB8AC3E}">
+        <p14:creationId xmlns:p14="http://schemas.microsoft.com/office/powerpoint/2010/main" val="1387232604"/>
+      </p:ext>
+    </p:extLst>
+  </p:cSld>
+  <p:clrMapOvr>
+    <a:masterClrMapping/>
+  </p:clrMapOvr>
+  <p:timing>
+    <p:tnLst>
+      <p:par>
+        <p:cTn id="1" dur="indefinite" restart="never" nodeType="tmRoot"/>
+      </p:par>
+    </p:tnLst>
+  </p:timing>
+</p:sld>
+</file>
+
+<file path=ppt/slides/slide33.xml><?xml version="1.0" encoding="utf-8"?>
+<p:sld xmlns:a="http://schemas.openxmlformats.org/drawingml/2006/main" xmlns:r="http://schemas.openxmlformats.org/officeDocument/2006/relationships" xmlns:p="http://schemas.openxmlformats.org/presentationml/2006/main">
+  <p:cSld>
+    <p:spTree>
+      <p:nvGrpSpPr>
+        <p:cNvPr id="1" name=""/>
+        <p:cNvGrpSpPr/>
+        <p:nvPr/>
+      </p:nvGrpSpPr>
+      <p:grpSpPr>
+        <a:xfrm>
+          <a:off x="0" y="0"/>
+          <a:ext cx="0" cy="0"/>
+          <a:chOff x="0" y="0"/>
+          <a:chExt cx="0" cy="0"/>
+        </a:xfrm>
+      </p:grpSpPr>
+      <p:sp>
+        <p:nvSpPr>
+          <p:cNvPr id="2" name="Title 1"/>
+          <p:cNvSpPr>
+            <a:spLocks noGrp="1"/>
+          </p:cNvSpPr>
+          <p:nvPr>
+            <p:ph type="title"/>
+          </p:nvPr>
+        </p:nvSpPr>
+        <p:spPr/>
+        <p:txBody>
+          <a:bodyPr/>
+          <a:lstStyle/>
+          <a:p>
+            <a:r>
+              <a:rPr lang="zh-CN" altLang="en-US" dirty="0" smtClean="0"/>
+              <a:t>继承</a:t>
+            </a:r>
+            <a:endParaRPr lang="en-US" dirty="0"/>
+          </a:p>
+        </p:txBody>
+      </p:sp>
+      <p:sp>
+        <p:nvSpPr>
+          <p:cNvPr id="3" name="Content Placeholder 2"/>
+          <p:cNvSpPr>
+            <a:spLocks noGrp="1"/>
+          </p:cNvSpPr>
+          <p:nvPr>
+            <p:ph idx="4294967295"/>
+          </p:nvPr>
+        </p:nvSpPr>
+        <p:spPr>
+          <a:xfrm>
+            <a:off x="1981200" y="1600201"/>
+            <a:ext cx="8229600" cy="4525963"/>
+          </a:xfrm>
+          <a:prstGeom prst="rect">
+            <a:avLst/>
+          </a:prstGeom>
+        </p:spPr>
+        <p:txBody>
+          <a:bodyPr/>
+          <a:lstStyle/>
+          <a:p>
+            <a:r>
+              <a:rPr lang="zh-CN" altLang="en-US" dirty="0" smtClean="0"/>
+              <a:t>扩展阅读</a:t>
+            </a:r>
+            <a:endParaRPr lang="en-US" altLang="zh-CN" dirty="0" smtClean="0"/>
+          </a:p>
+          <a:p>
+            <a:pPr lvl="1"/>
+            <a:r>
+              <a:rPr lang="zh-CN" altLang="en-US" dirty="0" smtClean="0"/>
+              <a:t>虚继承</a:t>
+            </a:r>
+            <a:endParaRPr lang="en-US" dirty="0"/>
+          </a:p>
+        </p:txBody>
+      </p:sp>
+    </p:spTree>
+    <p:extLst>
+      <p:ext uri="{BB962C8B-B14F-4D97-AF65-F5344CB8AC3E}">
+        <p14:creationId xmlns:p14="http://schemas.microsoft.com/office/powerpoint/2010/main" val="2085915080"/>
+      </p:ext>
+    </p:extLst>
+  </p:cSld>
+  <p:clrMapOvr>
+    <a:masterClrMapping/>
+  </p:clrMapOvr>
+  <p:timing>
+    <p:tnLst>
+      <p:par>
+        <p:cTn id="1" dur="indefinite" restart="never" nodeType="tmRoot"/>
+      </p:par>
+    </p:tnLst>
+  </p:timing>
+</p:sld>
+</file>
+
+<file path=ppt/slides/slide34.xml><?xml version="1.0" encoding="utf-8"?>
+<p:sld xmlns:a="http://schemas.openxmlformats.org/drawingml/2006/main" xmlns:r="http://schemas.openxmlformats.org/officeDocument/2006/relationships" xmlns:p="http://schemas.openxmlformats.org/presentationml/2006/main">
+  <p:cSld>
+    <p:spTree>
+      <p:nvGrpSpPr>
+        <p:cNvPr id="1" name=""/>
+        <p:cNvGrpSpPr/>
+        <p:nvPr/>
+      </p:nvGrpSpPr>
+      <p:grpSpPr>
+        <a:xfrm>
+          <a:off x="0" y="0"/>
+          <a:ext cx="0" cy="0"/>
+          <a:chOff x="0" y="0"/>
+          <a:chExt cx="0" cy="0"/>
+        </a:xfrm>
+      </p:grpSpPr>
+      <p:sp>
+        <p:nvSpPr>
+          <p:cNvPr id="2" name="Title 1"/>
+          <p:cNvSpPr>
+            <a:spLocks noGrp="1"/>
+          </p:cNvSpPr>
+          <p:nvPr>
+            <p:ph type="title"/>
+          </p:nvPr>
+        </p:nvSpPr>
+        <p:spPr/>
+        <p:txBody>
+          <a:bodyPr/>
+          <a:lstStyle/>
+          <a:p>
+            <a:r>
+              <a:rPr lang="zh-CN" altLang="en-US" dirty="0" smtClean="0"/>
+              <a:t>多态性</a:t>
+            </a:r>
+            <a:endParaRPr lang="en-US" dirty="0"/>
+          </a:p>
+        </p:txBody>
+      </p:sp>
+      <p:sp>
+        <p:nvSpPr>
+          <p:cNvPr id="3" name="Content Placeholder 2"/>
+          <p:cNvSpPr>
+            <a:spLocks noGrp="1"/>
+          </p:cNvSpPr>
+          <p:nvPr>
+            <p:ph idx="4294967295"/>
+          </p:nvPr>
+        </p:nvSpPr>
+        <p:spPr>
+          <a:xfrm>
+            <a:off x="1981200" y="1600201"/>
+            <a:ext cx="8229600" cy="4525963"/>
+          </a:xfrm>
+          <a:prstGeom prst="rect">
+            <a:avLst/>
+          </a:prstGeom>
+        </p:spPr>
+        <p:txBody>
+          <a:bodyPr/>
+          <a:lstStyle/>
+          <a:p>
+            <a:r>
+              <a:rPr lang="zh-TW" altLang="en-US" dirty="0"/>
+              <a:t>一个接口，多种</a:t>
+            </a:r>
+            <a:r>
+              <a:rPr lang="zh-TW" altLang="en-US" dirty="0" smtClean="0"/>
+              <a:t>方法</a:t>
+            </a:r>
+            <a:endParaRPr lang="en-US" altLang="zh-TW" dirty="0" smtClean="0"/>
+          </a:p>
+          <a:p>
+            <a:r>
+              <a:rPr lang="zh-TW" altLang="en-US" dirty="0"/>
+              <a:t>封装可以使得代码模块化，继承可以扩展已存在的代码，他们的目的都是为了代码重用。而多态的目的则是为了接</a:t>
+            </a:r>
+            <a:r>
+              <a:rPr lang="zh-TW" altLang="en-US" dirty="0" smtClean="0"/>
+              <a:t>口重用。</a:t>
+            </a:r>
+            <a:endParaRPr lang="en-US" dirty="0"/>
+          </a:p>
+        </p:txBody>
+      </p:sp>
+    </p:spTree>
+    <p:extLst>
+      <p:ext uri="{BB962C8B-B14F-4D97-AF65-F5344CB8AC3E}">
+        <p14:creationId xmlns:p14="http://schemas.microsoft.com/office/powerpoint/2010/main" val="587118762"/>
+      </p:ext>
+    </p:extLst>
+  </p:cSld>
+  <p:clrMapOvr>
+    <a:masterClrMapping/>
+  </p:clrMapOvr>
+  <p:timing>
+    <p:tnLst>
+      <p:par>
+        <p:cTn id="1" dur="indefinite" restart="never" nodeType="tmRoot"/>
+      </p:par>
+    </p:tnLst>
+  </p:timing>
+</p:sld>
+</file>
+
+<file path=ppt/slides/slide35.xml><?xml version="1.0" encoding="utf-8"?>
+<p:sld xmlns:a="http://schemas.openxmlformats.org/drawingml/2006/main" xmlns:r="http://schemas.openxmlformats.org/officeDocument/2006/relationships" xmlns:p="http://schemas.openxmlformats.org/presentationml/2006/main">
+  <p:cSld>
+    <p:spTree>
+      <p:nvGrpSpPr>
+        <p:cNvPr id="1" name=""/>
+        <p:cNvGrpSpPr/>
+        <p:nvPr/>
+      </p:nvGrpSpPr>
+      <p:grpSpPr>
+        <a:xfrm>
+          <a:off x="0" y="0"/>
+          <a:ext cx="0" cy="0"/>
+          <a:chOff x="0" y="0"/>
+          <a:chExt cx="0" cy="0"/>
+        </a:xfrm>
+      </p:grpSpPr>
+      <p:sp>
+        <p:nvSpPr>
+          <p:cNvPr id="2" name="Title 1"/>
+          <p:cNvSpPr>
+            <a:spLocks noGrp="1"/>
+          </p:cNvSpPr>
+          <p:nvPr>
+            <p:ph type="title"/>
+          </p:nvPr>
+        </p:nvSpPr>
+        <p:spPr/>
+        <p:txBody>
+          <a:bodyPr/>
+          <a:lstStyle/>
+          <a:p>
+            <a:r>
+              <a:rPr lang="en-US" altLang="zh-CN" dirty="0" smtClean="0"/>
+              <a:t>C++ </a:t>
+            </a:r>
+            <a:r>
+              <a:rPr lang="zh-CN" altLang="en-US" dirty="0" smtClean="0"/>
+              <a:t>动态多态</a:t>
+            </a:r>
+            <a:endParaRPr lang="en-US" dirty="0"/>
+          </a:p>
+        </p:txBody>
+      </p:sp>
+      <p:sp>
+        <p:nvSpPr>
+          <p:cNvPr id="3" name="Content Placeholder 2"/>
+          <p:cNvSpPr>
+            <a:spLocks noGrp="1"/>
+          </p:cNvSpPr>
+          <p:nvPr>
+            <p:ph idx="4294967295"/>
+          </p:nvPr>
+        </p:nvSpPr>
+        <p:spPr>
+          <a:xfrm>
+            <a:off x="1981200" y="1600201"/>
+            <a:ext cx="8229600" cy="4525963"/>
+          </a:xfrm>
+          <a:prstGeom prst="rect">
+            <a:avLst/>
+          </a:prstGeom>
+        </p:spPr>
+        <p:txBody>
+          <a:bodyPr/>
+          <a:lstStyle/>
+          <a:p>
+            <a:r>
+              <a:rPr lang="zh-CN" altLang="en-US" dirty="0" smtClean="0"/>
+              <a:t>方法是虚函数</a:t>
+            </a:r>
+            <a:endParaRPr lang="en-US" altLang="zh-CN" dirty="0" smtClean="0"/>
+          </a:p>
+          <a:p>
+            <a:r>
+              <a:rPr lang="zh-CN" altLang="en-US" dirty="0" smtClean="0"/>
+              <a:t>调用时使用指针或是引用</a:t>
+            </a:r>
+            <a:endParaRPr lang="en-US" dirty="0"/>
+          </a:p>
+        </p:txBody>
+      </p:sp>
+    </p:spTree>
+    <p:extLst>
+      <p:ext uri="{BB962C8B-B14F-4D97-AF65-F5344CB8AC3E}">
+        <p14:creationId xmlns:p14="http://schemas.microsoft.com/office/powerpoint/2010/main" val="1169238919"/>
+      </p:ext>
+    </p:extLst>
+  </p:cSld>
+  <p:clrMapOvr>
+    <a:masterClrMapping/>
+  </p:clrMapOvr>
+  <p:timing>
+    <p:tnLst>
+      <p:par>
+        <p:cTn id="1" dur="indefinite" restart="never" nodeType="tmRoot"/>
+      </p:par>
+    </p:tnLst>
+  </p:timing>
+</p:sld>
+</file>
+
+<file path=ppt/slides/slide36.xml><?xml version="1.0" encoding="utf-8"?>
+<p:sld xmlns:a="http://schemas.openxmlformats.org/drawingml/2006/main" xmlns:r="http://schemas.openxmlformats.org/officeDocument/2006/relationships" xmlns:p="http://schemas.openxmlformats.org/presentationml/2006/main">
+  <p:cSld>
+    <p:spTree>
+      <p:nvGrpSpPr>
+        <p:cNvPr id="1" name=""/>
+        <p:cNvGrpSpPr/>
+        <p:nvPr/>
+      </p:nvGrpSpPr>
+      <p:grpSpPr>
+        <a:xfrm>
+          <a:off x="0" y="0"/>
+          <a:ext cx="0" cy="0"/>
+          <a:chOff x="0" y="0"/>
+          <a:chExt cx="0" cy="0"/>
+        </a:xfrm>
+      </p:grpSpPr>
+      <p:sp>
+        <p:nvSpPr>
+          <p:cNvPr id="2" name="Title 1"/>
+          <p:cNvSpPr>
+            <a:spLocks noGrp="1"/>
+          </p:cNvSpPr>
+          <p:nvPr>
+            <p:ph type="title"/>
+          </p:nvPr>
+        </p:nvSpPr>
+        <p:spPr/>
+        <p:txBody>
+          <a:bodyPr/>
+          <a:lstStyle/>
+          <a:p>
+            <a:endParaRPr lang="en-US"/>
+          </a:p>
+        </p:txBody>
+      </p:sp>
+      <p:pic>
+        <p:nvPicPr>
+          <p:cNvPr id="4" name="Content Placeholder 3"/>
+          <p:cNvPicPr>
+            <a:picLocks noGrp="1" noChangeAspect="1"/>
+          </p:cNvPicPr>
+          <p:nvPr>
+            <p:ph idx="4294967295"/>
+          </p:nvPr>
+        </p:nvPicPr>
+        <p:blipFill>
+          <a:blip r:embed="rId2"/>
+          <a:srcRect l="-70505" r="-70505"/>
+          <a:stretch>
+            <a:fillRect/>
+          </a:stretch>
+        </p:blipFill>
+        <p:spPr>
+          <a:xfrm>
+            <a:off x="1981200" y="1600201"/>
+            <a:ext cx="8229600" cy="4525963"/>
+          </a:xfrm>
+          <a:prstGeom prst="rect">
+            <a:avLst/>
+          </a:prstGeom>
+        </p:spPr>
+      </p:pic>
+    </p:spTree>
+    <p:extLst>
+      <p:ext uri="{BB962C8B-B14F-4D97-AF65-F5344CB8AC3E}">
+        <p14:creationId xmlns:p14="http://schemas.microsoft.com/office/powerpoint/2010/main" val="1952228064"/>
+      </p:ext>
+    </p:extLst>
+  </p:cSld>
+  <p:clrMapOvr>
+    <a:masterClrMapping/>
+  </p:clrMapOvr>
+  <p:timing>
+    <p:tnLst>
+      <p:par>
+        <p:cTn id="1" dur="indefinite" restart="never" nodeType="tmRoot"/>
+      </p:par>
+    </p:tnLst>
+  </p:timing>
+</p:sld>
+</file>
+
+<file path=ppt/slides/slide37.xml><?xml version="1.0" encoding="utf-8"?>
+<p:sld xmlns:a="http://schemas.openxmlformats.org/drawingml/2006/main" xmlns:r="http://schemas.openxmlformats.org/officeDocument/2006/relationships" xmlns:p="http://schemas.openxmlformats.org/presentationml/2006/main">
+  <p:cSld>
+    <p:spTree>
+      <p:nvGrpSpPr>
+        <p:cNvPr id="1" name=""/>
+        <p:cNvGrpSpPr/>
+        <p:nvPr/>
+      </p:nvGrpSpPr>
+      <p:grpSpPr>
+        <a:xfrm>
+          <a:off x="0" y="0"/>
+          <a:ext cx="0" cy="0"/>
+          <a:chOff x="0" y="0"/>
+          <a:chExt cx="0" cy="0"/>
+        </a:xfrm>
+      </p:grpSpPr>
+      <p:sp>
+        <p:nvSpPr>
+          <p:cNvPr id="2" name="Title 1"/>
+          <p:cNvSpPr>
+            <a:spLocks noGrp="1"/>
+          </p:cNvSpPr>
+          <p:nvPr>
+            <p:ph type="title"/>
+          </p:nvPr>
+        </p:nvSpPr>
+        <p:spPr/>
+        <p:txBody>
+          <a:bodyPr/>
+          <a:lstStyle/>
+          <a:p>
+            <a:endParaRPr lang="en-US"/>
+          </a:p>
+        </p:txBody>
+      </p:sp>
+      <p:pic>
+        <p:nvPicPr>
+          <p:cNvPr id="4" name="Content Placeholder 3"/>
+          <p:cNvPicPr>
+            <a:picLocks noGrp="1" noChangeAspect="1"/>
+          </p:cNvPicPr>
+          <p:nvPr>
+            <p:ph idx="4294967295"/>
+          </p:nvPr>
+        </p:nvPicPr>
+        <p:blipFill>
+          <a:blip r:embed="rId2"/>
+          <a:srcRect l="468" r="468"/>
+          <a:stretch>
+            <a:fillRect/>
+          </a:stretch>
+        </p:blipFill>
+        <p:spPr>
+          <a:xfrm>
+            <a:off x="1981200" y="1600201"/>
+            <a:ext cx="8229600" cy="4525963"/>
+          </a:xfrm>
+          <a:prstGeom prst="rect">
+            <a:avLst/>
+          </a:prstGeom>
+        </p:spPr>
+      </p:pic>
+    </p:spTree>
+    <p:extLst>
+      <p:ext uri="{BB962C8B-B14F-4D97-AF65-F5344CB8AC3E}">
+        <p14:creationId xmlns:p14="http://schemas.microsoft.com/office/powerpoint/2010/main" val="3681559070"/>
+      </p:ext>
+    </p:extLst>
+  </p:cSld>
+  <p:clrMapOvr>
+    <a:masterClrMapping/>
+  </p:clrMapOvr>
+  <p:timing>
+    <p:tnLst>
+      <p:par>
+        <p:cTn id="1" dur="indefinite" restart="never" nodeType="tmRoot"/>
+      </p:par>
+    </p:tnLst>
+  </p:timing>
+</p:sld>
+</file>
+
+<file path=ppt/slides/slide38.xml><?xml version="1.0" encoding="utf-8"?>
+<p:sld xmlns:a="http://schemas.openxmlformats.org/drawingml/2006/main" xmlns:r="http://schemas.openxmlformats.org/officeDocument/2006/relationships" xmlns:p="http://schemas.openxmlformats.org/presentationml/2006/main">
+  <p:cSld>
+    <p:spTree>
+      <p:nvGrpSpPr>
+        <p:cNvPr id="1" name=""/>
+        <p:cNvGrpSpPr/>
+        <p:nvPr/>
+      </p:nvGrpSpPr>
+      <p:grpSpPr>
+        <a:xfrm>
+          <a:off x="0" y="0"/>
+          <a:ext cx="0" cy="0"/>
+          <a:chOff x="0" y="0"/>
+          <a:chExt cx="0" cy="0"/>
+        </a:xfrm>
+      </p:grpSpPr>
+      <p:sp>
+        <p:nvSpPr>
+          <p:cNvPr id="2" name="Title 1"/>
+          <p:cNvSpPr>
+            <a:spLocks noGrp="1"/>
+          </p:cNvSpPr>
+          <p:nvPr>
+            <p:ph type="title"/>
+          </p:nvPr>
+        </p:nvSpPr>
+        <p:spPr/>
+        <p:txBody>
+          <a:bodyPr/>
+          <a:lstStyle/>
+          <a:p>
+            <a:r>
+              <a:rPr lang="zh-CN" altLang="en-US" dirty="0" smtClean="0"/>
+              <a:t>多态</a:t>
+            </a:r>
+            <a:r>
+              <a:rPr lang="en-US" altLang="zh-CN" dirty="0" smtClean="0"/>
+              <a:t> </a:t>
+            </a:r>
+            <a:r>
+              <a:rPr lang="zh-CN" altLang="en-US" dirty="0" smtClean="0"/>
+              <a:t>实现</a:t>
+            </a:r>
+            <a:endParaRPr lang="en-US" dirty="0"/>
+          </a:p>
+        </p:txBody>
+      </p:sp>
+      <p:pic>
+        <p:nvPicPr>
+          <p:cNvPr id="4" name="Content Placeholder 3"/>
+          <p:cNvPicPr>
+            <a:picLocks noGrp="1" noChangeAspect="1"/>
+          </p:cNvPicPr>
+          <p:nvPr>
+            <p:ph idx="4294967295"/>
+          </p:nvPr>
+        </p:nvPicPr>
+        <p:blipFill>
+          <a:blip r:embed="rId2"/>
+          <a:srcRect t="7488" b="7488"/>
+          <a:stretch>
+            <a:fillRect/>
+          </a:stretch>
+        </p:blipFill>
+        <p:spPr>
+          <a:xfrm>
+            <a:off x="1981200" y="1600201"/>
+            <a:ext cx="8229600" cy="4525963"/>
+          </a:xfrm>
+          <a:prstGeom prst="rect">
+            <a:avLst/>
+          </a:prstGeom>
+        </p:spPr>
+      </p:pic>
+    </p:spTree>
+    <p:extLst>
+      <p:ext uri="{BB962C8B-B14F-4D97-AF65-F5344CB8AC3E}">
+        <p14:creationId xmlns:p14="http://schemas.microsoft.com/office/powerpoint/2010/main" val="3178645390"/>
+      </p:ext>
+    </p:extLst>
+  </p:cSld>
+  <p:clrMapOvr>
+    <a:masterClrMapping/>
+  </p:clrMapOvr>
+  <p:timing>
+    <p:tnLst>
+      <p:par>
+        <p:cTn id="1" dur="indefinite" restart="never" nodeType="tmRoot"/>
+      </p:par>
+    </p:tnLst>
+  </p:timing>
+</p:sld>
+</file>
+
+<file path=ppt/slides/slide39.xml><?xml version="1.0" encoding="utf-8"?>
+<p:sld xmlns:a="http://schemas.openxmlformats.org/drawingml/2006/main" xmlns:r="http://schemas.openxmlformats.org/officeDocument/2006/relationships" xmlns:p="http://schemas.openxmlformats.org/presentationml/2006/main">
+  <p:cSld>
+    <p:spTree>
+      <p:nvGrpSpPr>
+        <p:cNvPr id="1" name=""/>
+        <p:cNvGrpSpPr/>
+        <p:nvPr/>
+      </p:nvGrpSpPr>
+      <p:grpSpPr>
+        <a:xfrm>
+          <a:off x="0" y="0"/>
+          <a:ext cx="0" cy="0"/>
+          <a:chOff x="0" y="0"/>
+          <a:chExt cx="0" cy="0"/>
+        </a:xfrm>
+      </p:grpSpPr>
+      <p:sp>
+        <p:nvSpPr>
+          <p:cNvPr id="2" name="Title 1"/>
+          <p:cNvSpPr>
+            <a:spLocks noGrp="1"/>
+          </p:cNvSpPr>
+          <p:nvPr>
+            <p:ph type="title"/>
+          </p:nvPr>
+        </p:nvSpPr>
+        <p:spPr/>
+        <p:txBody>
+          <a:bodyPr/>
+          <a:lstStyle/>
+          <a:p>
+            <a:r>
+              <a:rPr lang="en-US" altLang="zh-CN" dirty="0" smtClean="0"/>
+              <a:t>Q&amp;A</a:t>
+            </a:r>
+            <a:endParaRPr lang="en-US" dirty="0"/>
+          </a:p>
+        </p:txBody>
+      </p:sp>
+      <p:sp>
+        <p:nvSpPr>
+          <p:cNvPr id="3" name="Content Placeholder 2"/>
+          <p:cNvSpPr>
+            <a:spLocks noGrp="1"/>
+          </p:cNvSpPr>
+          <p:nvPr>
+            <p:ph idx="4294967295"/>
+          </p:nvPr>
+        </p:nvSpPr>
+        <p:spPr>
+          <a:xfrm>
+            <a:off x="1981200" y="1600201"/>
+            <a:ext cx="8229600" cy="4525963"/>
+          </a:xfrm>
+          <a:prstGeom prst="rect">
+            <a:avLst/>
+          </a:prstGeom>
+        </p:spPr>
+        <p:txBody>
+          <a:bodyPr/>
+          <a:lstStyle/>
+          <a:p>
+            <a:r>
+              <a:rPr lang="zh-CN" altLang="en-US" dirty="0" smtClean="0"/>
+              <a:t>设计一个可以储存所有类型的数组</a:t>
+            </a:r>
+            <a:endParaRPr lang="en-US" altLang="zh-CN" dirty="0" smtClean="0"/>
+          </a:p>
+          <a:p>
+            <a:pPr lvl="1"/>
+            <a:r>
+              <a:rPr lang="en-US" altLang="zh-CN" dirty="0" smtClean="0"/>
+              <a:t>Class shape</a:t>
+            </a:r>
+            <a:endParaRPr lang="en-US" altLang="zh-CN" dirty="0"/>
+          </a:p>
+          <a:p>
+            <a:pPr lvl="1"/>
+            <a:r>
+              <a:rPr lang="en-US" altLang="zh-CN" dirty="0" smtClean="0"/>
+              <a:t>Class triangle</a:t>
+            </a:r>
+            <a:r>
+              <a:rPr lang="en-US" altLang="zh-CN" dirty="0"/>
+              <a:t> </a:t>
+            </a:r>
+            <a:r>
+              <a:rPr lang="en-US" altLang="zh-CN" dirty="0" smtClean="0"/>
+              <a:t>, round, quadrangle</a:t>
+            </a:r>
+            <a:endParaRPr lang="en-US" altLang="zh-CN" dirty="0"/>
+          </a:p>
+          <a:p>
+            <a:pPr lvl="1"/>
+            <a:r>
+              <a:rPr lang="zh-CN" altLang="en-US" dirty="0" smtClean="0"/>
+              <a:t>每一个类都有一个方法用来输出面积</a:t>
+            </a:r>
+            <a:r>
+              <a:rPr lang="en-US" altLang="zh-CN" dirty="0" smtClean="0"/>
+              <a:t>area</a:t>
+            </a:r>
+          </a:p>
+          <a:p>
+            <a:pPr lvl="1"/>
+            <a:r>
+              <a:rPr lang="zh-CN" altLang="en-US" dirty="0" smtClean="0"/>
+              <a:t>用一个循环输出它们</a:t>
+            </a:r>
+            <a:endParaRPr lang="en-US" altLang="zh-CN" dirty="0" smtClean="0"/>
+          </a:p>
+        </p:txBody>
+      </p:sp>
+    </p:spTree>
+    <p:extLst>
+      <p:ext uri="{BB962C8B-B14F-4D97-AF65-F5344CB8AC3E}">
+        <p14:creationId xmlns:p14="http://schemas.microsoft.com/office/powerpoint/2010/main" val="1374708428"/>
+      </p:ext>
+    </p:extLst>
+  </p:cSld>
+  <p:clrMapOvr>
+    <a:masterClrMapping/>
+  </p:clrMapOvr>
+  <p:timing>
+    <p:tnLst>
+      <p:par>
+        <p:cTn id="1" dur="indefinite" restart="never" nodeType="tmRoot"/>
+      </p:par>
+    </p:tnLst>
+  </p:timing>
 </p:sld>
 </file>
 
@@ -5685,7 +7805,7 @@
               <a:buChar char="•"/>
             </a:pPr>
             <a:r>
-              <a:rPr lang="en-US" sz="2800">
+              <a:rPr lang="en-US" sz="2800" dirty="0">
                 <a:solidFill>
                   <a:srgbClr val="000000"/>
                 </a:solidFill>
@@ -5693,7 +7813,7 @@
               </a:rPr>
               <a:t>C++ allows overloading of all function names and nearly all operators that handle user-defined types.</a:t>
             </a:r>
-            <a:endParaRPr/>
+            <a:endParaRPr dirty="0"/>
           </a:p>
           <a:p>
             <a:pPr>
@@ -5704,7 +7824,7 @@
               <a:buChar char="•"/>
             </a:pPr>
             <a:r>
-              <a:rPr lang="en-US" sz="2800">
+              <a:rPr lang="en-US" sz="2800" dirty="0">
                 <a:solidFill>
                   <a:srgbClr val="000000"/>
                 </a:solidFill>
@@ -5712,7 +7832,7 @@
               </a:rPr>
               <a:t> You may not overload:</a:t>
             </a:r>
-            <a:endParaRPr/>
+            <a:endParaRPr dirty="0"/>
           </a:p>
           <a:p>
             <a:pPr lvl="1">
@@ -5723,7 +7843,7 @@
               <a:buChar char="•"/>
             </a:pPr>
             <a:r>
-              <a:rPr lang="en-US" sz="2400">
+              <a:rPr lang="en-US" sz="2400" dirty="0">
                 <a:solidFill>
                   <a:srgbClr val="000000"/>
                 </a:solidFill>
@@ -5731,7 +7851,7 @@
               </a:rPr>
               <a:t>the scope resolution operator ::</a:t>
             </a:r>
-            <a:endParaRPr/>
+            <a:endParaRPr dirty="0"/>
           </a:p>
           <a:p>
             <a:pPr lvl="1">
@@ -5742,7 +7862,7 @@
               <a:buChar char="•"/>
             </a:pPr>
             <a:r>
-              <a:rPr lang="en-US" sz="2400">
+              <a:rPr lang="en-US" sz="2400" dirty="0">
                 <a:solidFill>
                   <a:srgbClr val="000000"/>
                 </a:solidFill>
@@ -5750,7 +7870,7 @@
               </a:rPr>
               <a:t>the member selection (dot) operator .</a:t>
             </a:r>
-            <a:endParaRPr/>
+            <a:endParaRPr dirty="0"/>
           </a:p>
         </p:txBody>
       </p:sp>
@@ -5759,6 +7879,643 @@
   <p:clrMapOvr>
     <a:masterClrMapping/>
   </p:clrMapOvr>
+</p:sld>
+</file>
+
+<file path=ppt/slides/slide40.xml><?xml version="1.0" encoding="utf-8"?>
+<p:sld xmlns:a="http://schemas.openxmlformats.org/drawingml/2006/main" xmlns:r="http://schemas.openxmlformats.org/officeDocument/2006/relationships" xmlns:p="http://schemas.openxmlformats.org/presentationml/2006/main">
+  <p:cSld>
+    <p:spTree>
+      <p:nvGrpSpPr>
+        <p:cNvPr id="1" name=""/>
+        <p:cNvGrpSpPr/>
+        <p:nvPr/>
+      </p:nvGrpSpPr>
+      <p:grpSpPr>
+        <a:xfrm>
+          <a:off x="0" y="0"/>
+          <a:ext cx="0" cy="0"/>
+          <a:chOff x="0" y="0"/>
+          <a:chExt cx="0" cy="0"/>
+        </a:xfrm>
+      </p:grpSpPr>
+      <p:sp>
+        <p:nvSpPr>
+          <p:cNvPr id="2" name="Title 1"/>
+          <p:cNvSpPr>
+            <a:spLocks noGrp="1"/>
+          </p:cNvSpPr>
+          <p:nvPr>
+            <p:ph type="title"/>
+          </p:nvPr>
+        </p:nvSpPr>
+        <p:spPr/>
+        <p:txBody>
+          <a:bodyPr/>
+          <a:lstStyle/>
+          <a:p>
+            <a:r>
+              <a:rPr lang="zh-CN" altLang="en-US" dirty="0" smtClean="0"/>
+              <a:t>多态</a:t>
+            </a:r>
+            <a:r>
+              <a:rPr lang="en-US" altLang="zh-CN" dirty="0" smtClean="0"/>
+              <a:t> </a:t>
+            </a:r>
+            <a:r>
+              <a:rPr lang="zh-CN" altLang="en-US" dirty="0" smtClean="0"/>
+              <a:t>扩展阅读</a:t>
+            </a:r>
+            <a:endParaRPr lang="en-US" dirty="0"/>
+          </a:p>
+        </p:txBody>
+      </p:sp>
+      <p:sp>
+        <p:nvSpPr>
+          <p:cNvPr id="3" name="Content Placeholder 2"/>
+          <p:cNvSpPr>
+            <a:spLocks noGrp="1"/>
+          </p:cNvSpPr>
+          <p:nvPr>
+            <p:ph idx="4294967295"/>
+          </p:nvPr>
+        </p:nvSpPr>
+        <p:spPr>
+          <a:xfrm>
+            <a:off x="1981200" y="1600201"/>
+            <a:ext cx="8229600" cy="4525963"/>
+          </a:xfrm>
+          <a:prstGeom prst="rect">
+            <a:avLst/>
+          </a:prstGeom>
+        </p:spPr>
+        <p:txBody>
+          <a:bodyPr/>
+          <a:lstStyle/>
+          <a:p>
+            <a:r>
+              <a:rPr lang="zh-CN" altLang="en-US" dirty="0" smtClean="0"/>
+              <a:t>纯虚函数</a:t>
+            </a:r>
+            <a:endParaRPr lang="en-US" dirty="0"/>
+          </a:p>
+        </p:txBody>
+      </p:sp>
+    </p:spTree>
+    <p:extLst>
+      <p:ext uri="{BB962C8B-B14F-4D97-AF65-F5344CB8AC3E}">
+        <p14:creationId xmlns:p14="http://schemas.microsoft.com/office/powerpoint/2010/main" val="3547142399"/>
+      </p:ext>
+    </p:extLst>
+  </p:cSld>
+  <p:clrMapOvr>
+    <a:masterClrMapping/>
+  </p:clrMapOvr>
+  <p:timing>
+    <p:tnLst>
+      <p:par>
+        <p:cTn id="1" dur="indefinite" restart="never" nodeType="tmRoot"/>
+      </p:par>
+    </p:tnLst>
+  </p:timing>
+</p:sld>
+</file>
+
+<file path=ppt/slides/slide41.xml><?xml version="1.0" encoding="utf-8"?>
+<p:sld xmlns:a="http://schemas.openxmlformats.org/drawingml/2006/main" xmlns:r="http://schemas.openxmlformats.org/officeDocument/2006/relationships" xmlns:p="http://schemas.openxmlformats.org/presentationml/2006/main">
+  <p:cSld>
+    <p:spTree>
+      <p:nvGrpSpPr>
+        <p:cNvPr id="1" name=""/>
+        <p:cNvGrpSpPr/>
+        <p:nvPr/>
+      </p:nvGrpSpPr>
+      <p:grpSpPr>
+        <a:xfrm>
+          <a:off x="0" y="0"/>
+          <a:ext cx="0" cy="0"/>
+          <a:chOff x="0" y="0"/>
+          <a:chExt cx="0" cy="0"/>
+        </a:xfrm>
+      </p:grpSpPr>
+      <p:sp>
+        <p:nvSpPr>
+          <p:cNvPr id="2" name="Title 1"/>
+          <p:cNvSpPr>
+            <a:spLocks noGrp="1"/>
+          </p:cNvSpPr>
+          <p:nvPr>
+            <p:ph type="title"/>
+          </p:nvPr>
+        </p:nvSpPr>
+        <p:spPr/>
+        <p:txBody>
+          <a:bodyPr/>
+          <a:lstStyle/>
+          <a:p>
+            <a:r>
+              <a:rPr lang="en-US" dirty="0" smtClean="0"/>
+              <a:t>模板</a:t>
+            </a:r>
+            <a:endParaRPr lang="en-US" dirty="0"/>
+          </a:p>
+        </p:txBody>
+      </p:sp>
+      <p:pic>
+        <p:nvPicPr>
+          <p:cNvPr id="4" name="Content Placeholder 3"/>
+          <p:cNvPicPr>
+            <a:picLocks noGrp="1" noChangeAspect="1"/>
+          </p:cNvPicPr>
+          <p:nvPr>
+            <p:ph idx="4294967295"/>
+          </p:nvPr>
+        </p:nvPicPr>
+        <p:blipFill>
+          <a:blip r:embed="rId2"/>
+          <a:srcRect t="3188" b="3188"/>
+          <a:stretch>
+            <a:fillRect/>
+          </a:stretch>
+        </p:blipFill>
+        <p:spPr>
+          <a:xfrm>
+            <a:off x="1981200" y="1600201"/>
+            <a:ext cx="8229600" cy="4525963"/>
+          </a:xfrm>
+          <a:prstGeom prst="rect">
+            <a:avLst/>
+          </a:prstGeom>
+        </p:spPr>
+      </p:pic>
+    </p:spTree>
+    <p:extLst>
+      <p:ext uri="{BB962C8B-B14F-4D97-AF65-F5344CB8AC3E}">
+        <p14:creationId xmlns:p14="http://schemas.microsoft.com/office/powerpoint/2010/main" val="716708185"/>
+      </p:ext>
+    </p:extLst>
+  </p:cSld>
+  <p:clrMapOvr>
+    <a:masterClrMapping/>
+  </p:clrMapOvr>
+  <p:timing>
+    <p:tnLst>
+      <p:par>
+        <p:cTn id="1" dur="indefinite" restart="never" nodeType="tmRoot"/>
+      </p:par>
+    </p:tnLst>
+  </p:timing>
+</p:sld>
+</file>
+
+<file path=ppt/slides/slide42.xml><?xml version="1.0" encoding="utf-8"?>
+<p:sld xmlns:a="http://schemas.openxmlformats.org/drawingml/2006/main" xmlns:r="http://schemas.openxmlformats.org/officeDocument/2006/relationships" xmlns:p="http://schemas.openxmlformats.org/presentationml/2006/main">
+  <p:cSld>
+    <p:spTree>
+      <p:nvGrpSpPr>
+        <p:cNvPr id="1" name=""/>
+        <p:cNvGrpSpPr/>
+        <p:nvPr/>
+      </p:nvGrpSpPr>
+      <p:grpSpPr>
+        <a:xfrm>
+          <a:off x="0" y="0"/>
+          <a:ext cx="0" cy="0"/>
+          <a:chOff x="0" y="0"/>
+          <a:chExt cx="0" cy="0"/>
+        </a:xfrm>
+      </p:grpSpPr>
+      <p:sp>
+        <p:nvSpPr>
+          <p:cNvPr id="2" name="Title 1"/>
+          <p:cNvSpPr>
+            <a:spLocks noGrp="1"/>
+          </p:cNvSpPr>
+          <p:nvPr>
+            <p:ph type="title"/>
+          </p:nvPr>
+        </p:nvSpPr>
+        <p:spPr/>
+        <p:txBody>
+          <a:bodyPr/>
+          <a:lstStyle/>
+          <a:p>
+            <a:r>
+              <a:rPr lang="zh-CN" altLang="en-US" dirty="0" smtClean="0"/>
+              <a:t>模板</a:t>
+            </a:r>
+            <a:endParaRPr lang="en-US" dirty="0"/>
+          </a:p>
+        </p:txBody>
+      </p:sp>
+      <p:sp>
+        <p:nvSpPr>
+          <p:cNvPr id="3" name="Content Placeholder 2"/>
+          <p:cNvSpPr>
+            <a:spLocks noGrp="1"/>
+          </p:cNvSpPr>
+          <p:nvPr>
+            <p:ph idx="4294967295"/>
+          </p:nvPr>
+        </p:nvSpPr>
+        <p:spPr>
+          <a:xfrm>
+            <a:off x="1981200" y="1600201"/>
+            <a:ext cx="8229600" cy="4525963"/>
+          </a:xfrm>
+          <a:prstGeom prst="rect">
+            <a:avLst/>
+          </a:prstGeom>
+        </p:spPr>
+        <p:txBody>
+          <a:bodyPr/>
+          <a:lstStyle/>
+          <a:p>
+            <a:r>
+              <a:rPr lang="zh-TW" altLang="en-US" dirty="0"/>
+              <a:t>模板可以实现类型的参数化</a:t>
+            </a:r>
+            <a:r>
+              <a:rPr lang="en-US" altLang="zh-TW" dirty="0"/>
+              <a:t>(</a:t>
+            </a:r>
+            <a:r>
+              <a:rPr lang="zh-TW" altLang="en-US" dirty="0"/>
+              <a:t>把类型定义为参数</a:t>
+            </a:r>
+            <a:r>
+              <a:rPr lang="en-US" altLang="zh-TW" dirty="0"/>
+              <a:t>)</a:t>
+            </a:r>
+            <a:r>
+              <a:rPr lang="zh-TW" altLang="en-US" dirty="0"/>
+              <a:t>，从而实现了真正的代码可重用性。</a:t>
+            </a:r>
+            <a:endParaRPr lang="en-US" dirty="0"/>
+          </a:p>
+        </p:txBody>
+      </p:sp>
+    </p:spTree>
+    <p:extLst>
+      <p:ext uri="{BB962C8B-B14F-4D97-AF65-F5344CB8AC3E}">
+        <p14:creationId xmlns:p14="http://schemas.microsoft.com/office/powerpoint/2010/main" val="2568666227"/>
+      </p:ext>
+    </p:extLst>
+  </p:cSld>
+  <p:clrMapOvr>
+    <a:masterClrMapping/>
+  </p:clrMapOvr>
+  <p:timing>
+    <p:tnLst>
+      <p:par>
+        <p:cTn id="1" dur="indefinite" restart="never" nodeType="tmRoot"/>
+      </p:par>
+    </p:tnLst>
+  </p:timing>
+</p:sld>
+</file>
+
+<file path=ppt/slides/slide43.xml><?xml version="1.0" encoding="utf-8"?>
+<p:sld xmlns:a="http://schemas.openxmlformats.org/drawingml/2006/main" xmlns:r="http://schemas.openxmlformats.org/officeDocument/2006/relationships" xmlns:p="http://schemas.openxmlformats.org/presentationml/2006/main">
+  <p:cSld>
+    <p:spTree>
+      <p:nvGrpSpPr>
+        <p:cNvPr id="1" name=""/>
+        <p:cNvGrpSpPr/>
+        <p:nvPr/>
+      </p:nvGrpSpPr>
+      <p:grpSpPr>
+        <a:xfrm>
+          <a:off x="0" y="0"/>
+          <a:ext cx="0" cy="0"/>
+          <a:chOff x="0" y="0"/>
+          <a:chExt cx="0" cy="0"/>
+        </a:xfrm>
+      </p:grpSpPr>
+      <p:sp>
+        <p:nvSpPr>
+          <p:cNvPr id="2" name="Title 1"/>
+          <p:cNvSpPr>
+            <a:spLocks noGrp="1"/>
+          </p:cNvSpPr>
+          <p:nvPr>
+            <p:ph type="title"/>
+          </p:nvPr>
+        </p:nvSpPr>
+        <p:spPr/>
+        <p:txBody>
+          <a:bodyPr/>
+          <a:lstStyle/>
+          <a:p>
+            <a:r>
+              <a:rPr lang="en-US" dirty="0" smtClean="0"/>
+              <a:t>STL</a:t>
+            </a:r>
+            <a:endParaRPr lang="en-US" dirty="0"/>
+          </a:p>
+        </p:txBody>
+      </p:sp>
+      <p:pic>
+        <p:nvPicPr>
+          <p:cNvPr id="4" name="Content Placeholder 3"/>
+          <p:cNvPicPr>
+            <a:picLocks noGrp="1" noChangeAspect="1"/>
+          </p:cNvPicPr>
+          <p:nvPr>
+            <p:ph idx="4294967295"/>
+          </p:nvPr>
+        </p:nvPicPr>
+        <p:blipFill>
+          <a:blip r:embed="rId2"/>
+          <a:srcRect l="12303" r="12303"/>
+          <a:stretch>
+            <a:fillRect/>
+          </a:stretch>
+        </p:blipFill>
+        <p:spPr>
+          <a:xfrm>
+            <a:off x="1981200" y="1600201"/>
+            <a:ext cx="8229600" cy="4525963"/>
+          </a:xfrm>
+          <a:prstGeom prst="rect">
+            <a:avLst/>
+          </a:prstGeom>
+        </p:spPr>
+      </p:pic>
+    </p:spTree>
+    <p:extLst>
+      <p:ext uri="{BB962C8B-B14F-4D97-AF65-F5344CB8AC3E}">
+        <p14:creationId xmlns:p14="http://schemas.microsoft.com/office/powerpoint/2010/main" val="3423107880"/>
+      </p:ext>
+    </p:extLst>
+  </p:cSld>
+  <p:clrMapOvr>
+    <a:masterClrMapping/>
+  </p:clrMapOvr>
+  <p:timing>
+    <p:tnLst>
+      <p:par>
+        <p:cTn id="1" dur="indefinite" restart="never" nodeType="tmRoot"/>
+      </p:par>
+    </p:tnLst>
+  </p:timing>
+</p:sld>
+</file>
+
+<file path=ppt/slides/slide44.xml><?xml version="1.0" encoding="utf-8"?>
+<p:sld xmlns:a="http://schemas.openxmlformats.org/drawingml/2006/main" xmlns:r="http://schemas.openxmlformats.org/officeDocument/2006/relationships" xmlns:p="http://schemas.openxmlformats.org/presentationml/2006/main">
+  <p:cSld>
+    <p:spTree>
+      <p:nvGrpSpPr>
+        <p:cNvPr id="1" name=""/>
+        <p:cNvGrpSpPr/>
+        <p:nvPr/>
+      </p:nvGrpSpPr>
+      <p:grpSpPr>
+        <a:xfrm>
+          <a:off x="0" y="0"/>
+          <a:ext cx="0" cy="0"/>
+          <a:chOff x="0" y="0"/>
+          <a:chExt cx="0" cy="0"/>
+        </a:xfrm>
+      </p:grpSpPr>
+      <p:sp>
+        <p:nvSpPr>
+          <p:cNvPr id="2" name="Title 1"/>
+          <p:cNvSpPr>
+            <a:spLocks noGrp="1"/>
+          </p:cNvSpPr>
+          <p:nvPr>
+            <p:ph type="title"/>
+          </p:nvPr>
+        </p:nvSpPr>
+        <p:spPr/>
+        <p:txBody>
+          <a:bodyPr/>
+          <a:lstStyle/>
+          <a:p>
+            <a:r>
+              <a:rPr lang="en-US" dirty="0" smtClean="0"/>
+              <a:t>Q&amp;A</a:t>
+            </a:r>
+            <a:endParaRPr lang="en-US" dirty="0"/>
+          </a:p>
+        </p:txBody>
+      </p:sp>
+      <p:sp>
+        <p:nvSpPr>
+          <p:cNvPr id="3" name="Content Placeholder 2"/>
+          <p:cNvSpPr>
+            <a:spLocks noGrp="1"/>
+          </p:cNvSpPr>
+          <p:nvPr>
+            <p:ph idx="4294967295"/>
+          </p:nvPr>
+        </p:nvSpPr>
+        <p:spPr>
+          <a:xfrm>
+            <a:off x="1981200" y="1600201"/>
+            <a:ext cx="8229600" cy="4525963"/>
+          </a:xfrm>
+          <a:prstGeom prst="rect">
+            <a:avLst/>
+          </a:prstGeom>
+        </p:spPr>
+        <p:txBody>
+          <a:bodyPr/>
+          <a:lstStyle/>
+          <a:p>
+            <a:r>
+              <a:rPr lang="zh-CN" altLang="en-US" dirty="0" smtClean="0"/>
+              <a:t>使用</a:t>
+            </a:r>
+            <a:r>
+              <a:rPr lang="en-US" altLang="zh-CN" dirty="0" smtClean="0"/>
+              <a:t>vector</a:t>
+            </a:r>
+            <a:r>
+              <a:rPr lang="zh-CN" altLang="en-US" dirty="0" smtClean="0"/>
+              <a:t>存储</a:t>
+            </a:r>
+            <a:r>
+              <a:rPr lang="en-US" altLang="zh-CN" dirty="0" smtClean="0"/>
+              <a:t>shape</a:t>
+            </a:r>
+            <a:r>
+              <a:rPr lang="zh-CN" altLang="en-US" dirty="0" smtClean="0"/>
+              <a:t>对象</a:t>
+            </a:r>
+            <a:endParaRPr lang="en-US" altLang="zh-CN" dirty="0" smtClean="0"/>
+          </a:p>
+          <a:p>
+            <a:pPr lvl="1"/>
+            <a:r>
+              <a:rPr lang="en-US" altLang="zh-CN" dirty="0" smtClean="0"/>
+              <a:t>Class </a:t>
+            </a:r>
+            <a:r>
+              <a:rPr lang="en-US" altLang="zh-CN" dirty="0"/>
+              <a:t>shape</a:t>
+            </a:r>
+          </a:p>
+          <a:p>
+            <a:pPr lvl="1"/>
+            <a:r>
+              <a:rPr lang="en-US" altLang="zh-CN" dirty="0"/>
+              <a:t>Class triangle , round, quadrangle</a:t>
+            </a:r>
+          </a:p>
+          <a:p>
+            <a:pPr lvl="1"/>
+            <a:r>
+              <a:rPr lang="zh-CN" altLang="en-US" dirty="0"/>
+              <a:t>每一个类都有一个方法用来输出面积</a:t>
+            </a:r>
+            <a:r>
+              <a:rPr lang="en-US" altLang="zh-CN" dirty="0"/>
+              <a:t>area</a:t>
+            </a:r>
+          </a:p>
+          <a:p>
+            <a:pPr lvl="1"/>
+            <a:r>
+              <a:rPr lang="zh-CN" altLang="en-US" dirty="0"/>
+              <a:t>用一个循环输出它们</a:t>
+            </a:r>
+            <a:endParaRPr lang="en-US" altLang="zh-CN" dirty="0"/>
+          </a:p>
+          <a:p>
+            <a:endParaRPr lang="en-US" dirty="0"/>
+          </a:p>
+        </p:txBody>
+      </p:sp>
+    </p:spTree>
+    <p:extLst>
+      <p:ext uri="{BB962C8B-B14F-4D97-AF65-F5344CB8AC3E}">
+        <p14:creationId xmlns:p14="http://schemas.microsoft.com/office/powerpoint/2010/main" val="1595875598"/>
+      </p:ext>
+    </p:extLst>
+  </p:cSld>
+  <p:clrMapOvr>
+    <a:masterClrMapping/>
+  </p:clrMapOvr>
+  <p:timing>
+    <p:tnLst>
+      <p:par>
+        <p:cTn id="1" dur="indefinite" restart="never" nodeType="tmRoot"/>
+      </p:par>
+    </p:tnLst>
+  </p:timing>
+</p:sld>
+</file>
+
+<file path=ppt/slides/slide45.xml><?xml version="1.0" encoding="utf-8"?>
+<p:sld xmlns:a="http://schemas.openxmlformats.org/drawingml/2006/main" xmlns:r="http://schemas.openxmlformats.org/officeDocument/2006/relationships" xmlns:p="http://schemas.openxmlformats.org/presentationml/2006/main">
+  <p:cSld>
+    <p:spTree>
+      <p:nvGrpSpPr>
+        <p:cNvPr id="1" name=""/>
+        <p:cNvGrpSpPr/>
+        <p:nvPr/>
+      </p:nvGrpSpPr>
+      <p:grpSpPr>
+        <a:xfrm>
+          <a:off x="0" y="0"/>
+          <a:ext cx="0" cy="0"/>
+          <a:chOff x="0" y="0"/>
+          <a:chExt cx="0" cy="0"/>
+        </a:xfrm>
+      </p:grpSpPr>
+      <p:sp>
+        <p:nvSpPr>
+          <p:cNvPr id="2" name="Title 1"/>
+          <p:cNvSpPr>
+            <a:spLocks noGrp="1"/>
+          </p:cNvSpPr>
+          <p:nvPr>
+            <p:ph type="title"/>
+          </p:nvPr>
+        </p:nvSpPr>
+        <p:spPr/>
+        <p:txBody>
+          <a:bodyPr/>
+          <a:lstStyle/>
+          <a:p>
+            <a:r>
+              <a:rPr lang="zh-CN" altLang="en-US" dirty="0" smtClean="0"/>
+              <a:t>模板</a:t>
+            </a:r>
+            <a:r>
+              <a:rPr lang="en-US" altLang="zh-CN" dirty="0" smtClean="0"/>
+              <a:t> </a:t>
+            </a:r>
+            <a:r>
+              <a:rPr lang="zh-CN" altLang="en-US" dirty="0" smtClean="0"/>
+              <a:t>扩展阅读</a:t>
+            </a:r>
+            <a:endParaRPr lang="en-US" dirty="0"/>
+          </a:p>
+        </p:txBody>
+      </p:sp>
+      <p:sp>
+        <p:nvSpPr>
+          <p:cNvPr id="3" name="Content Placeholder 2"/>
+          <p:cNvSpPr>
+            <a:spLocks noGrp="1"/>
+          </p:cNvSpPr>
+          <p:nvPr>
+            <p:ph idx="4294967295"/>
+          </p:nvPr>
+        </p:nvSpPr>
+        <p:spPr>
+          <a:xfrm>
+            <a:off x="1981200" y="1600201"/>
+            <a:ext cx="8229600" cy="4525963"/>
+          </a:xfrm>
+          <a:prstGeom prst="rect">
+            <a:avLst/>
+          </a:prstGeom>
+        </p:spPr>
+        <p:txBody>
+          <a:bodyPr/>
+          <a:lstStyle/>
+          <a:p>
+            <a:r>
+              <a:rPr lang="en-US" altLang="zh-CN" dirty="0" smtClean="0"/>
+              <a:t>STL </a:t>
+            </a:r>
+            <a:r>
+              <a:rPr lang="zh-CN" altLang="en-US" dirty="0" smtClean="0"/>
+              <a:t>算法</a:t>
+            </a:r>
+            <a:endParaRPr lang="en-US" altLang="zh-CN" dirty="0" smtClean="0"/>
+          </a:p>
+          <a:p>
+            <a:r>
+              <a:rPr lang="zh-CN" altLang="en-US" dirty="0" smtClean="0"/>
+              <a:t>函数对象</a:t>
+            </a:r>
+            <a:endParaRPr lang="en-US" dirty="0"/>
+          </a:p>
+        </p:txBody>
+      </p:sp>
+    </p:spTree>
+    <p:extLst>
+      <p:ext uri="{BB962C8B-B14F-4D97-AF65-F5344CB8AC3E}">
+        <p14:creationId xmlns:p14="http://schemas.microsoft.com/office/powerpoint/2010/main" val="363123546"/>
+      </p:ext>
+    </p:extLst>
+  </p:cSld>
+  <p:clrMapOvr>
+    <a:masterClrMapping/>
+  </p:clrMapOvr>
+  <p:timing>
+    <p:tnLst>
+      <p:par>
+        <p:cTn id="1" dur="indefinite" restart="never" nodeType="tmRoot"/>
+      </p:par>
+    </p:tnLst>
+  </p:timing>
 </p:sld>
 </file>
 
@@ -6331,15 +9088,24 @@
               </a:lnSpc>
             </a:pPr>
             <a:r>
-              <a:rPr lang="en-US" sz="4400">
+              <a:rPr lang="en-US" sz="4400" dirty="0">
                 <a:solidFill>
                   <a:srgbClr val="000000"/>
                 </a:solidFill>
                 <a:latin typeface="Calibri Light"/>
               </a:rPr>
-              <a:t>Question#3 class/struct</a:t>
-            </a:r>
-            <a:endParaRPr/>
+              <a:t>Question#3 class/</a:t>
+            </a:r>
+            <a:r>
+              <a:rPr lang="en-US" sz="4400" dirty="0" err="1">
+                <a:solidFill>
+                  <a:srgbClr val="000000"/>
+                </a:solidFill>
+                <a:latin typeface="Calibri Light"/>
+              </a:rPr>
+              <a:t>struct</a:t>
+            </a:r>
+            <a:endParaRPr dirty="0"/>
           </a:p>
         </p:txBody>
       </p:sp>
